--- a/spring12/slidesS12/diehardprimes.pptx
+++ b/spring12/slidesS12/diehardprimes.pptx
@@ -5,10 +5,10 @@
     <p:sldMasterId id="2147483650" r:id="rId1"/>
   </p:sldMasterIdLst>
   <p:notesMasterIdLst>
-    <p:notesMasterId r:id="rId22"/>
+    <p:notesMasterId r:id="rId20"/>
   </p:notesMasterIdLst>
   <p:handoutMasterIdLst>
-    <p:handoutMasterId r:id="rId23"/>
+    <p:handoutMasterId r:id="rId21"/>
   </p:handoutMasterIdLst>
   <p:sldIdLst>
     <p:sldId id="728" r:id="rId2"/>
@@ -20,22 +20,20 @@
     <p:sldId id="848" r:id="rId8"/>
     <p:sldId id="849" r:id="rId9"/>
     <p:sldId id="835" r:id="rId10"/>
-    <p:sldId id="828" r:id="rId11"/>
-    <p:sldId id="896" r:id="rId12"/>
-    <p:sldId id="882" r:id="rId13"/>
+    <p:sldId id="866" r:id="rId11"/>
+    <p:sldId id="900" r:id="rId12"/>
+    <p:sldId id="896" r:id="rId13"/>
     <p:sldId id="829" r:id="rId14"/>
-    <p:sldId id="866" r:id="rId15"/>
-    <p:sldId id="861" r:id="rId16"/>
-    <p:sldId id="868" r:id="rId17"/>
-    <p:sldId id="862" r:id="rId18"/>
-    <p:sldId id="899" r:id="rId19"/>
-    <p:sldId id="863" r:id="rId20"/>
-    <p:sldId id="865" r:id="rId21"/>
+    <p:sldId id="861" r:id="rId15"/>
+    <p:sldId id="862" r:id="rId16"/>
+    <p:sldId id="899" r:id="rId17"/>
+    <p:sldId id="863" r:id="rId18"/>
+    <p:sldId id="865" r:id="rId19"/>
   </p:sldIdLst>
   <p:sldSz cx="9144000" cy="6858000" type="screen4x3"/>
   <p:notesSz cx="9601200" cy="7315200"/>
   <p:custDataLst>
-    <p:tags r:id="rId25"/>
+    <p:tags r:id="rId23"/>
   </p:custDataLst>
   <p:defaultTextStyle>
     <a:defPPr>
@@ -970,7 +968,7 @@
       </p:grpSpPr>
       <p:sp>
         <p:nvSpPr>
-          <p:cNvPr id="62466" name="Rectangle 7"/>
+          <p:cNvPr id="75778" name="Rectangle 7"/>
           <p:cNvSpPr>
             <a:spLocks noGrp="1" noChangeArrowheads="1"/>
           </p:cNvSpPr>
@@ -985,7 +983,7 @@
           <a:bodyPr/>
           <a:lstStyle/>
           <a:p>
-            <a:fld id="{EEB7D971-AB60-4CE7-89A6-DF5676EB8740}" type="slidenum">
+            <a:fld id="{9C40EC5B-AB36-4405-8AF7-B23D065DB48B}" type="slidenum">
               <a:rPr lang="en-US" smtClean="0">
                 <a:latin typeface="Times New Roman" pitchFamily="8" charset="0"/>
               </a:rPr>
@@ -1000,7 +998,7 @@
       </p:sp>
       <p:sp>
         <p:nvSpPr>
-          <p:cNvPr id="62467" name="Rectangle 2"/>
+          <p:cNvPr id="75779" name="Rectangle 2"/>
           <p:cNvSpPr>
             <a:spLocks noGrp="1" noRot="1" noChangeAspect="1" noChangeArrowheads="1" noTextEdit="1"/>
           </p:cNvSpPr>
@@ -1014,7 +1012,7 @@
       </p:sp>
       <p:sp>
         <p:nvSpPr>
-          <p:cNvPr id="62468" name="Rectangle 3"/>
+          <p:cNvPr id="75780" name="Rectangle 3"/>
           <p:cNvSpPr>
             <a:spLocks noGrp="1" noChangeArrowheads="1"/>
           </p:cNvSpPr>
@@ -1064,7 +1062,7 @@
       </p:grpSpPr>
       <p:sp>
         <p:nvSpPr>
-          <p:cNvPr id="62466" name="Rectangle 7"/>
+          <p:cNvPr id="7" name="Rectangle 7"/>
           <p:cNvSpPr>
             <a:spLocks noGrp="1" noChangeArrowheads="1"/>
           </p:cNvSpPr>
@@ -1073,28 +1071,24 @@
           </p:nvPr>
         </p:nvSpPr>
         <p:spPr>
-          <a:noFill/>
+          <a:ln/>
         </p:spPr>
         <p:txBody>
           <a:bodyPr/>
           <a:lstStyle/>
           <a:p>
-            <a:fld id="{EEB7D971-AB60-4CE7-89A6-DF5676EB8740}" type="slidenum">
-              <a:rPr lang="en-US" smtClean="0">
-                <a:latin typeface="Times New Roman" pitchFamily="8" charset="0"/>
-              </a:rPr>
+            <a:fld id="{BD0B55ED-9ED0-4C64-9D5D-28DC4AA79C35}" type="slidenum">
+              <a:rPr lang="en-US"/>
               <a:pPr/>
               <a:t>11</a:t>
             </a:fld>
-            <a:endParaRPr lang="en-US" smtClean="0">
-              <a:latin typeface="Times New Roman" pitchFamily="8" charset="0"/>
-            </a:endParaRPr>
+            <a:endParaRPr lang="en-US"/>
           </a:p>
         </p:txBody>
       </p:sp>
       <p:sp>
         <p:nvSpPr>
-          <p:cNvPr id="62467" name="Rectangle 2"/>
+          <p:cNvPr id="783362" name="Rectangle 2"/>
           <p:cNvSpPr>
             <a:spLocks noGrp="1" noRot="1" noChangeAspect="1" noChangeArrowheads="1" noTextEdit="1"/>
           </p:cNvSpPr>
@@ -1108,7 +1102,7 @@
       </p:sp>
       <p:sp>
         <p:nvSpPr>
-          <p:cNvPr id="62468" name="Rectangle 3"/>
+          <p:cNvPr id="783363" name="Rectangle 3"/>
           <p:cNvSpPr>
             <a:spLocks noGrp="1" noChangeArrowheads="1"/>
           </p:cNvSpPr>
@@ -1116,18 +1110,12 @@
             <p:ph type="body" idx="1"/>
           </p:nvPr>
         </p:nvSpPr>
-        <p:spPr>
-          <a:noFill/>
-          <a:ln/>
-        </p:spPr>
+        <p:spPr/>
         <p:txBody>
           <a:bodyPr/>
           <a:lstStyle/>
           <a:p>
-            <a:pPr eaLnBrk="1" hangingPunct="1"/>
-            <a:endParaRPr lang="en-US" smtClean="0">
-              <a:latin typeface="Times New Roman" pitchFamily="8" charset="0"/>
-            </a:endParaRPr>
+            <a:endParaRPr lang="en-US"/>
           </a:p>
         </p:txBody>
       </p:sp>
@@ -1346,100 +1334,6 @@
       </p:grpSpPr>
       <p:sp>
         <p:nvSpPr>
-          <p:cNvPr id="75778" name="Rectangle 7"/>
-          <p:cNvSpPr>
-            <a:spLocks noGrp="1" noChangeArrowheads="1"/>
-          </p:cNvSpPr>
-          <p:nvPr>
-            <p:ph type="sldNum" sz="quarter" idx="5"/>
-          </p:nvPr>
-        </p:nvSpPr>
-        <p:spPr>
-          <a:noFill/>
-        </p:spPr>
-        <p:txBody>
-          <a:bodyPr/>
-          <a:lstStyle/>
-          <a:p>
-            <a:fld id="{9C40EC5B-AB36-4405-8AF7-B23D065DB48B}" type="slidenum">
-              <a:rPr lang="en-US" smtClean="0">
-                <a:latin typeface="Times New Roman" pitchFamily="8" charset="0"/>
-              </a:rPr>
-              <a:pPr/>
-              <a:t>14</a:t>
-            </a:fld>
-            <a:endParaRPr lang="en-US" smtClean="0">
-              <a:latin typeface="Times New Roman" pitchFamily="8" charset="0"/>
-            </a:endParaRPr>
-          </a:p>
-        </p:txBody>
-      </p:sp>
-      <p:sp>
-        <p:nvSpPr>
-          <p:cNvPr id="75779" name="Rectangle 2"/>
-          <p:cNvSpPr>
-            <a:spLocks noGrp="1" noRot="1" noChangeAspect="1" noChangeArrowheads="1" noTextEdit="1"/>
-          </p:cNvSpPr>
-          <p:nvPr>
-            <p:ph type="sldImg"/>
-          </p:nvPr>
-        </p:nvSpPr>
-        <p:spPr>
-          <a:ln/>
-        </p:spPr>
-      </p:sp>
-      <p:sp>
-        <p:nvSpPr>
-          <p:cNvPr id="75780" name="Rectangle 3"/>
-          <p:cNvSpPr>
-            <a:spLocks noGrp="1" noChangeArrowheads="1"/>
-          </p:cNvSpPr>
-          <p:nvPr>
-            <p:ph type="body" idx="1"/>
-          </p:nvPr>
-        </p:nvSpPr>
-        <p:spPr>
-          <a:noFill/>
-          <a:ln/>
-        </p:spPr>
-        <p:txBody>
-          <a:bodyPr/>
-          <a:lstStyle/>
-          <a:p>
-            <a:pPr eaLnBrk="1" hangingPunct="1"/>
-            <a:endParaRPr lang="en-US" smtClean="0">
-              <a:latin typeface="Times New Roman" pitchFamily="8" charset="0"/>
-            </a:endParaRPr>
-          </a:p>
-        </p:txBody>
-      </p:sp>
-    </p:spTree>
-  </p:cSld>
-  <p:clrMapOvr>
-    <a:masterClrMapping/>
-  </p:clrMapOvr>
-</p:notes>
-</file>
-
-<file path=ppt/notesSlides/notesSlide15.xml><?xml version="1.0" encoding="utf-8"?>
-<p:notes xmlns:a="http://schemas.openxmlformats.org/drawingml/2006/main" xmlns:r="http://schemas.openxmlformats.org/officeDocument/2006/relationships" xmlns:p="http://schemas.openxmlformats.org/presentationml/2006/main">
-  <p:cSld>
-    <p:spTree>
-      <p:nvGrpSpPr>
-        <p:cNvPr id="1" name=""/>
-        <p:cNvGrpSpPr/>
-        <p:nvPr/>
-      </p:nvGrpSpPr>
-      <p:grpSpPr>
-        <a:xfrm>
-          <a:off x="0" y="0"/>
-          <a:ext cx="0" cy="0"/>
-          <a:chOff x="0" y="0"/>
-          <a:chExt cx="0" cy="0"/>
-        </a:xfrm>
-      </p:grpSpPr>
-      <p:sp>
-        <p:nvSpPr>
           <p:cNvPr id="76802" name="Rectangle 7"/>
           <p:cNvSpPr>
             <a:spLocks noGrp="1" noChangeArrowheads="1"/>
@@ -1460,7 +1354,7 @@
                 <a:latin typeface="Times New Roman" pitchFamily="8" charset="0"/>
               </a:rPr>
               <a:pPr/>
-              <a:t>15</a:t>
+              <a:t>14</a:t>
             </a:fld>
             <a:endParaRPr lang="en-US" smtClean="0">
               <a:latin typeface="Times New Roman" pitchFamily="8" charset="0"/>
@@ -1515,91 +1409,7 @@
 </p:notes>
 </file>
 
-<file path=ppt/notesSlides/notesSlide16.xml><?xml version="1.0" encoding="utf-8"?>
-<p:notes xmlns:a="http://schemas.openxmlformats.org/drawingml/2006/main" xmlns:r="http://schemas.openxmlformats.org/officeDocument/2006/relationships" xmlns:p="http://schemas.openxmlformats.org/presentationml/2006/main">
-  <p:cSld>
-    <p:spTree>
-      <p:nvGrpSpPr>
-        <p:cNvPr id="1" name=""/>
-        <p:cNvGrpSpPr/>
-        <p:nvPr/>
-      </p:nvGrpSpPr>
-      <p:grpSpPr>
-        <a:xfrm>
-          <a:off x="0" y="0"/>
-          <a:ext cx="0" cy="0"/>
-          <a:chOff x="0" y="0"/>
-          <a:chExt cx="0" cy="0"/>
-        </a:xfrm>
-      </p:grpSpPr>
-      <p:sp>
-        <p:nvSpPr>
-          <p:cNvPr id="7" name="Rectangle 7"/>
-          <p:cNvSpPr>
-            <a:spLocks noGrp="1" noChangeArrowheads="1"/>
-          </p:cNvSpPr>
-          <p:nvPr>
-            <p:ph type="sldNum" sz="quarter" idx="5"/>
-          </p:nvPr>
-        </p:nvSpPr>
-        <p:spPr>
-          <a:ln/>
-        </p:spPr>
-        <p:txBody>
-          <a:bodyPr/>
-          <a:lstStyle/>
-          <a:p>
-            <a:fld id="{BD0B55ED-9ED0-4C64-9D5D-28DC4AA79C35}" type="slidenum">
-              <a:rPr lang="en-US"/>
-              <a:pPr/>
-              <a:t>16</a:t>
-            </a:fld>
-            <a:endParaRPr lang="en-US"/>
-          </a:p>
-        </p:txBody>
-      </p:sp>
-      <p:sp>
-        <p:nvSpPr>
-          <p:cNvPr id="783362" name="Rectangle 2"/>
-          <p:cNvSpPr>
-            <a:spLocks noGrp="1" noRot="1" noChangeAspect="1" noChangeArrowheads="1" noTextEdit="1"/>
-          </p:cNvSpPr>
-          <p:nvPr>
-            <p:ph type="sldImg"/>
-          </p:nvPr>
-        </p:nvSpPr>
-        <p:spPr>
-          <a:ln/>
-        </p:spPr>
-      </p:sp>
-      <p:sp>
-        <p:nvSpPr>
-          <p:cNvPr id="783363" name="Rectangle 3"/>
-          <p:cNvSpPr>
-            <a:spLocks noGrp="1" noChangeArrowheads="1"/>
-          </p:cNvSpPr>
-          <p:nvPr>
-            <p:ph type="body" idx="1"/>
-          </p:nvPr>
-        </p:nvSpPr>
-        <p:spPr/>
-        <p:txBody>
-          <a:bodyPr/>
-          <a:lstStyle/>
-          <a:p>
-            <a:endParaRPr lang="en-US"/>
-          </a:p>
-        </p:txBody>
-      </p:sp>
-    </p:spTree>
-  </p:cSld>
-  <p:clrMapOvr>
-    <a:masterClrMapping/>
-  </p:clrMapOvr>
-</p:notes>
-</file>
-
-<file path=ppt/notesSlides/notesSlide17.xml><?xml version="1.0" encoding="utf-8"?>
+<file path=ppt/notesSlides/notesSlide15.xml><?xml version="1.0" encoding="utf-8"?>
 <p:notes xmlns:a="http://schemas.openxmlformats.org/drawingml/2006/main" xmlns:r="http://schemas.openxmlformats.org/officeDocument/2006/relationships" xmlns:p="http://schemas.openxmlformats.org/presentationml/2006/main">
   <p:cSld>
     <p:spTree>
@@ -1638,7 +1448,7 @@
                 <a:latin typeface="Times New Roman" pitchFamily="8" charset="0"/>
               </a:rPr>
               <a:pPr/>
-              <a:t>17</a:t>
+              <a:t>15</a:t>
             </a:fld>
             <a:endParaRPr lang="en-US" smtClean="0">
               <a:latin typeface="Times New Roman" pitchFamily="8" charset="0"/>
@@ -1693,7 +1503,7 @@
 </p:notes>
 </file>
 
-<file path=ppt/notesSlides/notesSlide18.xml><?xml version="1.0" encoding="utf-8"?>
+<file path=ppt/notesSlides/notesSlide16.xml><?xml version="1.0" encoding="utf-8"?>
 <p:notes xmlns:a="http://schemas.openxmlformats.org/drawingml/2006/main" xmlns:r="http://schemas.openxmlformats.org/officeDocument/2006/relationships" xmlns:p="http://schemas.openxmlformats.org/presentationml/2006/main">
   <p:cSld>
     <p:spTree>
@@ -1732,7 +1542,7 @@
                 <a:latin typeface="Times New Roman" pitchFamily="8" charset="0"/>
               </a:rPr>
               <a:pPr/>
-              <a:t>18</a:t>
+              <a:t>16</a:t>
             </a:fld>
             <a:endParaRPr lang="en-US" smtClean="0">
               <a:latin typeface="Times New Roman" pitchFamily="8" charset="0"/>
@@ -1787,7 +1597,7 @@
 </p:notes>
 </file>
 
-<file path=ppt/notesSlides/notesSlide19.xml><?xml version="1.0" encoding="utf-8"?>
+<file path=ppt/notesSlides/notesSlide17.xml><?xml version="1.0" encoding="utf-8"?>
 <p:notes xmlns:a="http://schemas.openxmlformats.org/drawingml/2006/main" xmlns:r="http://schemas.openxmlformats.org/officeDocument/2006/relationships" xmlns:p="http://schemas.openxmlformats.org/presentationml/2006/main">
   <p:cSld>
     <p:spTree>
@@ -1838,7 +1648,7 @@
                 <a:latin typeface="Times New Roman" pitchFamily="8" charset="0"/>
               </a:rPr>
               <a:pPr algn="r" defTabSz="966788"/>
-              <a:t>19</a:t>
+              <a:t>17</a:t>
             </a:fld>
             <a:endParaRPr lang="en-US" sz="1300">
               <a:latin typeface="Times New Roman" pitchFamily="8" charset="0"/>
@@ -1924,6 +1734,100 @@
 </p:notes>
 </file>
 
+<file path=ppt/notesSlides/notesSlide18.xml><?xml version="1.0" encoding="utf-8"?>
+<p:notes xmlns:a="http://schemas.openxmlformats.org/drawingml/2006/main" xmlns:r="http://schemas.openxmlformats.org/officeDocument/2006/relationships" xmlns:p="http://schemas.openxmlformats.org/presentationml/2006/main">
+  <p:cSld>
+    <p:spTree>
+      <p:nvGrpSpPr>
+        <p:cNvPr id="1" name=""/>
+        <p:cNvGrpSpPr/>
+        <p:nvPr/>
+      </p:nvGrpSpPr>
+      <p:grpSpPr>
+        <a:xfrm>
+          <a:off x="0" y="0"/>
+          <a:ext cx="0" cy="0"/>
+          <a:chOff x="0" y="0"/>
+          <a:chExt cx="0" cy="0"/>
+        </a:xfrm>
+      </p:grpSpPr>
+      <p:sp>
+        <p:nvSpPr>
+          <p:cNvPr id="79874" name="Rectangle 7"/>
+          <p:cNvSpPr>
+            <a:spLocks noGrp="1" noChangeArrowheads="1"/>
+          </p:cNvSpPr>
+          <p:nvPr>
+            <p:ph type="sldNum" sz="quarter" idx="5"/>
+          </p:nvPr>
+        </p:nvSpPr>
+        <p:spPr>
+          <a:noFill/>
+        </p:spPr>
+        <p:txBody>
+          <a:bodyPr/>
+          <a:lstStyle/>
+          <a:p>
+            <a:fld id="{6F51FCDE-70E9-4F74-AB1E-02AC1D13FDB0}" type="slidenum">
+              <a:rPr lang="en-US" smtClean="0">
+                <a:latin typeface="Times New Roman" pitchFamily="8" charset="0"/>
+              </a:rPr>
+              <a:pPr/>
+              <a:t>18</a:t>
+            </a:fld>
+            <a:endParaRPr lang="en-US" smtClean="0">
+              <a:latin typeface="Times New Roman" pitchFamily="8" charset="0"/>
+            </a:endParaRPr>
+          </a:p>
+        </p:txBody>
+      </p:sp>
+      <p:sp>
+        <p:nvSpPr>
+          <p:cNvPr id="79875" name="Rectangle 2"/>
+          <p:cNvSpPr>
+            <a:spLocks noGrp="1" noRot="1" noChangeAspect="1" noChangeArrowheads="1" noTextEdit="1"/>
+          </p:cNvSpPr>
+          <p:nvPr>
+            <p:ph type="sldImg"/>
+          </p:nvPr>
+        </p:nvSpPr>
+        <p:spPr>
+          <a:ln/>
+        </p:spPr>
+      </p:sp>
+      <p:sp>
+        <p:nvSpPr>
+          <p:cNvPr id="79876" name="Rectangle 3"/>
+          <p:cNvSpPr>
+            <a:spLocks noGrp="1" noChangeArrowheads="1"/>
+          </p:cNvSpPr>
+          <p:nvPr>
+            <p:ph type="body" idx="1"/>
+          </p:nvPr>
+        </p:nvSpPr>
+        <p:spPr>
+          <a:noFill/>
+          <a:ln/>
+        </p:spPr>
+        <p:txBody>
+          <a:bodyPr/>
+          <a:lstStyle/>
+          <a:p>
+            <a:pPr eaLnBrk="1" hangingPunct="1"/>
+            <a:endParaRPr lang="en-US" smtClean="0">
+              <a:latin typeface="Times New Roman" pitchFamily="8" charset="0"/>
+            </a:endParaRPr>
+          </a:p>
+        </p:txBody>
+      </p:sp>
+    </p:spTree>
+  </p:cSld>
+  <p:clrMapOvr>
+    <a:masterClrMapping/>
+  </p:clrMapOvr>
+</p:notes>
+</file>
+
 <file path=ppt/notesSlides/notesSlide2.xml><?xml version="1.0" encoding="utf-8"?>
 <p:notes xmlns:a="http://schemas.openxmlformats.org/drawingml/2006/main" xmlns:r="http://schemas.openxmlformats.org/officeDocument/2006/relationships" xmlns:p="http://schemas.openxmlformats.org/presentationml/2006/main">
   <p:cSld>
@@ -1988,100 +1892,6 @@
       <p:sp>
         <p:nvSpPr>
           <p:cNvPr id="69636" name="Rectangle 3"/>
-          <p:cNvSpPr>
-            <a:spLocks noGrp="1" noChangeArrowheads="1"/>
-          </p:cNvSpPr>
-          <p:nvPr>
-            <p:ph type="body" idx="1"/>
-          </p:nvPr>
-        </p:nvSpPr>
-        <p:spPr>
-          <a:noFill/>
-          <a:ln/>
-        </p:spPr>
-        <p:txBody>
-          <a:bodyPr/>
-          <a:lstStyle/>
-          <a:p>
-            <a:pPr eaLnBrk="1" hangingPunct="1"/>
-            <a:endParaRPr lang="en-US" smtClean="0">
-              <a:latin typeface="Times New Roman" pitchFamily="8" charset="0"/>
-            </a:endParaRPr>
-          </a:p>
-        </p:txBody>
-      </p:sp>
-    </p:spTree>
-  </p:cSld>
-  <p:clrMapOvr>
-    <a:masterClrMapping/>
-  </p:clrMapOvr>
-</p:notes>
-</file>
-
-<file path=ppt/notesSlides/notesSlide20.xml><?xml version="1.0" encoding="utf-8"?>
-<p:notes xmlns:a="http://schemas.openxmlformats.org/drawingml/2006/main" xmlns:r="http://schemas.openxmlformats.org/officeDocument/2006/relationships" xmlns:p="http://schemas.openxmlformats.org/presentationml/2006/main">
-  <p:cSld>
-    <p:spTree>
-      <p:nvGrpSpPr>
-        <p:cNvPr id="1" name=""/>
-        <p:cNvGrpSpPr/>
-        <p:nvPr/>
-      </p:nvGrpSpPr>
-      <p:grpSpPr>
-        <a:xfrm>
-          <a:off x="0" y="0"/>
-          <a:ext cx="0" cy="0"/>
-          <a:chOff x="0" y="0"/>
-          <a:chExt cx="0" cy="0"/>
-        </a:xfrm>
-      </p:grpSpPr>
-      <p:sp>
-        <p:nvSpPr>
-          <p:cNvPr id="79874" name="Rectangle 7"/>
-          <p:cNvSpPr>
-            <a:spLocks noGrp="1" noChangeArrowheads="1"/>
-          </p:cNvSpPr>
-          <p:nvPr>
-            <p:ph type="sldNum" sz="quarter" idx="5"/>
-          </p:nvPr>
-        </p:nvSpPr>
-        <p:spPr>
-          <a:noFill/>
-        </p:spPr>
-        <p:txBody>
-          <a:bodyPr/>
-          <a:lstStyle/>
-          <a:p>
-            <a:fld id="{6F51FCDE-70E9-4F74-AB1E-02AC1D13FDB0}" type="slidenum">
-              <a:rPr lang="en-US" smtClean="0">
-                <a:latin typeface="Times New Roman" pitchFamily="8" charset="0"/>
-              </a:rPr>
-              <a:pPr/>
-              <a:t>20</a:t>
-            </a:fld>
-            <a:endParaRPr lang="en-US" smtClean="0">
-              <a:latin typeface="Times New Roman" pitchFamily="8" charset="0"/>
-            </a:endParaRPr>
-          </a:p>
-        </p:txBody>
-      </p:sp>
-      <p:sp>
-        <p:nvSpPr>
-          <p:cNvPr id="79875" name="Rectangle 2"/>
-          <p:cNvSpPr>
-            <a:spLocks noGrp="1" noRot="1" noChangeAspect="1" noChangeArrowheads="1" noTextEdit="1"/>
-          </p:cNvSpPr>
-          <p:nvPr>
-            <p:ph type="sldImg"/>
-          </p:nvPr>
-        </p:nvSpPr>
-        <p:spPr>
-          <a:ln/>
-        </p:spPr>
-      </p:sp>
-      <p:sp>
-        <p:nvSpPr>
-          <p:cNvPr id="79876" name="Rectangle 3"/>
           <p:cNvSpPr>
             <a:spLocks noGrp="1" noChangeArrowheads="1"/>
           </p:cNvSpPr>
@@ -4099,8 +3909,8 @@
         </p:nvSpPr>
         <p:spPr bwMode="auto">
           <a:xfrm>
-            <a:off x="2055813" y="411163"/>
-            <a:ext cx="5370512" cy="1068387"/>
+            <a:off x="1520514" y="411163"/>
+            <a:ext cx="6441111" cy="1077218"/>
           </a:xfrm>
           <a:prstGeom prst="rect">
             <a:avLst/>
@@ -4121,55 +3931,61 @@
           <a:p>
             <a:pPr algn="ctr"/>
             <a:r>
-              <a:rPr lang="en-US" sz="2800" b="1" i="1">
+              <a:rPr lang="en-US" sz="2800" b="1" dirty="0">
                 <a:solidFill>
                   <a:schemeClr val="tx2"/>
                 </a:solidFill>
-                <a:latin typeface="Times New Roman" pitchFamily="8" charset="0"/>
+                <a:latin typeface="Comic Sans MS"/>
+                <a:cs typeface="Comic Sans MS"/>
               </a:rPr>
               <a:t>Mathematics for Computer Science</a:t>
             </a:r>
             <a:r>
-              <a:rPr lang="en-US" sz="3600" b="1" i="1">
+              <a:rPr lang="en-US" sz="3600" b="1" dirty="0">
                 <a:solidFill>
                   <a:schemeClr val="tx2"/>
                 </a:solidFill>
-                <a:latin typeface="Times New Roman" pitchFamily="8" charset="0"/>
+                <a:latin typeface="Comic Sans MS"/>
+                <a:cs typeface="Comic Sans MS"/>
               </a:rPr>
               <a:t/>
             </a:r>
             <a:br>
-              <a:rPr lang="en-US" sz="3600" b="1" i="1">
+              <a:rPr lang="en-US" sz="3600" b="1" dirty="0">
                 <a:solidFill>
                   <a:schemeClr val="tx2"/>
                 </a:solidFill>
-                <a:latin typeface="Times New Roman" pitchFamily="8" charset="0"/>
+                <a:latin typeface="Comic Sans MS"/>
+                <a:cs typeface="Comic Sans MS"/>
               </a:rPr>
             </a:br>
             <a:r>
-              <a:rPr lang="en-US" sz="2400" b="1">
+              <a:rPr lang="en-US" sz="2400" b="1" dirty="0">
                 <a:solidFill>
                   <a:srgbClr val="008000"/>
                 </a:solidFill>
-                <a:latin typeface="Times New Roman" pitchFamily="8" charset="0"/>
+                <a:latin typeface="Comic Sans MS"/>
+                <a:cs typeface="Comic Sans MS"/>
               </a:rPr>
               <a:t>MIT</a:t>
             </a:r>
             <a:r>
-              <a:rPr lang="en-US" sz="3600" b="1" i="1">
+              <a:rPr lang="en-US" sz="3600" b="1" dirty="0">
                 <a:solidFill>
                   <a:schemeClr val="tx2"/>
                 </a:solidFill>
-                <a:latin typeface="Times New Roman" pitchFamily="8" charset="0"/>
+                <a:latin typeface="Comic Sans MS"/>
+                <a:cs typeface="Comic Sans MS"/>
               </a:rPr>
               <a:t> </a:t>
             </a:r>
             <a:r>
-              <a:rPr lang="en-US" sz="2400" b="1">
+              <a:rPr lang="en-US" sz="2400" b="1" dirty="0">
                 <a:solidFill>
                   <a:srgbClr val="008000"/>
                 </a:solidFill>
-                <a:latin typeface="Times New Roman" pitchFamily="8" charset="0"/>
+                <a:latin typeface="Comic Sans MS"/>
+                <a:cs typeface="Comic Sans MS"/>
               </a:rPr>
               <a:t>6.042J/18.062J</a:t>
             </a:r>
@@ -4192,7 +4008,7 @@
 </file>
 
 <file path=ppt/slides/slide10.xml><?xml version="1.0" encoding="utf-8"?>
-<p:sld xmlns:a="http://schemas.openxmlformats.org/drawingml/2006/main" xmlns:r="http://schemas.openxmlformats.org/officeDocument/2006/relationships" xmlns:p="http://schemas.openxmlformats.org/presentationml/2006/main" show="0">
+<p:sld xmlns:a="http://schemas.openxmlformats.org/drawingml/2006/main" xmlns:r="http://schemas.openxmlformats.org/officeDocument/2006/relationships" xmlns:p="http://schemas.openxmlformats.org/presentationml/2006/main">
   <p:cSld>
     <p:spTree>
       <p:nvGrpSpPr>
@@ -4210,30 +4026,7 @@
       </p:grpSpPr>
       <p:sp>
         <p:nvSpPr>
-          <p:cNvPr id="3077" name="Rectangle 2"/>
-          <p:cNvSpPr>
-            <a:spLocks noGrp="1" noChangeArrowheads="1"/>
-          </p:cNvSpPr>
-          <p:nvPr>
-            <p:ph type="title"/>
-          </p:nvPr>
-        </p:nvSpPr>
-        <p:spPr/>
-        <p:txBody>
-          <a:bodyPr/>
-          <a:lstStyle/>
-          <a:p>
-            <a:pPr eaLnBrk="1" hangingPunct="1"/>
-            <a:r>
-              <a:rPr lang="en-US" dirty="0" smtClean="0"/>
-              <a:t>Prime Divisibility</a:t>
-            </a:r>
-          </a:p>
-        </p:txBody>
-      </p:sp>
-      <p:sp>
-        <p:nvSpPr>
-          <p:cNvPr id="765955" name="Rectangle 3"/>
+          <p:cNvPr id="40962" name="Rectangle 3"/>
           <p:cNvSpPr>
             <a:spLocks noGrp="1" noChangeArrowheads="1"/>
           </p:cNvSpPr>
@@ -4243,9 +4036,15 @@
         </p:nvSpPr>
         <p:spPr>
           <a:xfrm>
-            <a:off x="342900" y="990600"/>
-            <a:ext cx="8458200" cy="5405438"/>
+            <a:off x="457200" y="1447800"/>
+            <a:ext cx="8229600" cy="3886200"/>
           </a:xfrm>
+          <a:ln w="38100">
+            <a:solidFill>
+              <a:srgbClr val="FF00FF"/>
+            </a:solidFill>
+            <a:prstDash val="dash"/>
+          </a:ln>
         </p:spPr>
         <p:txBody>
           <a:bodyPr/>
@@ -4256,587 +4055,98 @@
               <a:buNone/>
             </a:pPr>
             <a:r>
-              <a:rPr lang="en-US" sz="4000" i="1" dirty="0" smtClean="0"/>
-              <a:t>Lemma</a:t>
-            </a:r>
-            <a:r>
-              <a:rPr lang="en-US" sz="4000" dirty="0" smtClean="0"/>
-              <a:t>:</a:t>
-            </a:r>
-            <a:r>
-              <a:rPr lang="en-US" sz="4400" dirty="0" smtClean="0"/>
-              <a:t> </a:t>
-            </a:r>
-            <a:r>
-              <a:rPr lang="en-US" sz="4400" dirty="0" smtClean="0">
-                <a:solidFill>
-                  <a:srgbClr val="0000CC"/>
-                </a:solidFill>
-              </a:rPr>
-              <a:t>p</a:t>
-            </a:r>
-            <a:r>
-              <a:rPr lang="en-US" sz="4400" dirty="0" smtClean="0"/>
-              <a:t> prime and </a:t>
-            </a:r>
-            <a:r>
-              <a:rPr lang="en-US" sz="4400" dirty="0" smtClean="0">
-                <a:solidFill>
-                  <a:srgbClr val="0000CC"/>
-                </a:solidFill>
-              </a:rPr>
-              <a:t>p</a:t>
-            </a:r>
-            <a:r>
-              <a:rPr lang="en-US" sz="4400" baseline="-25000" dirty="0" smtClean="0">
-                <a:solidFill>
-                  <a:srgbClr val="0000CC"/>
-                </a:solidFill>
-              </a:rPr>
-              <a:t> </a:t>
-            </a:r>
-            <a:r>
-              <a:rPr lang="en-US" sz="4400" dirty="0" smtClean="0">
-                <a:solidFill>
-                  <a:srgbClr val="0000CC"/>
-                </a:solidFill>
-              </a:rPr>
-              <a:t>|</a:t>
-            </a:r>
-            <a:r>
-              <a:rPr lang="en-US" sz="4400" baseline="-25000" dirty="0" smtClean="0">
-                <a:solidFill>
-                  <a:srgbClr val="0000CC"/>
-                </a:solidFill>
-              </a:rPr>
-              <a:t> </a:t>
-            </a:r>
-            <a:r>
-              <a:rPr lang="en-US" sz="4400" dirty="0" err="1" smtClean="0">
-                <a:solidFill>
-                  <a:srgbClr val="0000CC"/>
-                </a:solidFill>
-              </a:rPr>
-              <a:t>ab</a:t>
-            </a:r>
-            <a:endParaRPr lang="en-US" sz="4400" dirty="0" smtClean="0">
-              <a:solidFill>
-                <a:srgbClr val="0000CC"/>
-              </a:solidFill>
-            </a:endParaRPr>
-          </a:p>
-          <a:p>
-            <a:pPr marL="0" indent="0" algn="ctr" eaLnBrk="1" hangingPunct="1">
-              <a:buFontTx/>
-              <a:buNone/>
-            </a:pPr>
-            <a:r>
-              <a:rPr lang="en-US" sz="4400" dirty="0" smtClean="0">
-                <a:solidFill>
-                  <a:srgbClr val="0000CC"/>
-                </a:solidFill>
-              </a:rPr>
-              <a:t> </a:t>
-            </a:r>
-            <a:r>
-              <a:rPr lang="en-US" sz="4400" dirty="0" smtClean="0"/>
-              <a:t>implies </a:t>
-            </a:r>
-            <a:r>
-              <a:rPr lang="en-US" sz="4400" dirty="0" err="1" smtClean="0">
-                <a:solidFill>
-                  <a:srgbClr val="0000CC"/>
-                </a:solidFill>
-              </a:rPr>
-              <a:t>p|a</a:t>
-            </a:r>
-            <a:r>
-              <a:rPr lang="en-US" sz="4400" dirty="0" smtClean="0">
-                <a:solidFill>
-                  <a:srgbClr val="0000CC"/>
-                </a:solidFill>
-              </a:rPr>
-              <a:t>  </a:t>
-            </a:r>
-            <a:r>
-              <a:rPr lang="en-US" sz="4400" dirty="0" smtClean="0"/>
-              <a:t>or</a:t>
-            </a:r>
-            <a:r>
-              <a:rPr lang="en-US" sz="4400" dirty="0" smtClean="0">
-                <a:solidFill>
-                  <a:srgbClr val="0000CC"/>
-                </a:solidFill>
-              </a:rPr>
-              <a:t> </a:t>
-            </a:r>
-            <a:r>
-              <a:rPr lang="en-US" sz="4400" dirty="0" err="1" smtClean="0">
-                <a:solidFill>
-                  <a:srgbClr val="0000CC"/>
-                </a:solidFill>
-              </a:rPr>
-              <a:t>p|b</a:t>
-            </a:r>
-            <a:endParaRPr lang="en-US" sz="4400" dirty="0" smtClean="0">
-              <a:solidFill>
-                <a:srgbClr val="0000CC"/>
-              </a:solidFill>
-            </a:endParaRPr>
-          </a:p>
-          <a:p>
-            <a:pPr marL="0" indent="0" eaLnBrk="1" hangingPunct="1">
-              <a:buFontTx/>
-              <a:buNone/>
-            </a:pPr>
-            <a:r>
-              <a:rPr lang="en-US" sz="4400" i="1" dirty="0" err="1" smtClean="0"/>
-              <a:t>pf</a:t>
-            </a:r>
-            <a:r>
-              <a:rPr lang="en-US" sz="4400" dirty="0" smtClean="0"/>
-              <a:t>: say </a:t>
-            </a:r>
-            <a:r>
-              <a:rPr lang="en-US" sz="4400" dirty="0" smtClean="0">
-                <a:solidFill>
-                  <a:schemeClr val="accent2"/>
-                </a:solidFill>
-                <a:sym typeface="Euclid Symbol" pitchFamily="18" charset="2"/>
-              </a:rPr>
-              <a:t>not</a:t>
-            </a:r>
-            <a:r>
-              <a:rPr lang="en-US" sz="4400" dirty="0" smtClean="0">
-                <a:solidFill>
-                  <a:srgbClr val="0000CC"/>
-                </a:solidFill>
-                <a:sym typeface="Euclid Symbol" pitchFamily="18" charset="2"/>
-              </a:rPr>
-              <a:t>(</a:t>
-            </a:r>
-            <a:r>
-              <a:rPr lang="en-US" sz="4400" dirty="0" err="1" smtClean="0">
-                <a:solidFill>
-                  <a:srgbClr val="0000CC"/>
-                </a:solidFill>
-              </a:rPr>
-              <a:t>p|a</a:t>
-            </a:r>
-            <a:r>
-              <a:rPr lang="en-US" sz="4400" dirty="0" smtClean="0">
-                <a:solidFill>
-                  <a:srgbClr val="0000CC"/>
-                </a:solidFill>
-              </a:rPr>
-              <a:t>), </a:t>
-            </a:r>
-            <a:r>
-              <a:rPr lang="en-US" sz="4400" dirty="0" smtClean="0"/>
-              <a:t>so </a:t>
-            </a:r>
-            <a:r>
-              <a:rPr lang="en-US" sz="4400" dirty="0" err="1" smtClean="0">
-                <a:solidFill>
-                  <a:srgbClr val="0000CC"/>
-                </a:solidFill>
-              </a:rPr>
-              <a:t>gcd</a:t>
-            </a:r>
-            <a:r>
-              <a:rPr lang="en-US" sz="4400" dirty="0" smtClean="0">
-                <a:solidFill>
-                  <a:srgbClr val="0000CC"/>
-                </a:solidFill>
-              </a:rPr>
-              <a:t>(</a:t>
-            </a:r>
-            <a:r>
-              <a:rPr lang="en-US" sz="4400" dirty="0" err="1" smtClean="0">
-                <a:solidFill>
-                  <a:srgbClr val="0000CC"/>
-                </a:solidFill>
-              </a:rPr>
-              <a:t>p,a</a:t>
-            </a:r>
-            <a:r>
-              <a:rPr lang="en-US" sz="4400" dirty="0" smtClean="0">
-                <a:solidFill>
-                  <a:srgbClr val="0000CC"/>
-                </a:solidFill>
-              </a:rPr>
-              <a:t>) = 1.</a:t>
-            </a:r>
-          </a:p>
-          <a:p>
-            <a:pPr marL="0" indent="0" eaLnBrk="1" hangingPunct="1">
-              <a:buFontTx/>
-              <a:buNone/>
-            </a:pPr>
-            <a:r>
-              <a:rPr lang="en-US" sz="4400" dirty="0" smtClean="0"/>
-              <a:t>so,       </a:t>
-            </a:r>
-            <a:r>
-              <a:rPr lang="en-US" sz="4400" dirty="0" err="1" smtClean="0">
-                <a:solidFill>
-                  <a:srgbClr val="0000CC"/>
-                </a:solidFill>
-              </a:rPr>
-              <a:t>sa</a:t>
-            </a:r>
-            <a:r>
-              <a:rPr lang="en-US" sz="4400" dirty="0" smtClean="0">
-                <a:solidFill>
-                  <a:srgbClr val="0000CC"/>
-                </a:solidFill>
-              </a:rPr>
-              <a:t>    +  </a:t>
-            </a:r>
-            <a:r>
-              <a:rPr lang="en-US" sz="4400" dirty="0" err="1" smtClean="0">
-                <a:solidFill>
-                  <a:srgbClr val="0000CC"/>
-                </a:solidFill>
-              </a:rPr>
-              <a:t>tp</a:t>
-            </a:r>
-            <a:r>
-              <a:rPr lang="en-US" sz="4400" dirty="0" smtClean="0">
-                <a:solidFill>
-                  <a:srgbClr val="0000CC"/>
-                </a:solidFill>
-              </a:rPr>
-              <a:t>     = 1</a:t>
-            </a:r>
-          </a:p>
-          <a:p>
-            <a:pPr marL="0" indent="0" eaLnBrk="1" hangingPunct="1"/>
-            <a:r>
-              <a:rPr lang="en-US" sz="4400" dirty="0" smtClean="0">
-                <a:solidFill>
-                  <a:srgbClr val="0000CC"/>
-                </a:solidFill>
-              </a:rPr>
-              <a:t>          (</a:t>
-            </a:r>
-            <a:r>
-              <a:rPr lang="en-US" sz="4400" dirty="0" err="1" smtClean="0">
-                <a:solidFill>
-                  <a:srgbClr val="0000CC"/>
-                </a:solidFill>
-              </a:rPr>
-              <a:t>sa)b</a:t>
-            </a:r>
-            <a:r>
-              <a:rPr lang="en-US" sz="4400" dirty="0" smtClean="0">
-                <a:solidFill>
-                  <a:srgbClr val="0000CC"/>
-                </a:solidFill>
-              </a:rPr>
-              <a:t> + (</a:t>
-            </a:r>
-            <a:r>
-              <a:rPr lang="en-US" sz="4400" dirty="0" err="1" smtClean="0">
-                <a:solidFill>
-                  <a:srgbClr val="0000CC"/>
-                </a:solidFill>
-              </a:rPr>
-              <a:t>tp)b</a:t>
-            </a:r>
-            <a:r>
-              <a:rPr lang="en-US" sz="4400" dirty="0" smtClean="0">
-                <a:solidFill>
-                  <a:srgbClr val="0000CC"/>
-                </a:solidFill>
-              </a:rPr>
-              <a:t> = 1</a:t>
-            </a:r>
-            <a:r>
-              <a:rPr lang="en-US" sz="4400" dirty="0" smtClean="0"/>
-              <a:t>∙</a:t>
-            </a:r>
-            <a:r>
-              <a:rPr lang="en-US" sz="4400" dirty="0" smtClean="0">
-                <a:solidFill>
-                  <a:srgbClr val="0000CC"/>
-                </a:solidFill>
-              </a:rPr>
-              <a:t>b</a:t>
-            </a:r>
-          </a:p>
-        </p:txBody>
-      </p:sp>
-      <p:graphicFrame>
-        <p:nvGraphicFramePr>
-          <p:cNvPr id="765957" name="Object 5"/>
-          <p:cNvGraphicFramePr>
-            <a:graphicFrameLocks noChangeAspect="1"/>
-          </p:cNvGraphicFramePr>
-          <p:nvPr>
-            <p:extLst>
-              <p:ext uri="{D42A27DB-BD31-4B8C-83A1-F6EECF244321}">
-                <p14:modId xmlns:p14="http://schemas.microsoft.com/office/powerpoint/2010/main" val="1252622888"/>
-              </p:ext>
-            </p:extLst>
-          </p:nvPr>
-        </p:nvGraphicFramePr>
-        <p:xfrm>
-          <a:off x="2406650" y="3468688"/>
-          <a:ext cx="1200150" cy="2705100"/>
-        </p:xfrm>
-        <a:graphic>
-          <a:graphicData uri="http://schemas.openxmlformats.org/presentationml/2006/ole">
-            <mc:AlternateContent xmlns:mc="http://schemas.openxmlformats.org/markup-compatibility/2006">
-              <mc:Choice xmlns:v="urn:schemas-microsoft-com:vml" Requires="v">
-                <p:oleObj spid="_x0000_s3174" name="Equation" r:id="rId4" imgW="152400" imgH="457200" progId="Equation.DSMT4">
-                  <p:embed/>
-                </p:oleObj>
-              </mc:Choice>
-              <mc:Fallback>
-                <p:oleObj name="Equation" r:id="rId4" imgW="152400" imgH="457200" progId="Equation.DSMT4">
-                  <p:embed/>
-                  <p:pic>
-                    <p:nvPicPr>
-                      <p:cNvPr id="0" name="Object 5"/>
-                      <p:cNvPicPr>
-                        <a:picLocks noChangeAspect="1" noChangeArrowheads="1"/>
-                      </p:cNvPicPr>
-                      <p:nvPr/>
-                    </p:nvPicPr>
-                    <p:blipFill>
-                      <a:blip r:embed="rId5"/>
-                      <a:srcRect/>
-                      <a:stretch>
-                        <a:fillRect/>
-                      </a:stretch>
-                    </p:blipFill>
-                    <p:spPr bwMode="auto">
-                      <a:xfrm>
-                        <a:off x="2406650" y="3468688"/>
-                        <a:ext cx="1200150" cy="2705100"/>
-                      </a:xfrm>
-                      <a:prstGeom prst="rect">
-                        <a:avLst/>
-                      </a:prstGeom>
-                      <a:noFill/>
-                      <a:extLst>
-                        <a:ext uri="{909E8E84-426E-40dd-AFC4-6F175D3DCCD1}">
-                          <a14:hiddenFill xmlns:a14="http://schemas.microsoft.com/office/drawing/2010/main">
-                            <a:solidFill>
-                              <a:srgbClr val="FFFFFF"/>
-                            </a:solidFill>
-                          </a14:hiddenFill>
-                        </a:ext>
-                      </a:extLst>
-                    </p:spPr>
-                  </p:pic>
-                </p:oleObj>
-              </mc:Fallback>
-            </mc:AlternateContent>
-          </a:graphicData>
-        </a:graphic>
-      </p:graphicFrame>
-      <p:grpSp>
-        <p:nvGrpSpPr>
-          <p:cNvPr id="13" name="Group 12"/>
-          <p:cNvGrpSpPr/>
-          <p:nvPr/>
-        </p:nvGrpSpPr>
-        <p:grpSpPr>
-          <a:xfrm>
-            <a:off x="5397500" y="3400425"/>
-            <a:ext cx="1612900" cy="2767013"/>
-            <a:chOff x="4940300" y="3400425"/>
-            <a:chExt cx="1612900" cy="2767013"/>
-          </a:xfrm>
-        </p:grpSpPr>
-        <p:sp>
-          <p:nvSpPr>
-            <p:cNvPr id="3083" name="Text Box 8"/>
-            <p:cNvSpPr txBox="1">
-              <a:spLocks noChangeArrowheads="1"/>
-            </p:cNvSpPr>
-            <p:nvPr/>
-          </p:nvSpPr>
-          <p:spPr bwMode="auto">
-            <a:xfrm>
-              <a:off x="4940300" y="5181600"/>
-              <a:ext cx="698500" cy="701675"/>
-            </a:xfrm>
-            <a:prstGeom prst="rect">
-              <a:avLst/>
-            </a:prstGeom>
-            <a:noFill/>
-            <a:ln w="38100">
-              <a:noFill/>
-              <a:miter lim="800000"/>
-              <a:headEnd/>
-              <a:tailEnd type="none" w="lg" len="lg"/>
-            </a:ln>
-          </p:spPr>
-          <p:txBody>
-            <a:bodyPr wrap="none">
-              <a:spAutoFit/>
-            </a:bodyPr>
-            <a:lstStyle/>
-            <a:p>
-              <a:r>
-                <a:rPr lang="en-US" dirty="0"/>
-                <a:t>so</a:t>
-              </a:r>
-            </a:p>
-          </p:txBody>
-        </p:sp>
-        <p:graphicFrame>
-          <p:nvGraphicFramePr>
-            <p:cNvPr id="3076" name="Object 9"/>
-            <p:cNvGraphicFramePr>
-              <a:graphicFrameLocks noChangeAspect="1"/>
-            </p:cNvGraphicFramePr>
-            <p:nvPr>
-              <p:extLst>
-                <p:ext uri="{D42A27DB-BD31-4B8C-83A1-F6EECF244321}">
-                  <p14:modId xmlns:p14="http://schemas.microsoft.com/office/powerpoint/2010/main" val="3049523927"/>
-                </p:ext>
-              </p:extLst>
-            </p:nvPr>
-          </p:nvGraphicFramePr>
-          <p:xfrm>
-            <a:off x="5487988" y="3400425"/>
-            <a:ext cx="1065212" cy="2767013"/>
-          </p:xfrm>
-          <a:graphic>
-            <a:graphicData uri="http://schemas.openxmlformats.org/presentationml/2006/ole">
-              <mc:AlternateContent xmlns:mc="http://schemas.openxmlformats.org/markup-compatibility/2006">
-                <mc:Choice xmlns:v="urn:schemas-microsoft-com:vml" Requires="v">
-                  <p:oleObj spid="_x0000_s3175" name="Equation" r:id="rId6" imgW="139700" imgH="482600" progId="Equation.3">
-                    <p:embed/>
-                  </p:oleObj>
-                </mc:Choice>
-                <mc:Fallback>
-                  <p:oleObj name="Equation" r:id="rId6" imgW="139700" imgH="482600" progId="Equation.3">
-                    <p:embed/>
-                    <p:pic>
-                      <p:nvPicPr>
-                        <p:cNvPr id="0" name="Object 9"/>
-                        <p:cNvPicPr>
-                          <a:picLocks noChangeAspect="1" noChangeArrowheads="1"/>
-                        </p:cNvPicPr>
-                        <p:nvPr/>
-                      </p:nvPicPr>
-                      <p:blipFill>
-                        <a:blip r:embed="rId7"/>
-                        <a:srcRect/>
-                        <a:stretch>
-                          <a:fillRect/>
-                        </a:stretch>
-                      </p:blipFill>
-                      <p:spPr bwMode="auto">
-                        <a:xfrm>
-                          <a:off x="5487988" y="3400425"/>
-                          <a:ext cx="1065212" cy="2767013"/>
-                        </a:xfrm>
-                        <a:prstGeom prst="rect">
-                          <a:avLst/>
-                        </a:prstGeom>
-                        <a:noFill/>
-                        <a:extLst>
-                          <a:ext uri="{909E8E84-426E-40dd-AFC4-6F175D3DCCD1}">
-                            <a14:hiddenFill xmlns:a14="http://schemas.microsoft.com/office/drawing/2010/main">
-                              <a:solidFill>
-                                <a:srgbClr val="FFFFFF"/>
-                              </a:solidFill>
-                            </a14:hiddenFill>
-                          </a:ext>
-                        </a:extLst>
-                      </p:spPr>
-                    </p:pic>
-                  </p:oleObj>
-                </mc:Fallback>
-              </mc:AlternateContent>
-            </a:graphicData>
-          </a:graphic>
-        </p:graphicFrame>
-      </p:grpSp>
-      <p:sp>
-        <p:nvSpPr>
-          <p:cNvPr id="3080" name="Text Box 10"/>
-          <p:cNvSpPr txBox="1">
-            <a:spLocks noChangeArrowheads="1"/>
-          </p:cNvSpPr>
-          <p:nvPr/>
-        </p:nvSpPr>
-        <p:spPr bwMode="auto">
-          <a:xfrm>
-            <a:off x="7086600" y="5867400"/>
-            <a:ext cx="184150" cy="701675"/>
-          </a:xfrm>
-          <a:prstGeom prst="rect">
-            <a:avLst/>
-          </a:prstGeom>
-          <a:noFill/>
-          <a:ln w="38100">
-            <a:noFill/>
-            <a:miter lim="800000"/>
-            <a:headEnd/>
-            <a:tailEnd type="none" w="lg" len="lg"/>
-          </a:ln>
-        </p:spPr>
-        <p:txBody>
-          <a:bodyPr wrap="none">
-            <a:spAutoFit/>
-          </a:bodyPr>
-          <a:lstStyle/>
-          <a:p>
-            <a:endParaRPr lang="en-US"/>
+              <a:rPr lang="en-US" sz="6000" dirty="0" smtClean="0">
+                <a:solidFill>
+                  <a:srgbClr val="000000"/>
+                </a:solidFill>
+              </a:rPr>
+              <a:t>Every integer </a:t>
+            </a:r>
+            <a:r>
+              <a:rPr lang="en-US" sz="6000" b="1" dirty="0" smtClean="0">
+                <a:solidFill>
+                  <a:srgbClr val="000000"/>
+                </a:solidFill>
+                <a:latin typeface="Times New Roman" pitchFamily="18" charset="0"/>
+                <a:cs typeface="Times New Roman" pitchFamily="18" charset="0"/>
+              </a:rPr>
+              <a:t>&gt;</a:t>
+            </a:r>
+            <a:r>
+              <a:rPr lang="en-US" sz="6000" dirty="0" smtClean="0">
+                <a:solidFill>
+                  <a:srgbClr val="000000"/>
+                </a:solidFill>
+              </a:rPr>
+              <a:t> 1 factors </a:t>
+            </a:r>
+            <a:r>
+              <a:rPr lang="en-US" sz="6000" dirty="0" smtClean="0">
+                <a:solidFill>
+                  <a:srgbClr val="008000"/>
+                </a:solidFill>
+              </a:rPr>
+              <a:t>uniquely</a:t>
+            </a:r>
+            <a:r>
+              <a:rPr lang="en-US" sz="6000" dirty="0" smtClean="0">
+                <a:solidFill>
+                  <a:srgbClr val="000000"/>
+                </a:solidFill>
+              </a:rPr>
+              <a:t> into a weakly decreasing sequence of primes</a:t>
+            </a:r>
           </a:p>
         </p:txBody>
       </p:sp>
       <p:sp>
         <p:nvSpPr>
-          <p:cNvPr id="765963" name="Text Box 11"/>
-          <p:cNvSpPr txBox="1">
-            <a:spLocks noChangeArrowheads="1"/>
+          <p:cNvPr id="40963" name="Rectangle 5"/>
+          <p:cNvSpPr>
+            <a:spLocks noGrp="1" noChangeArrowheads="1"/>
           </p:cNvSpPr>
-          <p:nvPr/>
+          <p:nvPr>
+            <p:ph type="title"/>
+          </p:nvPr>
         </p:nvSpPr>
-        <p:spPr bwMode="auto">
-          <a:xfrm>
-            <a:off x="6842125" y="5775325"/>
-            <a:ext cx="1312863" cy="701675"/>
-          </a:xfrm>
-          <a:prstGeom prst="rect">
-            <a:avLst/>
-          </a:prstGeom>
+        <p:spPr>
           <a:noFill/>
-          <a:ln w="38100">
-            <a:noFill/>
-            <a:miter lim="800000"/>
-            <a:headEnd/>
-            <a:tailEnd type="none" w="lg" len="lg"/>
-          </a:ln>
         </p:spPr>
         <p:txBody>
-          <a:bodyPr wrap="none">
-            <a:spAutoFit/>
-          </a:bodyPr>
+          <a:bodyPr/>
           <a:lstStyle/>
           <a:p>
-            <a:r>
-              <a:rPr lang="en-US" dirty="0">
-                <a:solidFill>
-                  <a:srgbClr val="008000"/>
-                </a:solidFill>
-              </a:rPr>
-              <a:t>QED</a:t>
+            <a:pPr eaLnBrk="1" hangingPunct="1"/>
+            <a:r>
+              <a:rPr lang="en-US" sz="3600" dirty="0" smtClean="0">
+                <a:solidFill>
+                  <a:schemeClr val="tx1"/>
+                </a:solidFill>
+              </a:rPr>
+              <a:t>Fundamental </a:t>
+            </a:r>
+            <a:r>
+              <a:rPr lang="en-US" sz="3600" dirty="0" err="1" smtClean="0">
+                <a:solidFill>
+                  <a:schemeClr val="tx1"/>
+                </a:solidFill>
+              </a:rPr>
+              <a:t>Thm</a:t>
+            </a:r>
+            <a:r>
+              <a:rPr lang="en-US" sz="3600" dirty="0" smtClean="0">
+                <a:solidFill>
+                  <a:schemeClr val="tx1"/>
+                </a:solidFill>
+              </a:rPr>
+              <a:t>. of Arithmetic</a:t>
             </a:r>
           </a:p>
         </p:txBody>
       </p:sp>
       <p:sp>
         <p:nvSpPr>
-          <p:cNvPr id="3082" name="Slide Number Placeholder 3"/>
+          <p:cNvPr id="40964" name="Slide Number Placeholder 3"/>
           <p:cNvSpPr>
             <a:spLocks noGrp="1"/>
           </p:cNvSpPr>
@@ -4863,7 +4173,7 @@
               </a:rPr>
               <a:t> 5M.</a:t>
             </a:r>
-            <a:fld id="{2DB9C430-3F2F-43A5-BD8A-0C6CA31B929D}" type="slidenum">
+            <a:fld id="{ED062411-6F17-41FB-A2D2-BA09849AA3A4}" type="slidenum">
               <a:rPr lang="en-US" sz="1200" smtClean="0">
                 <a:latin typeface="Comic Sans MS" pitchFamily="8" charset="0"/>
               </a:rPr>
@@ -4876,84 +4186,23 @@
           </a:p>
         </p:txBody>
       </p:sp>
-      <p:graphicFrame>
-        <p:nvGraphicFramePr>
-          <p:cNvPr id="3" name="Object 5"/>
-          <p:cNvGraphicFramePr>
-            <a:graphicFrameLocks noChangeAspect="1"/>
-          </p:cNvGraphicFramePr>
-          <p:nvPr>
-            <p:extLst>
-              <p:ext uri="{D42A27DB-BD31-4B8C-83A1-F6EECF244321}">
-                <p14:modId xmlns:p14="http://schemas.microsoft.com/office/powerpoint/2010/main" val="2154575149"/>
-              </p:ext>
-            </p:extLst>
-          </p:nvPr>
-        </p:nvGraphicFramePr>
-        <p:xfrm>
-          <a:off x="3930650" y="3394075"/>
-          <a:ext cx="1200150" cy="2854325"/>
-        </p:xfrm>
-        <a:graphic>
-          <a:graphicData uri="http://schemas.openxmlformats.org/presentationml/2006/ole">
-            <mc:AlternateContent xmlns:mc="http://schemas.openxmlformats.org/markup-compatibility/2006">
-              <mc:Choice xmlns:v="urn:schemas-microsoft-com:vml" Requires="v">
-                <p:oleObj spid="_x0000_s3176" name="Equation" r:id="rId8" imgW="152400" imgH="482600" progId="Equation.3">
-                  <p:embed/>
-                </p:oleObj>
-              </mc:Choice>
-              <mc:Fallback>
-                <p:oleObj name="Equation" r:id="rId8" imgW="152400" imgH="482600" progId="Equation.3">
-                  <p:embed/>
-                  <p:pic>
-                    <p:nvPicPr>
-                      <p:cNvPr id="0" name="Picture 12"/>
-                      <p:cNvPicPr>
-                        <a:picLocks noChangeAspect="1" noChangeArrowheads="1"/>
-                      </p:cNvPicPr>
-                      <p:nvPr/>
-                    </p:nvPicPr>
-                    <p:blipFill>
-                      <a:blip r:embed="rId9"/>
-                      <a:srcRect/>
-                      <a:stretch>
-                        <a:fillRect/>
-                      </a:stretch>
-                    </p:blipFill>
-                    <p:spPr bwMode="auto">
-                      <a:xfrm>
-                        <a:off x="3930650" y="3394075"/>
-                        <a:ext cx="1200150" cy="2854325"/>
-                      </a:xfrm>
-                      <a:prstGeom prst="rect">
-                        <a:avLst/>
-                      </a:prstGeom>
-                      <a:noFill/>
-                      <a:extLst>
-                        <a:ext uri="{909E8E84-426E-40dd-AFC4-6F175D3DCCD1}">
-                          <a14:hiddenFill xmlns:a14="http://schemas.microsoft.com/office/drawing/2010/main">
-                            <a:solidFill>
-                              <a:srgbClr val="FFFFFF"/>
-                            </a:solidFill>
-                          </a14:hiddenFill>
-                        </a:ext>
-                      </a:extLst>
-                    </p:spPr>
-                  </p:pic>
-                </p:oleObj>
-              </mc:Fallback>
-            </mc:AlternateContent>
-          </a:graphicData>
-        </a:graphic>
-      </p:graphicFrame>
     </p:spTree>
   </p:cSld>
   <p:clrMapOvr>
     <a:masterClrMapping/>
   </p:clrMapOvr>
-  <p:transition xmlns:p14="http://schemas.microsoft.com/office/powerpoint/2010/main">
-    <p:fade thruBlk="1"/>
-  </p:transition>
+  <mc:AlternateContent xmlns:mc="http://schemas.openxmlformats.org/markup-compatibility/2006" xmlns:p14="http://schemas.microsoft.com/office/powerpoint/2010/main">
+    <mc:Choice Requires="p14">
+      <p:transition spd="slow" p14:dur="800">
+        <p:fade thruBlk="1"/>
+      </p:transition>
+    </mc:Choice>
+    <mc:Fallback xmlns="">
+      <p:transition xmlns:p14="http://schemas.microsoft.com/office/powerpoint/2010/main" spd="slow">
+        <p:fade thruBlk="1"/>
+      </p:transition>
+    </mc:Fallback>
+  </mc:AlternateContent>
   <p:timing>
     <p:tnLst>
       <p:par>
@@ -4975,7 +4224,7 @@
                             </p:stCondLst>
                             <p:childTnLst>
                               <p:par>
-                                <p:cTn id="5" presetID="1" presetClass="entr" presetSubtype="0" fill="hold" nodeType="clickEffect">
+                                <p:cTn id="5" presetID="10" presetClass="entr" presetSubtype="0" fill="hold" grpId="0" nodeType="clickEffect">
                                   <p:stCondLst>
                                     <p:cond delay="0"/>
                                   </p:stCondLst>
@@ -4988,9 +4237,48 @@
                                           </p:stCondLst>
                                         </p:cTn>
                                         <p:tgtEl>
-                                          <p:spTgt spid="765955">
+                                          <p:spTgt spid="40962">
+                                            <p:bg/>
+                                          </p:spTgt>
+                                        </p:tgtEl>
+                                        <p:attrNameLst>
+                                          <p:attrName>style.visibility</p:attrName>
+                                        </p:attrNameLst>
+                                      </p:cBhvr>
+                                      <p:to>
+                                        <p:strVal val="visible"/>
+                                      </p:to>
+                                    </p:set>
+                                    <p:animEffect transition="in" filter="fade">
+                                      <p:cBhvr>
+                                        <p:cTn id="7" dur="500"/>
+                                        <p:tgtEl>
+                                          <p:spTgt spid="40962">
+                                            <p:bg/>
+                                          </p:spTgt>
+                                        </p:tgtEl>
+                                      </p:cBhvr>
+                                    </p:animEffect>
+                                  </p:childTnLst>
+                                </p:cTn>
+                              </p:par>
+                              <p:par>
+                                <p:cTn id="8" presetID="10" presetClass="entr" presetSubtype="0" fill="hold" grpId="0" nodeType="withEffect">
+                                  <p:stCondLst>
+                                    <p:cond delay="0"/>
+                                  </p:stCondLst>
+                                  <p:childTnLst>
+                                    <p:set>
+                                      <p:cBhvr>
+                                        <p:cTn id="9" dur="1" fill="hold">
+                                          <p:stCondLst>
+                                            <p:cond delay="0"/>
+                                          </p:stCondLst>
+                                        </p:cTn>
+                                        <p:tgtEl>
+                                          <p:spTgt spid="40962">
                                             <p:txEl>
-                                              <p:pRg st="2" end="2"/>
+                                              <p:pRg st="0" end="0"/>
                                             </p:txEl>
                                           </p:spTgt>
                                         </p:tgtEl>
@@ -5002,328 +4290,15 @@
                                         <p:strVal val="visible"/>
                                       </p:to>
                                     </p:set>
-                                  </p:childTnLst>
-                                </p:cTn>
-                              </p:par>
-                            </p:childTnLst>
-                          </p:cTn>
-                        </p:par>
-                      </p:childTnLst>
-                    </p:cTn>
-                  </p:par>
-                  <p:par>
-                    <p:cTn id="7" fill="hold">
-                      <p:stCondLst>
-                        <p:cond delay="indefinite"/>
-                      </p:stCondLst>
-                      <p:childTnLst>
-                        <p:par>
-                          <p:cTn id="8" fill="hold">
-                            <p:stCondLst>
-                              <p:cond delay="0"/>
-                            </p:stCondLst>
-                            <p:childTnLst>
-                              <p:par>
-                                <p:cTn id="9" presetID="22" presetClass="entr" presetSubtype="8" fill="hold" nodeType="clickEffect">
-                                  <p:stCondLst>
-                                    <p:cond delay="0"/>
-                                  </p:stCondLst>
-                                  <p:childTnLst>
-                                    <p:set>
+                                    <p:animEffect transition="in" filter="fade">
                                       <p:cBhvr>
-                                        <p:cTn id="10" dur="1" fill="hold">
-                                          <p:stCondLst>
-                                            <p:cond delay="0"/>
-                                          </p:stCondLst>
-                                        </p:cTn>
+                                        <p:cTn id="10" dur="500"/>
                                         <p:tgtEl>
-                                          <p:spTgt spid="765955">
+                                          <p:spTgt spid="40962">
                                             <p:txEl>
-                                              <p:pRg st="3" end="3"/>
+                                              <p:pRg st="0" end="0"/>
                                             </p:txEl>
                                           </p:spTgt>
-                                        </p:tgtEl>
-                                        <p:attrNameLst>
-                                          <p:attrName>style.visibility</p:attrName>
-                                        </p:attrNameLst>
-                                      </p:cBhvr>
-                                      <p:to>
-                                        <p:strVal val="visible"/>
-                                      </p:to>
-                                    </p:set>
-                                    <p:animEffect transition="in" filter="wipe(left)">
-                                      <p:cBhvr>
-                                        <p:cTn id="11" dur="500"/>
-                                        <p:tgtEl>
-                                          <p:spTgt spid="765955">
-                                            <p:txEl>
-                                              <p:pRg st="3" end="3"/>
-                                            </p:txEl>
-                                          </p:spTgt>
-                                        </p:tgtEl>
-                                      </p:cBhvr>
-                                    </p:animEffect>
-                                  </p:childTnLst>
-                                </p:cTn>
-                              </p:par>
-                            </p:childTnLst>
-                          </p:cTn>
-                        </p:par>
-                      </p:childTnLst>
-                    </p:cTn>
-                  </p:par>
-                  <p:par>
-                    <p:cTn id="12" fill="hold">
-                      <p:stCondLst>
-                        <p:cond delay="indefinite"/>
-                      </p:stCondLst>
-                      <p:childTnLst>
-                        <p:par>
-                          <p:cTn id="13" fill="hold">
-                            <p:stCondLst>
-                              <p:cond delay="0"/>
-                            </p:stCondLst>
-                            <p:childTnLst>
-                              <p:par>
-                                <p:cTn id="14" presetID="9" presetClass="entr" presetSubtype="0" fill="hold" nodeType="clickEffect">
-                                  <p:stCondLst>
-                                    <p:cond delay="0"/>
-                                  </p:stCondLst>
-                                  <p:childTnLst>
-                                    <p:set>
-                                      <p:cBhvr>
-                                        <p:cTn id="15" dur="1" fill="hold">
-                                          <p:stCondLst>
-                                            <p:cond delay="0"/>
-                                          </p:stCondLst>
-                                        </p:cTn>
-                                        <p:tgtEl>
-                                          <p:spTgt spid="765955">
-                                            <p:txEl>
-                                              <p:pRg st="4" end="4"/>
-                                            </p:txEl>
-                                          </p:spTgt>
-                                        </p:tgtEl>
-                                        <p:attrNameLst>
-                                          <p:attrName>style.visibility</p:attrName>
-                                        </p:attrNameLst>
-                                      </p:cBhvr>
-                                      <p:to>
-                                        <p:strVal val="visible"/>
-                                      </p:to>
-                                    </p:set>
-                                    <p:animEffect transition="in" filter="dissolve">
-                                      <p:cBhvr>
-                                        <p:cTn id="16" dur="500"/>
-                                        <p:tgtEl>
-                                          <p:spTgt spid="765955">
-                                            <p:txEl>
-                                              <p:pRg st="4" end="4"/>
-                                            </p:txEl>
-                                          </p:spTgt>
-                                        </p:tgtEl>
-                                      </p:cBhvr>
-                                    </p:animEffect>
-                                  </p:childTnLst>
-                                </p:cTn>
-                              </p:par>
-                            </p:childTnLst>
-                          </p:cTn>
-                        </p:par>
-                      </p:childTnLst>
-                    </p:cTn>
-                  </p:par>
-                  <p:par>
-                    <p:cTn id="17" fill="hold">
-                      <p:stCondLst>
-                        <p:cond delay="indefinite"/>
-                      </p:stCondLst>
-                      <p:childTnLst>
-                        <p:par>
-                          <p:cTn id="18" fill="hold">
-                            <p:stCondLst>
-                              <p:cond delay="0"/>
-                            </p:stCondLst>
-                            <p:childTnLst>
-                              <p:par>
-                                <p:cTn id="19" presetID="22" presetClass="entr" presetSubtype="1" fill="hold" nodeType="clickEffect">
-                                  <p:stCondLst>
-                                    <p:cond delay="0"/>
-                                  </p:stCondLst>
-                                  <p:childTnLst>
-                                    <p:set>
-                                      <p:cBhvr>
-                                        <p:cTn id="20" dur="1" fill="hold">
-                                          <p:stCondLst>
-                                            <p:cond delay="0"/>
-                                          </p:stCondLst>
-                                        </p:cTn>
-                                        <p:tgtEl>
-                                          <p:spTgt spid="765957"/>
-                                        </p:tgtEl>
-                                        <p:attrNameLst>
-                                          <p:attrName>style.visibility</p:attrName>
-                                        </p:attrNameLst>
-                                      </p:cBhvr>
-                                      <p:to>
-                                        <p:strVal val="visible"/>
-                                      </p:to>
-                                    </p:set>
-                                    <p:animEffect transition="in" filter="wipe(up)">
-                                      <p:cBhvr>
-                                        <p:cTn id="21" dur="500"/>
-                                        <p:tgtEl>
-                                          <p:spTgt spid="765957"/>
-                                        </p:tgtEl>
-                                      </p:cBhvr>
-                                    </p:animEffect>
-                                  </p:childTnLst>
-                                </p:cTn>
-                              </p:par>
-                            </p:childTnLst>
-                          </p:cTn>
-                        </p:par>
-                      </p:childTnLst>
-                    </p:cTn>
-                  </p:par>
-                  <p:par>
-                    <p:cTn id="22" fill="hold">
-                      <p:stCondLst>
-                        <p:cond delay="indefinite"/>
-                      </p:stCondLst>
-                      <p:childTnLst>
-                        <p:par>
-                          <p:cTn id="23" fill="hold">
-                            <p:stCondLst>
-                              <p:cond delay="0"/>
-                            </p:stCondLst>
-                            <p:childTnLst>
-                              <p:par>
-                                <p:cTn id="24" presetID="22" presetClass="entr" presetSubtype="1" fill="hold" nodeType="clickEffect">
-                                  <p:stCondLst>
-                                    <p:cond delay="0"/>
-                                  </p:stCondLst>
-                                  <p:childTnLst>
-                                    <p:set>
-                                      <p:cBhvr>
-                                        <p:cTn id="25" dur="1" fill="hold">
-                                          <p:stCondLst>
-                                            <p:cond delay="0"/>
-                                          </p:stCondLst>
-                                        </p:cTn>
-                                        <p:tgtEl>
-                                          <p:spTgt spid="3"/>
-                                        </p:tgtEl>
-                                        <p:attrNameLst>
-                                          <p:attrName>style.visibility</p:attrName>
-                                        </p:attrNameLst>
-                                      </p:cBhvr>
-                                      <p:to>
-                                        <p:strVal val="visible"/>
-                                      </p:to>
-                                    </p:set>
-                                    <p:animEffect transition="in" filter="wipe(up)">
-                                      <p:cBhvr>
-                                        <p:cTn id="26" dur="500"/>
-                                        <p:tgtEl>
-                                          <p:spTgt spid="3"/>
-                                        </p:tgtEl>
-                                      </p:cBhvr>
-                                    </p:animEffect>
-                                  </p:childTnLst>
-                                </p:cTn>
-                              </p:par>
-                            </p:childTnLst>
-                          </p:cTn>
-                        </p:par>
-                      </p:childTnLst>
-                    </p:cTn>
-                  </p:par>
-                  <p:par>
-                    <p:cTn id="27" fill="hold">
-                      <p:stCondLst>
-                        <p:cond delay="indefinite"/>
-                      </p:stCondLst>
-                      <p:childTnLst>
-                        <p:par>
-                          <p:cTn id="28" fill="hold">
-                            <p:stCondLst>
-                              <p:cond delay="0"/>
-                            </p:stCondLst>
-                            <p:childTnLst>
-                              <p:par>
-                                <p:cTn id="29" presetID="22" presetClass="entr" presetSubtype="4" fill="hold" nodeType="clickEffect">
-                                  <p:stCondLst>
-                                    <p:cond delay="0"/>
-                                  </p:stCondLst>
-                                  <p:childTnLst>
-                                    <p:set>
-                                      <p:cBhvr>
-                                        <p:cTn id="30" dur="1" fill="hold">
-                                          <p:stCondLst>
-                                            <p:cond delay="0"/>
-                                          </p:stCondLst>
-                                        </p:cTn>
-                                        <p:tgtEl>
-                                          <p:spTgt spid="13"/>
-                                        </p:tgtEl>
-                                        <p:attrNameLst>
-                                          <p:attrName>style.visibility</p:attrName>
-                                        </p:attrNameLst>
-                                      </p:cBhvr>
-                                      <p:to>
-                                        <p:strVal val="visible"/>
-                                      </p:to>
-                                    </p:set>
-                                    <p:animEffect transition="in" filter="wipe(down)">
-                                      <p:cBhvr>
-                                        <p:cTn id="31" dur="500"/>
-                                        <p:tgtEl>
-                                          <p:spTgt spid="13"/>
-                                        </p:tgtEl>
-                                      </p:cBhvr>
-                                    </p:animEffect>
-                                  </p:childTnLst>
-                                </p:cTn>
-                              </p:par>
-                            </p:childTnLst>
-                          </p:cTn>
-                        </p:par>
-                        <p:par>
-                          <p:cTn id="32" fill="hold">
-                            <p:stCondLst>
-                              <p:cond delay="500"/>
-                            </p:stCondLst>
-                            <p:childTnLst>
-                              <p:par>
-                                <p:cTn id="33" presetID="8" presetClass="entr" presetSubtype="16" fill="hold" grpId="0" nodeType="afterEffect">
-                                  <p:stCondLst>
-                                    <p:cond delay="500"/>
-                                  </p:stCondLst>
-                                  <p:childTnLst>
-                                    <p:set>
-                                      <p:cBhvr>
-                                        <p:cTn id="34" dur="1" fill="hold">
-                                          <p:stCondLst>
-                                            <p:cond delay="0"/>
-                                          </p:stCondLst>
-                                        </p:cTn>
-                                        <p:tgtEl>
-                                          <p:spTgt spid="765963"/>
-                                        </p:tgtEl>
-                                        <p:attrNameLst>
-                                          <p:attrName>style.visibility</p:attrName>
-                                        </p:attrNameLst>
-                                      </p:cBhvr>
-                                      <p:to>
-                                        <p:strVal val="visible"/>
-                                      </p:to>
-                                    </p:set>
-                                    <p:animEffect transition="in" filter="diamond(in)">
-                                      <p:cBhvr>
-                                        <p:cTn id="35" dur="500"/>
-                                        <p:tgtEl>
-                                          <p:spTgt spid="765963"/>
                                         </p:tgtEl>
                                       </p:cBhvr>
                                     </p:animEffect>
@@ -5358,13 +4333,444 @@
       </p:par>
     </p:tnLst>
     <p:bldLst>
-      <p:bldP spid="765963" grpId="0"/>
+      <p:bldP spid="40962" grpId="0" build="p" animBg="1"/>
     </p:bldLst>
   </p:timing>
 </p:sld>
 </file>
 
 <file path=ppt/slides/slide11.xml><?xml version="1.0" encoding="utf-8"?>
+<p:sld xmlns:a="http://schemas.openxmlformats.org/drawingml/2006/main" xmlns:r="http://schemas.openxmlformats.org/officeDocument/2006/relationships" xmlns:p="http://schemas.openxmlformats.org/presentationml/2006/main">
+  <p:cSld>
+    <p:spTree>
+      <p:nvGrpSpPr>
+        <p:cNvPr id="1" name=""/>
+        <p:cNvGrpSpPr/>
+        <p:nvPr/>
+      </p:nvGrpSpPr>
+      <p:grpSpPr>
+        <a:xfrm>
+          <a:off x="0" y="0"/>
+          <a:ext cx="0" cy="0"/>
+          <a:chOff x="0" y="0"/>
+          <a:chExt cx="0" cy="0"/>
+        </a:xfrm>
+      </p:grpSpPr>
+      <p:sp>
+        <p:nvSpPr>
+          <p:cNvPr id="4" name="Slide Number Placeholder 3"/>
+          <p:cNvSpPr>
+            <a:spLocks noGrp="1"/>
+          </p:cNvSpPr>
+          <p:nvPr>
+            <p:ph type="sldNum" sz="quarter" idx="10"/>
+          </p:nvPr>
+        </p:nvSpPr>
+        <p:spPr/>
+        <p:txBody>
+          <a:bodyPr/>
+          <a:lstStyle/>
+          <a:p>
+            <a:r>
+              <a:rPr lang="en-US" dirty="0" err="1" smtClean="0"/>
+              <a:t>lec</a:t>
+            </a:r>
+            <a:r>
+              <a:rPr lang="en-US" dirty="0" smtClean="0"/>
+              <a:t> 5M.</a:t>
+            </a:r>
+            <a:fld id="{D3851385-812A-493F-95C9-342353735912}" type="slidenum">
+              <a:rPr lang="en-US" sz="1200" smtClean="0"/>
+              <a:pPr/>
+              <a:t>11</a:t>
+            </a:fld>
+            <a:endParaRPr lang="en-US" sz="1200" dirty="0"/>
+          </a:p>
+        </p:txBody>
+      </p:sp>
+      <p:sp>
+        <p:nvSpPr>
+          <p:cNvPr id="782338" name="Rectangle 2"/>
+          <p:cNvSpPr>
+            <a:spLocks noGrp="1" noChangeArrowheads="1"/>
+          </p:cNvSpPr>
+          <p:nvPr>
+            <p:ph type="title"/>
+          </p:nvPr>
+        </p:nvSpPr>
+        <p:spPr/>
+        <p:txBody>
+          <a:bodyPr/>
+          <a:lstStyle/>
+          <a:p>
+            <a:r>
+              <a:rPr lang="en-US"/>
+              <a:t>Unique Prime Factorization</a:t>
+            </a:r>
+          </a:p>
+        </p:txBody>
+      </p:sp>
+      <p:sp>
+        <p:nvSpPr>
+          <p:cNvPr id="782339" name="Rectangle 3"/>
+          <p:cNvSpPr>
+            <a:spLocks noGrp="1" noChangeArrowheads="1"/>
+          </p:cNvSpPr>
+          <p:nvPr>
+            <p:ph type="body" idx="1"/>
+          </p:nvPr>
+        </p:nvSpPr>
+        <p:spPr>
+          <a:xfrm>
+            <a:off x="0" y="1676400"/>
+            <a:ext cx="9067800" cy="3505200"/>
+          </a:xfrm>
+        </p:spPr>
+        <p:txBody>
+          <a:bodyPr/>
+          <a:lstStyle/>
+          <a:p>
+            <a:r>
+              <a:rPr lang="en-US" sz="4800" dirty="0" smtClean="0">
+                <a:solidFill>
+                  <a:srgbClr val="CB10A8"/>
+                </a:solidFill>
+              </a:rPr>
+              <a:t>Example</a:t>
+            </a:r>
+            <a:r>
+              <a:rPr lang="en-US" sz="4800" dirty="0">
+                <a:solidFill>
+                  <a:srgbClr val="CB10A8"/>
+                </a:solidFill>
+              </a:rPr>
+              <a:t>:</a:t>
+            </a:r>
+          </a:p>
+          <a:p>
+            <a:r>
+              <a:rPr lang="en-US" sz="6000" dirty="0" smtClean="0"/>
+              <a:t>  61394323221 </a:t>
+            </a:r>
+            <a:r>
+              <a:rPr lang="en-US" sz="6000" b="1" dirty="0">
+                <a:solidFill>
+                  <a:srgbClr val="000000"/>
+                </a:solidFill>
+                <a:latin typeface="Euclid Symbol" charset="2"/>
+                <a:cs typeface="Euclid Symbol" charset="2"/>
+              </a:rPr>
+              <a:t>=</a:t>
+            </a:r>
+            <a:endParaRPr lang="en-US" sz="6000" dirty="0">
+              <a:solidFill>
+                <a:srgbClr val="000000"/>
+              </a:solidFill>
+            </a:endParaRPr>
+          </a:p>
+          <a:p>
+            <a:pPr algn="ctr"/>
+            <a:r>
+              <a:rPr lang="en-US" sz="6000" dirty="0" smtClean="0"/>
+              <a:t>53</a:t>
+            </a:r>
+            <a:r>
+              <a:rPr lang="en-US" sz="6000" dirty="0">
+                <a:latin typeface="Arial Unicode MS" pitchFamily="34" charset="-128"/>
+                <a:ea typeface="Arial Unicode MS" pitchFamily="34" charset="-128"/>
+                <a:cs typeface="Arial Unicode MS" pitchFamily="34" charset="-128"/>
+                <a:sym typeface="Euclid Symbol" pitchFamily="18" charset="2"/>
+              </a:rPr>
+              <a:t>·</a:t>
+            </a:r>
+            <a:r>
+              <a:rPr lang="en-US" sz="6000" dirty="0"/>
+              <a:t>37</a:t>
+            </a:r>
+            <a:r>
+              <a:rPr lang="en-US" sz="6000" dirty="0">
+                <a:latin typeface="Arial Unicode MS" pitchFamily="34" charset="-128"/>
+                <a:ea typeface="Arial Unicode MS" pitchFamily="34" charset="-128"/>
+                <a:cs typeface="Arial Unicode MS" pitchFamily="34" charset="-128"/>
+                <a:sym typeface="Euclid Symbol" pitchFamily="18" charset="2"/>
+              </a:rPr>
+              <a:t>·</a:t>
+            </a:r>
+            <a:r>
+              <a:rPr lang="en-US" sz="6000" dirty="0"/>
+              <a:t>37</a:t>
+            </a:r>
+            <a:r>
+              <a:rPr lang="en-US" sz="6000" dirty="0">
+                <a:latin typeface="Arial Unicode MS" pitchFamily="34" charset="-128"/>
+                <a:ea typeface="Arial Unicode MS" pitchFamily="34" charset="-128"/>
+                <a:cs typeface="Arial Unicode MS" pitchFamily="34" charset="-128"/>
+                <a:sym typeface="Euclid Symbol" pitchFamily="18" charset="2"/>
+              </a:rPr>
+              <a:t>·</a:t>
+            </a:r>
+            <a:r>
+              <a:rPr lang="en-US" sz="6000" dirty="0"/>
+              <a:t>37</a:t>
+            </a:r>
+            <a:r>
+              <a:rPr lang="en-US" sz="6000" dirty="0" smtClean="0">
+                <a:latin typeface="Arial Unicode MS" pitchFamily="34" charset="-128"/>
+                <a:ea typeface="Arial Unicode MS" pitchFamily="34" charset="-128"/>
+                <a:cs typeface="Arial Unicode MS" pitchFamily="34" charset="-128"/>
+                <a:sym typeface="Euclid Symbol" pitchFamily="18" charset="2"/>
+              </a:rPr>
+              <a:t>·</a:t>
+            </a:r>
+            <a:r>
+              <a:rPr lang="en-US" sz="6000" dirty="0"/>
+              <a:t>11</a:t>
+            </a:r>
+            <a:r>
+              <a:rPr lang="en-US" sz="6000" dirty="0">
+                <a:latin typeface="Arial Unicode MS" pitchFamily="34" charset="-128"/>
+                <a:ea typeface="Arial Unicode MS" pitchFamily="34" charset="-128"/>
+                <a:cs typeface="Arial Unicode MS" pitchFamily="34" charset="-128"/>
+                <a:sym typeface="Euclid Symbol" pitchFamily="18" charset="2"/>
+              </a:rPr>
+              <a:t>·</a:t>
+            </a:r>
+            <a:r>
+              <a:rPr lang="en-US" sz="6000" dirty="0" smtClean="0"/>
+              <a:t>11</a:t>
+            </a:r>
+            <a:r>
+              <a:rPr lang="en-US" sz="6000" dirty="0">
+                <a:latin typeface="Arial Unicode MS" pitchFamily="34" charset="-128"/>
+                <a:ea typeface="Arial Unicode MS" pitchFamily="34" charset="-128"/>
+                <a:cs typeface="Arial Unicode MS" pitchFamily="34" charset="-128"/>
+                <a:sym typeface="Euclid Symbol" pitchFamily="18" charset="2"/>
+              </a:rPr>
+              <a:t>·</a:t>
+            </a:r>
+            <a:r>
+              <a:rPr lang="en-US" sz="6000" dirty="0" smtClean="0"/>
+              <a:t>7</a:t>
+            </a:r>
+            <a:r>
+              <a:rPr lang="en-US" sz="6000" dirty="0" smtClean="0">
+                <a:latin typeface="Arial Unicode MS" pitchFamily="34" charset="-128"/>
+                <a:ea typeface="Arial Unicode MS" pitchFamily="34" charset="-128"/>
+                <a:cs typeface="Arial Unicode MS" pitchFamily="34" charset="-128"/>
+                <a:sym typeface="Euclid Symbol" pitchFamily="18" charset="2"/>
+              </a:rPr>
+              <a:t>·</a:t>
+            </a:r>
+            <a:r>
+              <a:rPr lang="en-US" sz="6000" dirty="0"/>
+              <a:t>3</a:t>
+            </a:r>
+            <a:r>
+              <a:rPr lang="en-US" sz="6000" dirty="0">
+                <a:latin typeface="Arial Unicode MS" pitchFamily="34" charset="-128"/>
+                <a:ea typeface="Arial Unicode MS" pitchFamily="34" charset="-128"/>
+                <a:cs typeface="Arial Unicode MS" pitchFamily="34" charset="-128"/>
+                <a:sym typeface="Euclid Symbol" pitchFamily="18" charset="2"/>
+              </a:rPr>
+              <a:t>·</a:t>
+            </a:r>
+            <a:r>
+              <a:rPr lang="en-US" sz="6000" dirty="0"/>
+              <a:t>3</a:t>
+            </a:r>
+            <a:r>
+              <a:rPr lang="en-US" sz="6000" dirty="0">
+                <a:latin typeface="Arial Unicode MS" pitchFamily="34" charset="-128"/>
+                <a:ea typeface="Arial Unicode MS" pitchFamily="34" charset="-128"/>
+                <a:cs typeface="Arial Unicode MS" pitchFamily="34" charset="-128"/>
+                <a:sym typeface="Euclid Symbol" pitchFamily="18" charset="2"/>
+              </a:rPr>
+              <a:t>·</a:t>
+            </a:r>
+            <a:r>
+              <a:rPr lang="en-US" sz="6000" dirty="0" smtClean="0"/>
+              <a:t>3</a:t>
+            </a:r>
+            <a:endParaRPr lang="en-US" sz="6000" dirty="0"/>
+          </a:p>
+          <a:p>
+            <a:pPr algn="ctr"/>
+            <a:endParaRPr lang="en-US" sz="6000" dirty="0"/>
+          </a:p>
+        </p:txBody>
+      </p:sp>
+    </p:spTree>
+    <p:extLst>
+      <p:ext uri="{BB962C8B-B14F-4D97-AF65-F5344CB8AC3E}">
+        <p14:creationId xmlns:p14="http://schemas.microsoft.com/office/powerpoint/2010/main" val="772995688"/>
+      </p:ext>
+    </p:extLst>
+  </p:cSld>
+  <p:clrMapOvr>
+    <a:masterClrMapping/>
+  </p:clrMapOvr>
+  <p:transition xmlns:p14="http://schemas.microsoft.com/office/powerpoint/2010/main">
+    <p:fade/>
+  </p:transition>
+  <p:timing>
+    <p:tnLst>
+      <p:par>
+        <p:cTn xmlns:p14="http://schemas.microsoft.com/office/powerpoint/2010/main" id="1" dur="indefinite" restart="never" nodeType="tmRoot">
+          <p:childTnLst>
+            <p:seq concurrent="1" nextAc="seek">
+              <p:cTn id="2" dur="indefinite" nodeType="mainSeq">
+                <p:childTnLst>
+                  <p:par>
+                    <p:cTn id="3" fill="hold">
+                      <p:stCondLst>
+                        <p:cond delay="indefinite"/>
+                      </p:stCondLst>
+                      <p:childTnLst>
+                        <p:par>
+                          <p:cTn id="4" fill="hold">
+                            <p:stCondLst>
+                              <p:cond delay="0"/>
+                            </p:stCondLst>
+                            <p:childTnLst>
+                              <p:par>
+                                <p:cTn id="5" presetID="10" presetClass="entr" presetSubtype="0" fill="hold" grpId="0" nodeType="clickEffect">
+                                  <p:stCondLst>
+                                    <p:cond delay="0"/>
+                                  </p:stCondLst>
+                                  <p:childTnLst>
+                                    <p:set>
+                                      <p:cBhvr>
+                                        <p:cTn id="6" dur="1" fill="hold">
+                                          <p:stCondLst>
+                                            <p:cond delay="0"/>
+                                          </p:stCondLst>
+                                        </p:cTn>
+                                        <p:tgtEl>
+                                          <p:spTgt spid="782339">
+                                            <p:txEl>
+                                              <p:pRg st="1" end="1"/>
+                                            </p:txEl>
+                                          </p:spTgt>
+                                        </p:tgtEl>
+                                        <p:attrNameLst>
+                                          <p:attrName>style.visibility</p:attrName>
+                                        </p:attrNameLst>
+                                      </p:cBhvr>
+                                      <p:to>
+                                        <p:strVal val="visible"/>
+                                      </p:to>
+                                    </p:set>
+                                    <p:animEffect transition="in" filter="fade">
+                                      <p:cBhvr>
+                                        <p:cTn id="7" dur="500"/>
+                                        <p:tgtEl>
+                                          <p:spTgt spid="782339">
+                                            <p:txEl>
+                                              <p:pRg st="1" end="1"/>
+                                            </p:txEl>
+                                          </p:spTgt>
+                                        </p:tgtEl>
+                                      </p:cBhvr>
+                                    </p:animEffect>
+                                  </p:childTnLst>
+                                </p:cTn>
+                              </p:par>
+                            </p:childTnLst>
+                          </p:cTn>
+                        </p:par>
+                      </p:childTnLst>
+                    </p:cTn>
+                  </p:par>
+                  <p:par>
+                    <p:cTn id="8" fill="hold">
+                      <p:stCondLst>
+                        <p:cond delay="indefinite"/>
+                      </p:stCondLst>
+                      <p:childTnLst>
+                        <p:par>
+                          <p:cTn id="9" fill="hold">
+                            <p:stCondLst>
+                              <p:cond delay="0"/>
+                            </p:stCondLst>
+                            <p:childTnLst>
+                              <p:par>
+                                <p:cTn id="10" presetID="22" presetClass="entr" presetSubtype="8" fill="hold" grpId="0" nodeType="clickEffect">
+                                  <p:stCondLst>
+                                    <p:cond delay="0"/>
+                                  </p:stCondLst>
+                                  <p:childTnLst>
+                                    <p:set>
+                                      <p:cBhvr>
+                                        <p:cTn id="11" dur="1" fill="hold">
+                                          <p:stCondLst>
+                                            <p:cond delay="0"/>
+                                          </p:stCondLst>
+                                        </p:cTn>
+                                        <p:tgtEl>
+                                          <p:spTgt spid="782339">
+                                            <p:txEl>
+                                              <p:pRg st="2" end="2"/>
+                                            </p:txEl>
+                                          </p:spTgt>
+                                        </p:tgtEl>
+                                        <p:attrNameLst>
+                                          <p:attrName>style.visibility</p:attrName>
+                                        </p:attrNameLst>
+                                      </p:cBhvr>
+                                      <p:to>
+                                        <p:strVal val="visible"/>
+                                      </p:to>
+                                    </p:set>
+                                    <p:animEffect transition="in" filter="wipe(left)">
+                                      <p:cBhvr>
+                                        <p:cTn id="12" dur="1000"/>
+                                        <p:tgtEl>
+                                          <p:spTgt spid="782339">
+                                            <p:txEl>
+                                              <p:pRg st="2" end="2"/>
+                                            </p:txEl>
+                                          </p:spTgt>
+                                        </p:tgtEl>
+                                      </p:cBhvr>
+                                    </p:animEffect>
+                                  </p:childTnLst>
+                                </p:cTn>
+                              </p:par>
+                            </p:childTnLst>
+                          </p:cTn>
+                        </p:par>
+                      </p:childTnLst>
+                    </p:cTn>
+                  </p:par>
+                </p:childTnLst>
+              </p:cTn>
+              <p:prevCondLst>
+                <p:cond evt="onPrev" delay="0">
+                  <p:tgtEl>
+                    <p:sldTgt/>
+                  </p:tgtEl>
+                </p:cond>
+              </p:prevCondLst>
+              <p:nextCondLst>
+                <p:cond evt="onNext" delay="0">
+                  <p:tgtEl>
+                    <p:sldTgt/>
+                  </p:tgtEl>
+                </p:cond>
+              </p:nextCondLst>
+            </p:seq>
+          </p:childTnLst>
+        </p:cTn>
+      </p:par>
+    </p:tnLst>
+    <p:bldLst>
+      <p:bldP spid="782339" grpId="0" build="p"/>
+    </p:bldLst>
+  </p:timing>
+</p:sld>
+</file>
+
+<file path=ppt/slides/slide12.xml><?xml version="1.0" encoding="utf-8"?>
 <p:sld xmlns:a="http://schemas.openxmlformats.org/drawingml/2006/main" xmlns:r="http://schemas.openxmlformats.org/officeDocument/2006/relationships" xmlns:p="http://schemas.openxmlformats.org/presentationml/2006/main">
   <p:cSld>
     <p:spTree>
@@ -5733,7 +5139,7 @@
           <a:graphicData uri="http://schemas.openxmlformats.org/presentationml/2006/ole">
             <mc:AlternateContent xmlns:mc="http://schemas.openxmlformats.org/markup-compatibility/2006">
               <mc:Choice xmlns:v="urn:schemas-microsoft-com:vml" Requires="v">
-                <p:oleObj spid="_x0000_s1064" name="Equation" r:id="rId4" imgW="152400" imgH="457200" progId="Equation.DSMT4">
+                <p:oleObj spid="_x0000_s1085" name="Equation" r:id="rId4" imgW="152400" imgH="457200" progId="Equation.DSMT4">
                   <p:embed/>
                 </p:oleObj>
               </mc:Choice>
@@ -5850,7 +5256,7 @@
             <a:graphicData uri="http://schemas.openxmlformats.org/presentationml/2006/ole">
               <mc:AlternateContent xmlns:mc="http://schemas.openxmlformats.org/markup-compatibility/2006">
                 <mc:Choice xmlns:v="urn:schemas-microsoft-com:vml" Requires="v">
-                  <p:oleObj spid="_x0000_s1065" name="Equation" r:id="rId6" imgW="139700" imgH="482600" progId="Equation.3">
+                  <p:oleObj spid="_x0000_s1086" name="Equation" r:id="rId6" imgW="139700" imgH="482600" progId="Equation.3">
                     <p:embed/>
                   </p:oleObj>
                 </mc:Choice>
@@ -6008,7 +5414,7 @@
                 <a:latin typeface="Comic Sans MS" pitchFamily="8" charset="0"/>
               </a:rPr>
               <a:pPr/>
-              <a:t>11</a:t>
+              <a:t>12</a:t>
             </a:fld>
             <a:endParaRPr lang="en-US" sz="1200" dirty="0" smtClean="0">
               <a:latin typeface="Comic Sans MS" pitchFamily="8" charset="0"/>
@@ -6038,7 +5444,7 @@
           <a:graphicData uri="http://schemas.openxmlformats.org/presentationml/2006/ole">
             <mc:AlternateContent xmlns:mc="http://schemas.openxmlformats.org/markup-compatibility/2006">
               <mc:Choice xmlns:v="urn:schemas-microsoft-com:vml" Requires="v">
-                <p:oleObj spid="_x0000_s1066" name="Equation" r:id="rId8" imgW="139700" imgH="457200" progId="Equation.DSMT4">
+                <p:oleObj spid="_x0000_s1087" name="Equation" r:id="rId8" imgW="139700" imgH="457200" progId="Equation.DSMT4">
                   <p:embed/>
                 </p:oleObj>
               </mc:Choice>
@@ -6604,332 +6010,6 @@
 </p:sld>
 </file>
 
-<file path=ppt/slides/slide12.xml><?xml version="1.0" encoding="utf-8"?>
-<p:sld xmlns:a="http://schemas.openxmlformats.org/drawingml/2006/main" xmlns:r="http://schemas.openxmlformats.org/officeDocument/2006/relationships" xmlns:p="http://schemas.openxmlformats.org/presentationml/2006/main" show="0">
-  <p:cSld>
-    <p:spTree>
-      <p:nvGrpSpPr>
-        <p:cNvPr id="1" name=""/>
-        <p:cNvGrpSpPr/>
-        <p:nvPr/>
-      </p:nvGrpSpPr>
-      <p:grpSpPr>
-        <a:xfrm>
-          <a:off x="0" y="0"/>
-          <a:ext cx="0" cy="0"/>
-          <a:chOff x="0" y="0"/>
-          <a:chExt cx="0" cy="0"/>
-        </a:xfrm>
-      </p:grpSpPr>
-      <p:sp>
-        <p:nvSpPr>
-          <p:cNvPr id="3077" name="Rectangle 2"/>
-          <p:cNvSpPr>
-            <a:spLocks noGrp="1" noChangeArrowheads="1"/>
-          </p:cNvSpPr>
-          <p:nvPr>
-            <p:ph type="title"/>
-          </p:nvPr>
-        </p:nvSpPr>
-        <p:spPr/>
-        <p:txBody>
-          <a:bodyPr/>
-          <a:lstStyle/>
-          <a:p>
-            <a:pPr eaLnBrk="1" hangingPunct="1"/>
-            <a:r>
-              <a:rPr lang="en-US" smtClean="0"/>
-              <a:t>Prime Divisibility</a:t>
-            </a:r>
-          </a:p>
-        </p:txBody>
-      </p:sp>
-      <p:sp>
-        <p:nvSpPr>
-          <p:cNvPr id="765955" name="Rectangle 3"/>
-          <p:cNvSpPr>
-            <a:spLocks noGrp="1" noChangeArrowheads="1"/>
-          </p:cNvSpPr>
-          <p:nvPr>
-            <p:ph type="body" idx="1"/>
-          </p:nvPr>
-        </p:nvSpPr>
-        <p:spPr>
-          <a:xfrm>
-            <a:off x="381000" y="1752600"/>
-            <a:ext cx="8458200" cy="3429000"/>
-          </a:xfrm>
-        </p:spPr>
-        <p:txBody>
-          <a:bodyPr/>
-          <a:lstStyle/>
-          <a:p>
-            <a:pPr marL="0" indent="0" eaLnBrk="1" hangingPunct="1">
-              <a:buFontTx/>
-              <a:buNone/>
-            </a:pPr>
-            <a:r>
-              <a:rPr lang="en-US" sz="4400" i="1" dirty="0" smtClean="0"/>
-              <a:t>Lemma</a:t>
-            </a:r>
-            <a:r>
-              <a:rPr lang="en-US" sz="4400" dirty="0" smtClean="0"/>
-              <a:t>:</a:t>
-            </a:r>
-            <a:r>
-              <a:rPr lang="en-US" sz="5400" dirty="0" smtClean="0"/>
-              <a:t> </a:t>
-            </a:r>
-            <a:r>
-              <a:rPr lang="en-US" sz="5400" dirty="0" smtClean="0">
-                <a:solidFill>
-                  <a:srgbClr val="0000CC"/>
-                </a:solidFill>
-              </a:rPr>
-              <a:t>p</a:t>
-            </a:r>
-            <a:r>
-              <a:rPr lang="en-US" sz="5400" dirty="0" smtClean="0"/>
-              <a:t> prime and </a:t>
-            </a:r>
-            <a:r>
-              <a:rPr lang="en-US" sz="5400" dirty="0" err="1" smtClean="0">
-                <a:solidFill>
-                  <a:srgbClr val="0000CC"/>
-                </a:solidFill>
-              </a:rPr>
-              <a:t>p|(a·b</a:t>
-            </a:r>
-            <a:r>
-              <a:rPr lang="en-US" sz="5400" dirty="0" smtClean="0">
-                <a:solidFill>
-                  <a:srgbClr val="0000CC"/>
-                </a:solidFill>
-              </a:rPr>
-              <a:t>)</a:t>
-            </a:r>
-          </a:p>
-          <a:p>
-            <a:pPr marL="0" indent="0" algn="ctr" eaLnBrk="1" hangingPunct="1">
-              <a:buFontTx/>
-              <a:buNone/>
-            </a:pPr>
-            <a:r>
-              <a:rPr lang="en-US" sz="5400" dirty="0" smtClean="0">
-                <a:solidFill>
-                  <a:srgbClr val="0000CC"/>
-                </a:solidFill>
-              </a:rPr>
-              <a:t> </a:t>
-            </a:r>
-            <a:r>
-              <a:rPr lang="en-US" sz="5400" dirty="0" smtClean="0"/>
-              <a:t>implies </a:t>
-            </a:r>
-            <a:r>
-              <a:rPr lang="en-US" sz="5400" dirty="0" err="1" smtClean="0">
-                <a:solidFill>
-                  <a:srgbClr val="0000CC"/>
-                </a:solidFill>
-              </a:rPr>
-              <a:t>p|a</a:t>
-            </a:r>
-            <a:r>
-              <a:rPr lang="en-US" sz="5400" dirty="0" smtClean="0">
-                <a:solidFill>
-                  <a:srgbClr val="0000CC"/>
-                </a:solidFill>
-              </a:rPr>
-              <a:t>  </a:t>
-            </a:r>
-            <a:r>
-              <a:rPr lang="en-US" sz="5400" dirty="0" smtClean="0"/>
-              <a:t>or</a:t>
-            </a:r>
-            <a:r>
-              <a:rPr lang="en-US" sz="5400" dirty="0" smtClean="0">
-                <a:solidFill>
-                  <a:srgbClr val="0000CC"/>
-                </a:solidFill>
-              </a:rPr>
-              <a:t> </a:t>
-            </a:r>
-            <a:r>
-              <a:rPr lang="en-US" sz="5400" dirty="0" err="1" smtClean="0">
-                <a:solidFill>
-                  <a:srgbClr val="0000CC"/>
-                </a:solidFill>
-              </a:rPr>
-              <a:t>p|b</a:t>
-            </a:r>
-            <a:endParaRPr lang="en-US" sz="5400" dirty="0" smtClean="0">
-              <a:solidFill>
-                <a:srgbClr val="0000CC"/>
-              </a:solidFill>
-            </a:endParaRPr>
-          </a:p>
-          <a:p>
-            <a:pPr marL="0" indent="0" eaLnBrk="1" hangingPunct="1">
-              <a:buFontTx/>
-              <a:buNone/>
-            </a:pPr>
-            <a:r>
-              <a:rPr lang="en-US" sz="5400" i="1" dirty="0" err="1" smtClean="0"/>
-              <a:t>pf</a:t>
-            </a:r>
-            <a:r>
-              <a:rPr lang="en-US" sz="5400" dirty="0" smtClean="0"/>
-              <a:t>: in Class Problem 3.</a:t>
-            </a:r>
-            <a:endParaRPr lang="en-US" sz="5400" dirty="0" smtClean="0">
-              <a:solidFill>
-                <a:srgbClr val="0000CC"/>
-              </a:solidFill>
-            </a:endParaRPr>
-          </a:p>
-        </p:txBody>
-      </p:sp>
-      <p:sp>
-        <p:nvSpPr>
-          <p:cNvPr id="3082" name="Slide Number Placeholder 3"/>
-          <p:cNvSpPr>
-            <a:spLocks noGrp="1"/>
-          </p:cNvSpPr>
-          <p:nvPr>
-            <p:ph type="sldNum" sz="quarter" idx="10"/>
-          </p:nvPr>
-        </p:nvSpPr>
-        <p:spPr>
-          <a:noFill/>
-        </p:spPr>
-        <p:txBody>
-          <a:bodyPr/>
-          <a:lstStyle/>
-          <a:p>
-            <a:r>
-              <a:rPr lang="en-US" dirty="0" err="1" smtClean="0">
-                <a:latin typeface="Comic Sans MS" pitchFamily="8" charset="0"/>
-              </a:rPr>
-              <a:t>lec</a:t>
-            </a:r>
-            <a:r>
-              <a:rPr lang="en-US" dirty="0" smtClean="0">
-                <a:latin typeface="Comic Sans MS" pitchFamily="8" charset="0"/>
-              </a:rPr>
-              <a:t> 5M.</a:t>
-            </a:r>
-            <a:fld id="{2DB9C430-3F2F-43A5-BD8A-0C6CA31B929D}" type="slidenum">
-              <a:rPr lang="en-US" sz="1200" smtClean="0">
-                <a:latin typeface="Comic Sans MS" pitchFamily="8" charset="0"/>
-              </a:rPr>
-              <a:pPr/>
-              <a:t>12</a:t>
-            </a:fld>
-            <a:endParaRPr lang="en-US" sz="1200" dirty="0" smtClean="0">
-              <a:latin typeface="Comic Sans MS" pitchFamily="8" charset="0"/>
-            </a:endParaRPr>
-          </a:p>
-        </p:txBody>
-      </p:sp>
-    </p:spTree>
-  </p:cSld>
-  <p:clrMapOvr>
-    <a:masterClrMapping/>
-  </p:clrMapOvr>
-  <mc:AlternateContent xmlns:mc="http://schemas.openxmlformats.org/markup-compatibility/2006" xmlns:p14="http://schemas.microsoft.com/office/powerpoint/2010/main">
-    <mc:Choice Requires="p14">
-      <p:transition spd="med" p14:dur="700">
-        <p:fade thruBlk="1"/>
-      </p:transition>
-    </mc:Choice>
-    <mc:Fallback xmlns="">
-      <p:transition xmlns:p14="http://schemas.microsoft.com/office/powerpoint/2010/main" spd="med">
-        <p:fade thruBlk="1"/>
-      </p:transition>
-    </mc:Fallback>
-  </mc:AlternateContent>
-  <p:timing>
-    <p:tnLst>
-      <p:par>
-        <p:cTn xmlns:p14="http://schemas.microsoft.com/office/powerpoint/2010/main" id="1" dur="indefinite" restart="never" nodeType="tmRoot">
-          <p:childTnLst>
-            <p:seq concurrent="1" nextAc="seek">
-              <p:cTn id="2" dur="indefinite" nodeType="mainSeq">
-                <p:childTnLst>
-                  <p:par>
-                    <p:cTn id="3" fill="hold">
-                      <p:stCondLst>
-                        <p:cond delay="indefinite"/>
-                      </p:stCondLst>
-                      <p:childTnLst>
-                        <p:par>
-                          <p:cTn id="4" fill="hold">
-                            <p:stCondLst>
-                              <p:cond delay="0"/>
-                            </p:stCondLst>
-                            <p:childTnLst>
-                              <p:par>
-                                <p:cTn id="5" presetID="1" presetClass="entr" presetSubtype="0" fill="hold" nodeType="clickEffect">
-                                  <p:stCondLst>
-                                    <p:cond delay="0"/>
-                                  </p:stCondLst>
-                                  <p:childTnLst>
-                                    <p:set>
-                                      <p:cBhvr>
-                                        <p:cTn id="6" dur="1" fill="hold">
-                                          <p:stCondLst>
-                                            <p:cond delay="0"/>
-                                          </p:stCondLst>
-                                        </p:cTn>
-                                        <p:tgtEl>
-                                          <p:spTgt spid="765955">
-                                            <p:txEl>
-                                              <p:pRg st="2" end="2"/>
-                                            </p:txEl>
-                                          </p:spTgt>
-                                        </p:tgtEl>
-                                        <p:attrNameLst>
-                                          <p:attrName>style.visibility</p:attrName>
-                                        </p:attrNameLst>
-                                      </p:cBhvr>
-                                      <p:to>
-                                        <p:strVal val="visible"/>
-                                      </p:to>
-                                    </p:set>
-                                  </p:childTnLst>
-                                </p:cTn>
-                              </p:par>
-                            </p:childTnLst>
-                          </p:cTn>
-                        </p:par>
-                      </p:childTnLst>
-                    </p:cTn>
-                  </p:par>
-                </p:childTnLst>
-              </p:cTn>
-              <p:prevCondLst>
-                <p:cond evt="onPrev" delay="0">
-                  <p:tgtEl>
-                    <p:sldTgt/>
-                  </p:tgtEl>
-                </p:cond>
-              </p:prevCondLst>
-              <p:nextCondLst>
-                <p:cond evt="onNext" delay="0">
-                  <p:tgtEl>
-                    <p:sldTgt/>
-                  </p:tgtEl>
-                </p:cond>
-              </p:nextCondLst>
-            </p:seq>
-          </p:childTnLst>
-        </p:cTn>
-      </p:par>
-    </p:tnLst>
-  </p:timing>
-</p:sld>
-</file>
-
 <file path=ppt/slides/slide13.xml><?xml version="1.0" encoding="utf-8"?>
 <p:sld xmlns:a="http://schemas.openxmlformats.org/drawingml/2006/main" xmlns:r="http://schemas.openxmlformats.org/officeDocument/2006/relationships" xmlns:p="http://schemas.openxmlformats.org/presentationml/2006/main">
   <p:cSld>
@@ -7375,338 +6455,6 @@
       </p:grpSpPr>
       <p:sp>
         <p:nvSpPr>
-          <p:cNvPr id="40962" name="Rectangle 3"/>
-          <p:cNvSpPr>
-            <a:spLocks noGrp="1" noChangeArrowheads="1"/>
-          </p:cNvSpPr>
-          <p:nvPr>
-            <p:ph type="body" idx="1"/>
-          </p:nvPr>
-        </p:nvSpPr>
-        <p:spPr>
-          <a:xfrm>
-            <a:off x="457200" y="1447800"/>
-            <a:ext cx="8229600" cy="3886200"/>
-          </a:xfrm>
-          <a:ln w="38100">
-            <a:solidFill>
-              <a:srgbClr val="FF00FF"/>
-            </a:solidFill>
-            <a:prstDash val="dash"/>
-          </a:ln>
-        </p:spPr>
-        <p:txBody>
-          <a:bodyPr/>
-          <a:lstStyle/>
-          <a:p>
-            <a:pPr marL="0" indent="0" eaLnBrk="1" hangingPunct="1">
-              <a:buFontTx/>
-              <a:buNone/>
-            </a:pPr>
-            <a:r>
-              <a:rPr lang="en-US" sz="6000" dirty="0" smtClean="0">
-                <a:solidFill>
-                  <a:srgbClr val="000000"/>
-                </a:solidFill>
-              </a:rPr>
-              <a:t>Every integer </a:t>
-            </a:r>
-            <a:r>
-              <a:rPr lang="en-US" sz="6000" b="1" dirty="0" smtClean="0">
-                <a:solidFill>
-                  <a:srgbClr val="000000"/>
-                </a:solidFill>
-                <a:latin typeface="Times New Roman" pitchFamily="18" charset="0"/>
-                <a:cs typeface="Times New Roman" pitchFamily="18" charset="0"/>
-              </a:rPr>
-              <a:t>&gt;</a:t>
-            </a:r>
-            <a:r>
-              <a:rPr lang="en-US" sz="6000" dirty="0" smtClean="0">
-                <a:solidFill>
-                  <a:srgbClr val="000000"/>
-                </a:solidFill>
-              </a:rPr>
-              <a:t> 1 factors </a:t>
-            </a:r>
-            <a:r>
-              <a:rPr lang="en-US" sz="6000" dirty="0" smtClean="0">
-                <a:solidFill>
-                  <a:srgbClr val="008000"/>
-                </a:solidFill>
-              </a:rPr>
-              <a:t>uniquely</a:t>
-            </a:r>
-            <a:r>
-              <a:rPr lang="en-US" sz="6000" dirty="0" smtClean="0">
-                <a:solidFill>
-                  <a:srgbClr val="000000"/>
-                </a:solidFill>
-              </a:rPr>
-              <a:t> into a weakly decreasing sequence of primes</a:t>
-            </a:r>
-          </a:p>
-        </p:txBody>
-      </p:sp>
-      <p:sp>
-        <p:nvSpPr>
-          <p:cNvPr id="40963" name="Rectangle 5"/>
-          <p:cNvSpPr>
-            <a:spLocks noGrp="1" noChangeArrowheads="1"/>
-          </p:cNvSpPr>
-          <p:nvPr>
-            <p:ph type="title"/>
-          </p:nvPr>
-        </p:nvSpPr>
-        <p:spPr>
-          <a:noFill/>
-        </p:spPr>
-        <p:txBody>
-          <a:bodyPr/>
-          <a:lstStyle/>
-          <a:p>
-            <a:pPr eaLnBrk="1" hangingPunct="1"/>
-            <a:r>
-              <a:rPr lang="en-US" sz="3600" dirty="0" smtClean="0">
-                <a:solidFill>
-                  <a:schemeClr val="tx1"/>
-                </a:solidFill>
-              </a:rPr>
-              <a:t>Fundamental </a:t>
-            </a:r>
-            <a:r>
-              <a:rPr lang="en-US" sz="3600" dirty="0" err="1" smtClean="0">
-                <a:solidFill>
-                  <a:schemeClr val="tx1"/>
-                </a:solidFill>
-              </a:rPr>
-              <a:t>Thm</a:t>
-            </a:r>
-            <a:r>
-              <a:rPr lang="en-US" sz="3600" dirty="0" smtClean="0">
-                <a:solidFill>
-                  <a:schemeClr val="tx1"/>
-                </a:solidFill>
-              </a:rPr>
-              <a:t>. of Arithmetic</a:t>
-            </a:r>
-          </a:p>
-        </p:txBody>
-      </p:sp>
-      <p:sp>
-        <p:nvSpPr>
-          <p:cNvPr id="40964" name="Slide Number Placeholder 3"/>
-          <p:cNvSpPr>
-            <a:spLocks noGrp="1"/>
-          </p:cNvSpPr>
-          <p:nvPr>
-            <p:ph type="sldNum" sz="quarter" idx="10"/>
-          </p:nvPr>
-        </p:nvSpPr>
-        <p:spPr>
-          <a:noFill/>
-        </p:spPr>
-        <p:txBody>
-          <a:bodyPr/>
-          <a:lstStyle/>
-          <a:p>
-            <a:r>
-              <a:rPr lang="en-US" dirty="0" err="1" smtClean="0">
-                <a:latin typeface="Comic Sans MS" pitchFamily="8" charset="0"/>
-              </a:rPr>
-              <a:t>lec</a:t>
-            </a:r>
-            <a:r>
-              <a:rPr lang="en-US" dirty="0" smtClean="0">
-                <a:latin typeface="Comic Sans MS" pitchFamily="8" charset="0"/>
-              </a:rPr>
-              <a:t> 5M.</a:t>
-            </a:r>
-            <a:fld id="{ED062411-6F17-41FB-A2D2-BA09849AA3A4}" type="slidenum">
-              <a:rPr lang="en-US" sz="1200" smtClean="0">
-                <a:latin typeface="Comic Sans MS" pitchFamily="8" charset="0"/>
-              </a:rPr>
-              <a:pPr/>
-              <a:t>14</a:t>
-            </a:fld>
-            <a:endParaRPr lang="en-US" sz="1200" dirty="0" smtClean="0">
-              <a:latin typeface="Comic Sans MS" pitchFamily="8" charset="0"/>
-            </a:endParaRPr>
-          </a:p>
-        </p:txBody>
-      </p:sp>
-    </p:spTree>
-  </p:cSld>
-  <p:clrMapOvr>
-    <a:masterClrMapping/>
-  </p:clrMapOvr>
-  <mc:AlternateContent xmlns:mc="http://schemas.openxmlformats.org/markup-compatibility/2006" xmlns:p14="http://schemas.microsoft.com/office/powerpoint/2010/main">
-    <mc:Choice Requires="p14">
-      <p:transition spd="slow" p14:dur="800">
-        <p:fade thruBlk="1"/>
-      </p:transition>
-    </mc:Choice>
-    <mc:Fallback xmlns="">
-      <p:transition xmlns:p14="http://schemas.microsoft.com/office/powerpoint/2010/main" spd="slow">
-        <p:fade thruBlk="1"/>
-      </p:transition>
-    </mc:Fallback>
-  </mc:AlternateContent>
-  <p:timing>
-    <p:tnLst>
-      <p:par>
-        <p:cTn xmlns:p14="http://schemas.microsoft.com/office/powerpoint/2010/main" id="1" dur="indefinite" restart="never" nodeType="tmRoot">
-          <p:childTnLst>
-            <p:seq concurrent="1" nextAc="seek">
-              <p:cTn id="2" dur="indefinite" nodeType="mainSeq">
-                <p:childTnLst>
-                  <p:par>
-                    <p:cTn id="3" fill="hold">
-                      <p:stCondLst>
-                        <p:cond delay="indefinite"/>
-                      </p:stCondLst>
-                      <p:childTnLst>
-                        <p:par>
-                          <p:cTn id="4" fill="hold">
-                            <p:stCondLst>
-                              <p:cond delay="0"/>
-                            </p:stCondLst>
-                            <p:childTnLst>
-                              <p:par>
-                                <p:cTn id="5" presetID="10" presetClass="entr" presetSubtype="0" fill="hold" grpId="0" nodeType="clickEffect">
-                                  <p:stCondLst>
-                                    <p:cond delay="0"/>
-                                  </p:stCondLst>
-                                  <p:childTnLst>
-                                    <p:set>
-                                      <p:cBhvr>
-                                        <p:cTn id="6" dur="1" fill="hold">
-                                          <p:stCondLst>
-                                            <p:cond delay="0"/>
-                                          </p:stCondLst>
-                                        </p:cTn>
-                                        <p:tgtEl>
-                                          <p:spTgt spid="40962">
-                                            <p:bg/>
-                                          </p:spTgt>
-                                        </p:tgtEl>
-                                        <p:attrNameLst>
-                                          <p:attrName>style.visibility</p:attrName>
-                                        </p:attrNameLst>
-                                      </p:cBhvr>
-                                      <p:to>
-                                        <p:strVal val="visible"/>
-                                      </p:to>
-                                    </p:set>
-                                    <p:animEffect transition="in" filter="fade">
-                                      <p:cBhvr>
-                                        <p:cTn id="7" dur="500"/>
-                                        <p:tgtEl>
-                                          <p:spTgt spid="40962">
-                                            <p:bg/>
-                                          </p:spTgt>
-                                        </p:tgtEl>
-                                      </p:cBhvr>
-                                    </p:animEffect>
-                                  </p:childTnLst>
-                                </p:cTn>
-                              </p:par>
-                              <p:par>
-                                <p:cTn id="8" presetID="10" presetClass="entr" presetSubtype="0" fill="hold" grpId="0" nodeType="withEffect">
-                                  <p:stCondLst>
-                                    <p:cond delay="0"/>
-                                  </p:stCondLst>
-                                  <p:childTnLst>
-                                    <p:set>
-                                      <p:cBhvr>
-                                        <p:cTn id="9" dur="1" fill="hold">
-                                          <p:stCondLst>
-                                            <p:cond delay="0"/>
-                                          </p:stCondLst>
-                                        </p:cTn>
-                                        <p:tgtEl>
-                                          <p:spTgt spid="40962">
-                                            <p:txEl>
-                                              <p:pRg st="0" end="0"/>
-                                            </p:txEl>
-                                          </p:spTgt>
-                                        </p:tgtEl>
-                                        <p:attrNameLst>
-                                          <p:attrName>style.visibility</p:attrName>
-                                        </p:attrNameLst>
-                                      </p:cBhvr>
-                                      <p:to>
-                                        <p:strVal val="visible"/>
-                                      </p:to>
-                                    </p:set>
-                                    <p:animEffect transition="in" filter="fade">
-                                      <p:cBhvr>
-                                        <p:cTn id="10" dur="500"/>
-                                        <p:tgtEl>
-                                          <p:spTgt spid="40962">
-                                            <p:txEl>
-                                              <p:pRg st="0" end="0"/>
-                                            </p:txEl>
-                                          </p:spTgt>
-                                        </p:tgtEl>
-                                      </p:cBhvr>
-                                    </p:animEffect>
-                                  </p:childTnLst>
-                                </p:cTn>
-                              </p:par>
-                            </p:childTnLst>
-                          </p:cTn>
-                        </p:par>
-                      </p:childTnLst>
-                    </p:cTn>
-                  </p:par>
-                </p:childTnLst>
-              </p:cTn>
-              <p:prevCondLst>
-                <p:cond evt="onPrev" delay="0">
-                  <p:tgtEl>
-                    <p:sldTgt/>
-                  </p:tgtEl>
-                </p:cond>
-              </p:prevCondLst>
-              <p:nextCondLst>
-                <p:cond evt="onNext" delay="0">
-                  <p:tgtEl>
-                    <p:sldTgt/>
-                  </p:tgtEl>
-                </p:cond>
-              </p:nextCondLst>
-            </p:seq>
-          </p:childTnLst>
-        </p:cTn>
-      </p:par>
-    </p:tnLst>
-    <p:bldLst>
-      <p:bldP spid="40962" grpId="0" build="p" animBg="1"/>
-    </p:bldLst>
-  </p:timing>
-</p:sld>
-</file>
-
-<file path=ppt/slides/slide15.xml><?xml version="1.0" encoding="utf-8"?>
-<p:sld xmlns:a="http://schemas.openxmlformats.org/drawingml/2006/main" xmlns:r="http://schemas.openxmlformats.org/officeDocument/2006/relationships" xmlns:p="http://schemas.openxmlformats.org/presentationml/2006/main">
-  <p:cSld>
-    <p:spTree>
-      <p:nvGrpSpPr>
-        <p:cNvPr id="1" name=""/>
-        <p:cNvGrpSpPr/>
-        <p:nvPr/>
-      </p:nvGrpSpPr>
-      <p:grpSpPr>
-        <a:xfrm>
-          <a:off x="0" y="0"/>
-          <a:ext cx="0" cy="0"/>
-          <a:chOff x="0" y="0"/>
-          <a:chExt cx="0" cy="0"/>
-        </a:xfrm>
-      </p:grpSpPr>
-      <p:sp>
-        <p:nvSpPr>
           <p:cNvPr id="41987" name="Rectangle 3"/>
           <p:cNvSpPr>
             <a:spLocks noGrp="1" noChangeArrowheads="1"/>
@@ -7897,16 +6645,7 @@
                 </a:solidFill>
                 <a:cs typeface="Times New Roman" pitchFamily="8" charset="0"/>
               </a:rPr>
-              <a:t> </a:t>
-            </a:r>
-            <a:r>
-              <a:rPr lang="en-US" sz="5400" dirty="0" smtClean="0">
-                <a:solidFill>
-                  <a:srgbClr val="0000CC"/>
-                </a:solidFill>
-                <a:cs typeface="Times New Roman" pitchFamily="8" charset="0"/>
-              </a:rPr>
-              <a:t>p</a:t>
+              <a:t> p</a:t>
             </a:r>
             <a:r>
               <a:rPr lang="en-US" sz="5400" baseline="-25000" dirty="0" smtClean="0">
@@ -8027,7 +6766,7 @@
                 <a:latin typeface="Comic Sans MS" pitchFamily="8" charset="0"/>
               </a:rPr>
               <a:pPr/>
-              <a:t>15</a:t>
+              <a:t>14</a:t>
             </a:fld>
             <a:endParaRPr lang="en-US" sz="1200" dirty="0" smtClean="0">
               <a:latin typeface="Comic Sans MS" pitchFamily="8" charset="0"/>
@@ -8090,475 +6829,7 @@
 </p:sld>
 </file>
 
-<file path=ppt/slides/slide16.xml><?xml version="1.0" encoding="utf-8"?>
-<p:sld xmlns:a="http://schemas.openxmlformats.org/drawingml/2006/main" xmlns:r="http://schemas.openxmlformats.org/officeDocument/2006/relationships" xmlns:p="http://schemas.openxmlformats.org/presentationml/2006/main">
-  <p:cSld>
-    <p:spTree>
-      <p:nvGrpSpPr>
-        <p:cNvPr id="1" name=""/>
-        <p:cNvGrpSpPr/>
-        <p:nvPr/>
-      </p:nvGrpSpPr>
-      <p:grpSpPr>
-        <a:xfrm>
-          <a:off x="0" y="0"/>
-          <a:ext cx="0" cy="0"/>
-          <a:chOff x="0" y="0"/>
-          <a:chExt cx="0" cy="0"/>
-        </a:xfrm>
-      </p:grpSpPr>
-      <p:sp>
-        <p:nvSpPr>
-          <p:cNvPr id="4" name="Slide Number Placeholder 3"/>
-          <p:cNvSpPr>
-            <a:spLocks noGrp="1"/>
-          </p:cNvSpPr>
-          <p:nvPr>
-            <p:ph type="sldNum" sz="quarter" idx="10"/>
-          </p:nvPr>
-        </p:nvSpPr>
-        <p:spPr/>
-        <p:txBody>
-          <a:bodyPr/>
-          <a:lstStyle/>
-          <a:p>
-            <a:r>
-              <a:rPr lang="en-US" dirty="0" err="1" smtClean="0"/>
-              <a:t>lec</a:t>
-            </a:r>
-            <a:r>
-              <a:rPr lang="en-US" dirty="0" smtClean="0"/>
-              <a:t> 5M.</a:t>
-            </a:r>
-            <a:fld id="{D3851385-812A-493F-95C9-342353735912}" type="slidenum">
-              <a:rPr lang="en-US" sz="1200" smtClean="0"/>
-              <a:pPr/>
-              <a:t>16</a:t>
-            </a:fld>
-            <a:endParaRPr lang="en-US" sz="1200" dirty="0"/>
-          </a:p>
-        </p:txBody>
-      </p:sp>
-      <p:sp>
-        <p:nvSpPr>
-          <p:cNvPr id="782338" name="Rectangle 2"/>
-          <p:cNvSpPr>
-            <a:spLocks noGrp="1" noChangeArrowheads="1"/>
-          </p:cNvSpPr>
-          <p:nvPr>
-            <p:ph type="title"/>
-          </p:nvPr>
-        </p:nvSpPr>
-        <p:spPr/>
-        <p:txBody>
-          <a:bodyPr/>
-          <a:lstStyle/>
-          <a:p>
-            <a:r>
-              <a:rPr lang="en-US"/>
-              <a:t>Unique Prime Factorization</a:t>
-            </a:r>
-          </a:p>
-        </p:txBody>
-      </p:sp>
-      <p:sp>
-        <p:nvSpPr>
-          <p:cNvPr id="782339" name="Rectangle 3"/>
-          <p:cNvSpPr>
-            <a:spLocks noGrp="1" noChangeArrowheads="1"/>
-          </p:cNvSpPr>
-          <p:nvPr>
-            <p:ph type="body" idx="1"/>
-          </p:nvPr>
-        </p:nvSpPr>
-        <p:spPr>
-          <a:xfrm>
-            <a:off x="304800" y="1447800"/>
-            <a:ext cx="8534400" cy="3962400"/>
-          </a:xfrm>
-        </p:spPr>
-        <p:txBody>
-          <a:bodyPr/>
-          <a:lstStyle/>
-          <a:p>
-            <a:pPr algn="ctr"/>
-            <a:r>
-              <a:rPr lang="en-US" sz="3600" b="1" dirty="0">
-                <a:solidFill>
-                  <a:srgbClr val="008000"/>
-                </a:solidFill>
-              </a:rPr>
-              <a:t>Fundamental Theorem of Arithmetic</a:t>
-            </a:r>
-          </a:p>
-          <a:p>
-            <a:r>
-              <a:rPr lang="en-US" sz="4400" i="1" dirty="0"/>
-              <a:t>Example:</a:t>
-            </a:r>
-          </a:p>
-          <a:p>
-            <a:r>
-              <a:rPr lang="en-US" sz="5400" dirty="0"/>
-              <a:t>61394323221 </a:t>
-            </a:r>
-            <a:r>
-              <a:rPr lang="en-US" sz="5400" b="1" dirty="0">
-                <a:solidFill>
-                  <a:srgbClr val="000000"/>
-                </a:solidFill>
-                <a:latin typeface="Euclid Symbol" charset="2"/>
-                <a:cs typeface="Euclid Symbol" charset="2"/>
-              </a:rPr>
-              <a:t>=</a:t>
-            </a:r>
-            <a:endParaRPr lang="en-US" sz="5400" dirty="0">
-              <a:solidFill>
-                <a:srgbClr val="000000"/>
-              </a:solidFill>
-            </a:endParaRPr>
-          </a:p>
-          <a:p>
-            <a:pPr algn="ctr"/>
-            <a:r>
-              <a:rPr lang="en-US" sz="5400" dirty="0" smtClean="0"/>
-              <a:t>53</a:t>
-            </a:r>
-            <a:r>
-              <a:rPr lang="en-US" sz="5400" dirty="0">
-                <a:latin typeface="Arial Unicode MS" pitchFamily="34" charset="-128"/>
-                <a:ea typeface="Arial Unicode MS" pitchFamily="34" charset="-128"/>
-                <a:cs typeface="Arial Unicode MS" pitchFamily="34" charset="-128"/>
-                <a:sym typeface="Euclid Symbol" pitchFamily="18" charset="2"/>
-              </a:rPr>
-              <a:t>·</a:t>
-            </a:r>
-            <a:r>
-              <a:rPr lang="en-US" sz="5400" dirty="0"/>
-              <a:t>37</a:t>
-            </a:r>
-            <a:r>
-              <a:rPr lang="en-US" sz="5400" dirty="0">
-                <a:latin typeface="Arial Unicode MS" pitchFamily="34" charset="-128"/>
-                <a:ea typeface="Arial Unicode MS" pitchFamily="34" charset="-128"/>
-                <a:cs typeface="Arial Unicode MS" pitchFamily="34" charset="-128"/>
-                <a:sym typeface="Euclid Symbol" pitchFamily="18" charset="2"/>
-              </a:rPr>
-              <a:t>·</a:t>
-            </a:r>
-            <a:r>
-              <a:rPr lang="en-US" sz="5400" dirty="0"/>
-              <a:t>37</a:t>
-            </a:r>
-            <a:r>
-              <a:rPr lang="en-US" sz="5400" dirty="0">
-                <a:latin typeface="Arial Unicode MS" pitchFamily="34" charset="-128"/>
-                <a:ea typeface="Arial Unicode MS" pitchFamily="34" charset="-128"/>
-                <a:cs typeface="Arial Unicode MS" pitchFamily="34" charset="-128"/>
-                <a:sym typeface="Euclid Symbol" pitchFamily="18" charset="2"/>
-              </a:rPr>
-              <a:t>·</a:t>
-            </a:r>
-            <a:r>
-              <a:rPr lang="en-US" sz="5400" dirty="0"/>
-              <a:t>37</a:t>
-            </a:r>
-            <a:r>
-              <a:rPr lang="en-US" sz="5400" dirty="0" smtClean="0">
-                <a:latin typeface="Arial Unicode MS" pitchFamily="34" charset="-128"/>
-                <a:ea typeface="Arial Unicode MS" pitchFamily="34" charset="-128"/>
-                <a:cs typeface="Arial Unicode MS" pitchFamily="34" charset="-128"/>
-                <a:sym typeface="Euclid Symbol" pitchFamily="18" charset="2"/>
-              </a:rPr>
-              <a:t>·</a:t>
-            </a:r>
-            <a:r>
-              <a:rPr lang="en-US" sz="5400" dirty="0"/>
-              <a:t>11</a:t>
-            </a:r>
-            <a:r>
-              <a:rPr lang="en-US" sz="5400" dirty="0">
-                <a:latin typeface="Arial Unicode MS" pitchFamily="34" charset="-128"/>
-                <a:ea typeface="Arial Unicode MS" pitchFamily="34" charset="-128"/>
-                <a:cs typeface="Arial Unicode MS" pitchFamily="34" charset="-128"/>
-                <a:sym typeface="Euclid Symbol" pitchFamily="18" charset="2"/>
-              </a:rPr>
-              <a:t>·</a:t>
-            </a:r>
-            <a:r>
-              <a:rPr lang="en-US" sz="5400" dirty="0" smtClean="0"/>
-              <a:t>11</a:t>
-            </a:r>
-            <a:r>
-              <a:rPr lang="en-US" sz="5400" dirty="0">
-                <a:latin typeface="Arial Unicode MS" pitchFamily="34" charset="-128"/>
-                <a:ea typeface="Arial Unicode MS" pitchFamily="34" charset="-128"/>
-                <a:cs typeface="Arial Unicode MS" pitchFamily="34" charset="-128"/>
-                <a:sym typeface="Euclid Symbol" pitchFamily="18" charset="2"/>
-              </a:rPr>
-              <a:t>·</a:t>
-            </a:r>
-            <a:r>
-              <a:rPr lang="en-US" sz="5400" dirty="0" smtClean="0"/>
-              <a:t>7</a:t>
-            </a:r>
-            <a:r>
-              <a:rPr lang="en-US" sz="5400" dirty="0" smtClean="0">
-                <a:latin typeface="Arial Unicode MS" pitchFamily="34" charset="-128"/>
-                <a:ea typeface="Arial Unicode MS" pitchFamily="34" charset="-128"/>
-                <a:cs typeface="Arial Unicode MS" pitchFamily="34" charset="-128"/>
-                <a:sym typeface="Euclid Symbol" pitchFamily="18" charset="2"/>
-              </a:rPr>
-              <a:t>·</a:t>
-            </a:r>
-            <a:r>
-              <a:rPr lang="en-US" sz="5400" dirty="0"/>
-              <a:t>3</a:t>
-            </a:r>
-            <a:r>
-              <a:rPr lang="en-US" sz="5400" dirty="0">
-                <a:latin typeface="Arial Unicode MS" pitchFamily="34" charset="-128"/>
-                <a:ea typeface="Arial Unicode MS" pitchFamily="34" charset="-128"/>
-                <a:cs typeface="Arial Unicode MS" pitchFamily="34" charset="-128"/>
-                <a:sym typeface="Euclid Symbol" pitchFamily="18" charset="2"/>
-              </a:rPr>
-              <a:t>·</a:t>
-            </a:r>
-            <a:r>
-              <a:rPr lang="en-US" sz="5400" dirty="0"/>
-              <a:t>3</a:t>
-            </a:r>
-            <a:r>
-              <a:rPr lang="en-US" sz="5400" dirty="0">
-                <a:latin typeface="Arial Unicode MS" pitchFamily="34" charset="-128"/>
-                <a:ea typeface="Arial Unicode MS" pitchFamily="34" charset="-128"/>
-                <a:cs typeface="Arial Unicode MS" pitchFamily="34" charset="-128"/>
-                <a:sym typeface="Euclid Symbol" pitchFamily="18" charset="2"/>
-              </a:rPr>
-              <a:t>·</a:t>
-            </a:r>
-            <a:r>
-              <a:rPr lang="en-US" sz="5400" dirty="0" smtClean="0"/>
-              <a:t>3</a:t>
-            </a:r>
-            <a:endParaRPr lang="en-US" sz="5400" dirty="0"/>
-          </a:p>
-          <a:p>
-            <a:pPr algn="ctr"/>
-            <a:endParaRPr lang="en-US" sz="5400" dirty="0"/>
-          </a:p>
-        </p:txBody>
-      </p:sp>
-    </p:spTree>
-  </p:cSld>
-  <p:clrMapOvr>
-    <a:masterClrMapping/>
-  </p:clrMapOvr>
-  <p:transition xmlns:p14="http://schemas.microsoft.com/office/powerpoint/2010/main">
-    <p:fade/>
-  </p:transition>
-  <p:timing>
-    <p:tnLst>
-      <p:par>
-        <p:cTn xmlns:p14="http://schemas.microsoft.com/office/powerpoint/2010/main" id="1" dur="indefinite" restart="never" nodeType="tmRoot">
-          <p:childTnLst>
-            <p:seq concurrent="1" nextAc="seek">
-              <p:cTn id="2" dur="indefinite" nodeType="mainSeq">
-                <p:childTnLst>
-                  <p:par>
-                    <p:cTn id="3" fill="hold">
-                      <p:stCondLst>
-                        <p:cond delay="indefinite"/>
-                      </p:stCondLst>
-                      <p:childTnLst>
-                        <p:par>
-                          <p:cTn id="4" fill="hold">
-                            <p:stCondLst>
-                              <p:cond delay="0"/>
-                            </p:stCondLst>
-                            <p:childTnLst>
-                              <p:par>
-                                <p:cTn id="5" presetID="10" presetClass="entr" presetSubtype="0" fill="hold" grpId="0" nodeType="clickEffect">
-                                  <p:stCondLst>
-                                    <p:cond delay="0"/>
-                                  </p:stCondLst>
-                                  <p:childTnLst>
-                                    <p:set>
-                                      <p:cBhvr>
-                                        <p:cTn id="6" dur="1" fill="hold">
-                                          <p:stCondLst>
-                                            <p:cond delay="0"/>
-                                          </p:stCondLst>
-                                        </p:cTn>
-                                        <p:tgtEl>
-                                          <p:spTgt spid="782339">
-                                            <p:txEl>
-                                              <p:pRg st="1" end="1"/>
-                                            </p:txEl>
-                                          </p:spTgt>
-                                        </p:tgtEl>
-                                        <p:attrNameLst>
-                                          <p:attrName>style.visibility</p:attrName>
-                                        </p:attrNameLst>
-                                      </p:cBhvr>
-                                      <p:to>
-                                        <p:strVal val="visible"/>
-                                      </p:to>
-                                    </p:set>
-                                    <p:animEffect transition="in" filter="fade">
-                                      <p:cBhvr>
-                                        <p:cTn id="7" dur="500"/>
-                                        <p:tgtEl>
-                                          <p:spTgt spid="782339">
-                                            <p:txEl>
-                                              <p:pRg st="1" end="1"/>
-                                            </p:txEl>
-                                          </p:spTgt>
-                                        </p:tgtEl>
-                                      </p:cBhvr>
-                                    </p:animEffect>
-                                  </p:childTnLst>
-                                </p:cTn>
-                              </p:par>
-                              <p:par>
-                                <p:cTn id="8" presetID="10" presetClass="entr" presetSubtype="0" fill="hold" grpId="0" nodeType="withEffect">
-                                  <p:stCondLst>
-                                    <p:cond delay="0"/>
-                                  </p:stCondLst>
-                                  <p:childTnLst>
-                                    <p:set>
-                                      <p:cBhvr>
-                                        <p:cTn id="9" dur="1" fill="hold">
-                                          <p:stCondLst>
-                                            <p:cond delay="0"/>
-                                          </p:stCondLst>
-                                        </p:cTn>
-                                        <p:tgtEl>
-                                          <p:spTgt spid="782339">
-                                            <p:txEl>
-                                              <p:pRg st="2" end="2"/>
-                                            </p:txEl>
-                                          </p:spTgt>
-                                        </p:tgtEl>
-                                        <p:attrNameLst>
-                                          <p:attrName>style.visibility</p:attrName>
-                                        </p:attrNameLst>
-                                      </p:cBhvr>
-                                      <p:to>
-                                        <p:strVal val="visible"/>
-                                      </p:to>
-                                    </p:set>
-                                    <p:animEffect transition="in" filter="fade">
-                                      <p:cBhvr>
-                                        <p:cTn id="10" dur="500"/>
-                                        <p:tgtEl>
-                                          <p:spTgt spid="782339">
-                                            <p:txEl>
-                                              <p:pRg st="2" end="2"/>
-                                            </p:txEl>
-                                          </p:spTgt>
-                                        </p:tgtEl>
-                                      </p:cBhvr>
-                                    </p:animEffect>
-                                  </p:childTnLst>
-                                </p:cTn>
-                              </p:par>
-                            </p:childTnLst>
-                          </p:cTn>
-                        </p:par>
-                      </p:childTnLst>
-                    </p:cTn>
-                  </p:par>
-                  <p:par>
-                    <p:cTn id="11" fill="hold">
-                      <p:stCondLst>
-                        <p:cond delay="indefinite"/>
-                      </p:stCondLst>
-                      <p:childTnLst>
-                        <p:par>
-                          <p:cTn id="12" fill="hold">
-                            <p:stCondLst>
-                              <p:cond delay="0"/>
-                            </p:stCondLst>
-                            <p:childTnLst>
-                              <p:par>
-                                <p:cTn id="13" presetID="10" presetClass="entr" presetSubtype="0" fill="hold" grpId="0" nodeType="clickEffect">
-                                  <p:stCondLst>
-                                    <p:cond delay="0"/>
-                                  </p:stCondLst>
-                                  <p:childTnLst>
-                                    <p:set>
-                                      <p:cBhvr>
-                                        <p:cTn id="14" dur="1" fill="hold">
-                                          <p:stCondLst>
-                                            <p:cond delay="0"/>
-                                          </p:stCondLst>
-                                        </p:cTn>
-                                        <p:tgtEl>
-                                          <p:spTgt spid="782339">
-                                            <p:txEl>
-                                              <p:pRg st="3" end="3"/>
-                                            </p:txEl>
-                                          </p:spTgt>
-                                        </p:tgtEl>
-                                        <p:attrNameLst>
-                                          <p:attrName>style.visibility</p:attrName>
-                                        </p:attrNameLst>
-                                      </p:cBhvr>
-                                      <p:to>
-                                        <p:strVal val="visible"/>
-                                      </p:to>
-                                    </p:set>
-                                    <p:animEffect transition="in" filter="fade">
-                                      <p:cBhvr>
-                                        <p:cTn id="15" dur="500"/>
-                                        <p:tgtEl>
-                                          <p:spTgt spid="782339">
-                                            <p:txEl>
-                                              <p:pRg st="3" end="3"/>
-                                            </p:txEl>
-                                          </p:spTgt>
-                                        </p:tgtEl>
-                                      </p:cBhvr>
-                                    </p:animEffect>
-                                  </p:childTnLst>
-                                </p:cTn>
-                              </p:par>
-                            </p:childTnLst>
-                          </p:cTn>
-                        </p:par>
-                      </p:childTnLst>
-                    </p:cTn>
-                  </p:par>
-                </p:childTnLst>
-              </p:cTn>
-              <p:prevCondLst>
-                <p:cond evt="onPrev" delay="0">
-                  <p:tgtEl>
-                    <p:sldTgt/>
-                  </p:tgtEl>
-                </p:cond>
-              </p:prevCondLst>
-              <p:nextCondLst>
-                <p:cond evt="onNext" delay="0">
-                  <p:tgtEl>
-                    <p:sldTgt/>
-                  </p:tgtEl>
-                </p:cond>
-              </p:nextCondLst>
-            </p:seq>
-          </p:childTnLst>
-        </p:cTn>
-      </p:par>
-    </p:tnLst>
-    <p:bldLst>
-      <p:bldP spid="782339" grpId="0" build="p"/>
-    </p:bldLst>
-  </p:timing>
-</p:sld>
-</file>
-
-<file path=ppt/slides/slide17.xml><?xml version="1.0" encoding="utf-8"?>
+<file path=ppt/slides/slide15.xml><?xml version="1.0" encoding="utf-8"?>
 <p:sld xmlns:a="http://schemas.openxmlformats.org/drawingml/2006/main" xmlns:r="http://schemas.openxmlformats.org/officeDocument/2006/relationships" xmlns:p="http://schemas.openxmlformats.org/presentationml/2006/main">
   <p:cSld>
     <p:spTree>
@@ -8691,7 +6962,7 @@
             <a:r>
               <a:rPr lang="en-US" sz="4800" dirty="0" smtClean="0">
                 <a:solidFill>
-                  <a:srgbClr val="0000CC"/>
+                  <a:srgbClr val="0000FF"/>
                 </a:solidFill>
               </a:rPr>
               <a:t>n </a:t>
@@ -8699,7 +6970,7 @@
             <a:r>
               <a:rPr lang="en-US" sz="4800" b="1" dirty="0">
                 <a:solidFill>
-                  <a:srgbClr val="0000CC"/>
+                  <a:srgbClr val="0000FF"/>
                 </a:solidFill>
                 <a:latin typeface="Euclid Symbol" charset="2"/>
                 <a:cs typeface="Euclid Symbol" charset="2"/>
@@ -8709,71 +6980,63 @@
             <a:r>
               <a:rPr lang="en-US" sz="4800" dirty="0" smtClean="0">
                 <a:solidFill>
-                  <a:srgbClr val="0000CC"/>
-                </a:solidFill>
-              </a:rPr>
-              <a:t> </a:t>
+                  <a:srgbClr val="0000FF"/>
+                </a:solidFill>
+              </a:rPr>
+              <a:t> p</a:t>
+            </a:r>
+            <a:r>
+              <a:rPr lang="en-US" sz="4800" baseline="-25000" dirty="0" smtClean="0">
+                <a:solidFill>
+                  <a:srgbClr val="0000FF"/>
+                </a:solidFill>
+              </a:rPr>
+              <a:t>1</a:t>
             </a:r>
             <a:r>
               <a:rPr lang="en-US" sz="4800" dirty="0" smtClean="0">
                 <a:solidFill>
-                  <a:srgbClr val="0000CC"/>
+                  <a:srgbClr val="0000FF"/>
+                </a:solidFill>
+              </a:rPr>
+              <a:t>·p</a:t>
+            </a:r>
+            <a:r>
+              <a:rPr lang="en-US" sz="4800" baseline="-25000" dirty="0" smtClean="0">
+                <a:solidFill>
+                  <a:srgbClr val="0000FF"/>
+                </a:solidFill>
+              </a:rPr>
+              <a:t>2</a:t>
+            </a:r>
+            <a:r>
+              <a:rPr lang="en-US" sz="4800" dirty="0" smtClean="0">
+                <a:solidFill>
+                  <a:srgbClr val="0000FF"/>
+                </a:solidFill>
+              </a:rPr>
+              <a:t>···</a:t>
+            </a:r>
+            <a:r>
+              <a:rPr lang="en-US" sz="4800" dirty="0" err="1" smtClean="0">
+                <a:solidFill>
+                  <a:srgbClr val="0000FF"/>
                 </a:solidFill>
               </a:rPr>
               <a:t>p</a:t>
             </a:r>
             <a:r>
+              <a:rPr lang="en-US" sz="4800" baseline="-25000" dirty="0" err="1" smtClean="0">
+                <a:solidFill>
+                  <a:srgbClr val="0000FF"/>
+                </a:solidFill>
+              </a:rPr>
+              <a:t>k</a:t>
+            </a:r>
+            <a:r>
               <a:rPr lang="en-US" sz="4800" baseline="-25000" dirty="0" smtClean="0">
                 <a:solidFill>
-                  <a:srgbClr val="0000CC"/>
-                </a:solidFill>
-              </a:rPr>
-              <a:t>1</a:t>
-            </a:r>
-            <a:r>
-              <a:rPr lang="en-US" sz="4800" dirty="0" smtClean="0">
-                <a:solidFill>
-                  <a:srgbClr val="0000CC"/>
-                </a:solidFill>
-              </a:rPr>
-              <a:t>·p</a:t>
-            </a:r>
-            <a:r>
-              <a:rPr lang="en-US" sz="4800" baseline="-25000" dirty="0" smtClean="0">
-                <a:solidFill>
-                  <a:srgbClr val="0000CC"/>
-                </a:solidFill>
-              </a:rPr>
-              <a:t>2</a:t>
-            </a:r>
-            <a:r>
-              <a:rPr lang="en-US" sz="4800" dirty="0" smtClean="0">
-                <a:solidFill>
-                  <a:srgbClr val="0000CC"/>
-                </a:solidFill>
-              </a:rPr>
-              <a:t>···</a:t>
-            </a:r>
-            <a:r>
-              <a:rPr lang="en-US" sz="4800" dirty="0" err="1" smtClean="0">
-                <a:solidFill>
-                  <a:srgbClr val="0000CC"/>
-                </a:solidFill>
-              </a:rPr>
-              <a:t>p</a:t>
-            </a:r>
-            <a:r>
-              <a:rPr lang="en-US" sz="4800" baseline="-25000" dirty="0" err="1" smtClean="0">
-                <a:solidFill>
-                  <a:srgbClr val="0000CC"/>
-                </a:solidFill>
-              </a:rPr>
-              <a:t>k</a:t>
-            </a:r>
-            <a:r>
-              <a:rPr lang="en-US" sz="4800" baseline="-25000" dirty="0" smtClean="0">
-                <a:solidFill>
-                  <a:srgbClr val="0000CC"/>
+                  <a:srgbClr val="0000FF"/>
                 </a:solidFill>
               </a:rPr>
               <a:t>  </a:t>
@@ -8781,7 +7044,7 @@
             <a:r>
               <a:rPr lang="en-US" sz="4800" b="1" dirty="0">
                 <a:solidFill>
-                  <a:srgbClr val="0000CC"/>
+                  <a:srgbClr val="0000FF"/>
                 </a:solidFill>
                 <a:latin typeface="Euclid Symbol" charset="2"/>
                 <a:cs typeface="Euclid Symbol" charset="2"/>
@@ -8791,70 +7054,62 @@
             <a:r>
               <a:rPr lang="en-US" sz="4800" dirty="0" smtClean="0">
                 <a:solidFill>
-                  <a:srgbClr val="0000CC"/>
-                </a:solidFill>
-              </a:rPr>
-              <a:t> </a:t>
+                  <a:srgbClr val="0000FF"/>
+                </a:solidFill>
+              </a:rPr>
+              <a:t> q</a:t>
+            </a:r>
+            <a:r>
+              <a:rPr lang="en-US" sz="4800" baseline="-25000" dirty="0" smtClean="0">
+                <a:solidFill>
+                  <a:srgbClr val="0000FF"/>
+                </a:solidFill>
+              </a:rPr>
+              <a:t>1</a:t>
             </a:r>
             <a:r>
               <a:rPr lang="en-US" sz="4800" dirty="0" smtClean="0">
                 <a:solidFill>
-                  <a:srgbClr val="0000CC"/>
+                  <a:srgbClr val="0000FF"/>
+                </a:solidFill>
+              </a:rPr>
+              <a:t>·q</a:t>
+            </a:r>
+            <a:r>
+              <a:rPr lang="en-US" sz="4800" baseline="-25000" dirty="0" smtClean="0">
+                <a:solidFill>
+                  <a:srgbClr val="0000FF"/>
+                </a:solidFill>
+              </a:rPr>
+              <a:t>2</a:t>
+            </a:r>
+            <a:r>
+              <a:rPr lang="en-US" sz="4800" dirty="0" smtClean="0">
+                <a:solidFill>
+                  <a:srgbClr val="0000FF"/>
+                </a:solidFill>
+              </a:rPr>
+              <a:t>···</a:t>
+            </a:r>
+            <a:r>
+              <a:rPr lang="en-US" sz="4800" dirty="0" err="1" smtClean="0">
+                <a:solidFill>
+                  <a:srgbClr val="0000FF"/>
                 </a:solidFill>
               </a:rPr>
               <a:t>q</a:t>
             </a:r>
             <a:r>
-              <a:rPr lang="en-US" sz="4800" baseline="-25000" dirty="0" smtClean="0">
-                <a:solidFill>
-                  <a:srgbClr val="0000CC"/>
-                </a:solidFill>
-              </a:rPr>
-              <a:t>1</a:t>
-            </a:r>
-            <a:r>
-              <a:rPr lang="en-US" sz="4800" dirty="0" smtClean="0">
-                <a:solidFill>
-                  <a:srgbClr val="0000CC"/>
-                </a:solidFill>
-              </a:rPr>
-              <a:t>·q</a:t>
-            </a:r>
-            <a:r>
-              <a:rPr lang="en-US" sz="4800" baseline="-25000" dirty="0" smtClean="0">
-                <a:solidFill>
-                  <a:srgbClr val="0000CC"/>
-                </a:solidFill>
-              </a:rPr>
-              <a:t>2</a:t>
-            </a:r>
-            <a:r>
-              <a:rPr lang="en-US" sz="4800" dirty="0" smtClean="0">
-                <a:solidFill>
-                  <a:srgbClr val="0000CC"/>
-                </a:solidFill>
-              </a:rPr>
-              <a:t>···</a:t>
-            </a:r>
-            <a:r>
-              <a:rPr lang="en-US" sz="4800" dirty="0" err="1" smtClean="0">
-                <a:solidFill>
-                  <a:srgbClr val="0000CC"/>
-                </a:solidFill>
-              </a:rPr>
-              <a:t>q</a:t>
-            </a:r>
-            <a:r>
               <a:rPr lang="en-US" sz="4800" baseline="-25000" dirty="0" err="1" smtClean="0">
                 <a:solidFill>
-                  <a:srgbClr val="0000CC"/>
+                  <a:srgbClr val="0000FF"/>
                 </a:solidFill>
               </a:rPr>
               <a:t>m</a:t>
             </a:r>
             <a:endParaRPr lang="en-US" sz="4800" baseline="-25000" dirty="0" smtClean="0">
               <a:solidFill>
-                <a:srgbClr val="0000CC"/>
+                <a:srgbClr val="0000FF"/>
               </a:solidFill>
             </a:endParaRPr>
           </a:p>
@@ -8863,7 +7118,7 @@
             <a:r>
               <a:rPr lang="en-US" sz="4800" dirty="0" smtClean="0">
                 <a:solidFill>
-                  <a:srgbClr val="0000CC"/>
+                  <a:srgbClr val="0000FF"/>
                 </a:solidFill>
               </a:rPr>
               <a:t>p</a:t>
@@ -8871,7 +7126,7 @@
             <a:r>
               <a:rPr lang="en-US" sz="4800" baseline="-25000" dirty="0" smtClean="0">
                 <a:solidFill>
-                  <a:srgbClr val="0000CC"/>
+                  <a:srgbClr val="0000FF"/>
                 </a:solidFill>
               </a:rPr>
               <a:t>1</a:t>
@@ -8879,7 +7134,7 @@
             <a:r>
               <a:rPr lang="en-US" sz="4800" b="1" dirty="0">
                 <a:solidFill>
-                  <a:srgbClr val="0000CC"/>
+                  <a:srgbClr val="0000FF"/>
                 </a:solidFill>
                 <a:latin typeface="Euclid Symbol" charset="2"/>
                 <a:cs typeface="Euclid Symbol" charset="2"/>
@@ -8890,7 +7145,7 @@
             <a:r>
               <a:rPr lang="en-US" sz="4800" dirty="0" smtClean="0">
                 <a:solidFill>
-                  <a:srgbClr val="0000CC"/>
+                  <a:srgbClr val="0000FF"/>
                 </a:solidFill>
               </a:rPr>
               <a:t>p</a:t>
@@ -8898,7 +7153,7 @@
             <a:r>
               <a:rPr lang="en-US" sz="4800" baseline="-25000" dirty="0" smtClean="0">
                 <a:solidFill>
-                  <a:srgbClr val="0000CC"/>
+                  <a:srgbClr val="0000FF"/>
                 </a:solidFill>
               </a:rPr>
               <a:t>2</a:t>
@@ -8906,7 +7161,7 @@
             <a:r>
               <a:rPr lang="en-US" sz="4800" b="1" dirty="0" smtClean="0">
                 <a:solidFill>
-                  <a:srgbClr val="0000CC"/>
+                  <a:srgbClr val="0000FF"/>
                 </a:solidFill>
                 <a:latin typeface="Euclid Symbol" charset="2"/>
                 <a:cs typeface="Euclid Symbol" charset="2"/>
@@ -8917,7 +7172,7 @@
             <a:r>
               <a:rPr lang="en-US" sz="4800" dirty="0" smtClean="0">
                 <a:solidFill>
-                  <a:srgbClr val="0000CC"/>
+                  <a:srgbClr val="0000FF"/>
                 </a:solidFill>
               </a:rPr>
               <a:t>···</a:t>
@@ -8925,7 +7180,7 @@
             <a:r>
               <a:rPr lang="en-US" sz="4800" b="1" dirty="0" smtClean="0">
                 <a:solidFill>
-                  <a:srgbClr val="0000CC"/>
+                  <a:srgbClr val="0000FF"/>
                 </a:solidFill>
                 <a:latin typeface="Euclid Symbol" charset="2"/>
                 <a:cs typeface="Euclid Symbol" charset="2"/>
@@ -8936,7 +7191,7 @@
             <a:r>
               <a:rPr lang="en-US" sz="4800" dirty="0" err="1" smtClean="0">
                 <a:solidFill>
-                  <a:srgbClr val="0000CC"/>
+                  <a:srgbClr val="0000FF"/>
                 </a:solidFill>
               </a:rPr>
               <a:t>p</a:t>
@@ -8944,14 +7199,14 @@
             <a:r>
               <a:rPr lang="en-US" sz="4800" baseline="-25000" dirty="0" err="1" smtClean="0">
                 <a:solidFill>
-                  <a:srgbClr val="0000CC"/>
+                  <a:srgbClr val="0000FF"/>
                 </a:solidFill>
               </a:rPr>
               <a:t>k</a:t>
             </a:r>
             <a:endParaRPr lang="en-US" sz="4800" baseline="-25000" dirty="0" smtClean="0">
               <a:solidFill>
-                <a:srgbClr val="0000CC"/>
+                <a:srgbClr val="0000FF"/>
               </a:solidFill>
             </a:endParaRPr>
           </a:p>
@@ -8960,7 +7215,7 @@
             <a:r>
               <a:rPr lang="en-US" sz="4800" dirty="0" smtClean="0">
                 <a:solidFill>
-                  <a:srgbClr val="0000CC"/>
+                  <a:srgbClr val="0000FF"/>
                 </a:solidFill>
               </a:rPr>
               <a:t>q</a:t>
@@ -8968,7 +7223,7 @@
             <a:r>
               <a:rPr lang="en-US" sz="4800" baseline="-25000" dirty="0" smtClean="0">
                 <a:solidFill>
-                  <a:srgbClr val="0000CC"/>
+                  <a:srgbClr val="0000FF"/>
                 </a:solidFill>
               </a:rPr>
               <a:t>1</a:t>
@@ -8976,7 +7231,7 @@
             <a:r>
               <a:rPr lang="en-US" sz="4800" b="1" dirty="0" smtClean="0">
                 <a:solidFill>
-                  <a:srgbClr val="0000CC"/>
+                  <a:srgbClr val="0000FF"/>
                 </a:solidFill>
                 <a:latin typeface="Euclid Symbol" charset="2"/>
                 <a:cs typeface="Euclid Symbol" charset="2"/>
@@ -8987,7 +7242,7 @@
             <a:r>
               <a:rPr lang="en-US" sz="4800" dirty="0" smtClean="0">
                 <a:solidFill>
-                  <a:srgbClr val="0000CC"/>
+                  <a:srgbClr val="0000FF"/>
                 </a:solidFill>
               </a:rPr>
               <a:t>q</a:t>
@@ -8995,7 +7250,7 @@
             <a:r>
               <a:rPr lang="en-US" sz="4800" baseline="-25000" dirty="0" smtClean="0">
                 <a:solidFill>
-                  <a:srgbClr val="0000CC"/>
+                  <a:srgbClr val="0000FF"/>
                 </a:solidFill>
               </a:rPr>
               <a:t>2</a:t>
@@ -9003,7 +7258,7 @@
             <a:r>
               <a:rPr lang="en-US" sz="4800" b="1" dirty="0" smtClean="0">
                 <a:solidFill>
-                  <a:srgbClr val="0000CC"/>
+                  <a:srgbClr val="0000FF"/>
                 </a:solidFill>
                 <a:latin typeface="Euclid Symbol" charset="2"/>
                 <a:cs typeface="Euclid Symbol" charset="2"/>
@@ -9014,7 +7269,7 @@
             <a:r>
               <a:rPr lang="en-US" sz="4800" dirty="0" smtClean="0">
                 <a:solidFill>
-                  <a:srgbClr val="0000CC"/>
+                  <a:srgbClr val="0000FF"/>
                 </a:solidFill>
               </a:rPr>
               <a:t>···</a:t>
@@ -9022,7 +7277,7 @@
             <a:r>
               <a:rPr lang="en-US" sz="4800" b="1" dirty="0" smtClean="0">
                 <a:solidFill>
-                  <a:srgbClr val="0000CC"/>
+                  <a:srgbClr val="0000FF"/>
                 </a:solidFill>
                 <a:latin typeface="Euclid Symbol" charset="2"/>
                 <a:cs typeface="Euclid Symbol" charset="2"/>
@@ -9033,7 +7288,7 @@
             <a:r>
               <a:rPr lang="en-US" sz="4800" dirty="0" err="1" smtClean="0">
                 <a:solidFill>
-                  <a:srgbClr val="0000CC"/>
+                  <a:srgbClr val="0000FF"/>
                 </a:solidFill>
               </a:rPr>
               <a:t>q</a:t>
@@ -9041,14 +7296,14 @@
             <a:r>
               <a:rPr lang="en-US" sz="4800" baseline="-25000" dirty="0" err="1" smtClean="0">
                 <a:solidFill>
-                  <a:srgbClr val="0000CC"/>
+                  <a:srgbClr val="0000FF"/>
                 </a:solidFill>
               </a:rPr>
               <a:t>m</a:t>
             </a:r>
             <a:endParaRPr lang="en-US" sz="4800" baseline="-25000" dirty="0" smtClean="0">
               <a:solidFill>
-                <a:srgbClr val="0000CC"/>
+                <a:srgbClr val="0000FF"/>
               </a:solidFill>
             </a:endParaRPr>
           </a:p>
@@ -9107,7 +7362,7 @@
             <a:r>
               <a:rPr lang="en-US" sz="4800" dirty="0" smtClean="0">
                 <a:solidFill>
-                  <a:srgbClr val="0000CC"/>
+                  <a:srgbClr val="0000FF"/>
                 </a:solidFill>
               </a:rPr>
               <a:t>p</a:t>
@@ -9115,7 +7370,7 @@
             <a:r>
               <a:rPr lang="en-US" sz="4800" baseline="-25000" dirty="0" smtClean="0">
                 <a:solidFill>
-                  <a:srgbClr val="0000CC"/>
+                  <a:srgbClr val="0000FF"/>
                 </a:solidFill>
               </a:rPr>
               <a:t>2</a:t>
@@ -9123,7 +7378,7 @@
             <a:r>
               <a:rPr lang="en-US" sz="4800" dirty="0">
                 <a:solidFill>
-                  <a:srgbClr val="0000CC"/>
+                  <a:srgbClr val="0000FF"/>
                 </a:solidFill>
               </a:rPr>
               <a:t>···</a:t>
@@ -9131,7 +7386,7 @@
             <a:r>
               <a:rPr lang="en-US" sz="4800" dirty="0" err="1">
                 <a:solidFill>
-                  <a:srgbClr val="0000CC"/>
+                  <a:srgbClr val="0000FF"/>
                 </a:solidFill>
               </a:rPr>
               <a:t>p</a:t>
@@ -9139,7 +7394,7 @@
             <a:r>
               <a:rPr lang="en-US" sz="4800" baseline="-25000" dirty="0" err="1">
                 <a:solidFill>
-                  <a:srgbClr val="0000CC"/>
+                  <a:srgbClr val="0000FF"/>
                 </a:solidFill>
               </a:rPr>
               <a:t>k</a:t>
@@ -9173,7 +7428,7 @@
             <a:r>
               <a:rPr lang="en-US" sz="4800" dirty="0" smtClean="0">
                 <a:solidFill>
-                  <a:srgbClr val="0000CC"/>
+                  <a:srgbClr val="0000FF"/>
                 </a:solidFill>
               </a:rPr>
               <a:t>q</a:t>
@@ -9181,7 +7436,7 @@
             <a:r>
               <a:rPr lang="en-US" sz="4800" baseline="-25000" dirty="0" smtClean="0">
                 <a:solidFill>
-                  <a:srgbClr val="0000CC"/>
+                  <a:srgbClr val="0000FF"/>
                 </a:solidFill>
               </a:rPr>
               <a:t>2</a:t>
@@ -9189,7 +7444,7 @@
             <a:r>
               <a:rPr lang="en-US" sz="4800" dirty="0">
                 <a:solidFill>
-                  <a:srgbClr val="0000CC"/>
+                  <a:srgbClr val="0000FF"/>
                 </a:solidFill>
               </a:rPr>
               <a:t>···</a:t>
@@ -9197,7 +7452,7 @@
             <a:r>
               <a:rPr lang="en-US" sz="4800" dirty="0" err="1" smtClean="0">
                 <a:solidFill>
-                  <a:srgbClr val="0000CC"/>
+                  <a:srgbClr val="0000FF"/>
                 </a:solidFill>
               </a:rPr>
               <a:t>q</a:t>
@@ -9205,7 +7460,7 @@
             <a:r>
               <a:rPr lang="en-US" sz="4800" baseline="-25000" dirty="0" err="1" smtClean="0">
                 <a:solidFill>
-                  <a:srgbClr val="0000CC"/>
+                  <a:srgbClr val="0000FF"/>
                 </a:solidFill>
               </a:rPr>
               <a:t>m</a:t>
@@ -9268,7 +7523,7 @@
                 <a:latin typeface="Comic Sans MS" pitchFamily="8" charset="0"/>
               </a:rPr>
               <a:pPr/>
-              <a:t>17</a:t>
+              <a:t>15</a:t>
             </a:fld>
             <a:endParaRPr lang="en-US" sz="1200" dirty="0" smtClean="0">
               <a:latin typeface="Comic Sans MS" pitchFamily="8" charset="0"/>
@@ -9552,7 +7807,7 @@
 </p:sld>
 </file>
 
-<file path=ppt/slides/slide18.xml><?xml version="1.0" encoding="utf-8"?>
+<file path=ppt/slides/slide16.xml><?xml version="1.0" encoding="utf-8"?>
 <p:sld xmlns:a="http://schemas.openxmlformats.org/drawingml/2006/main" xmlns:r="http://schemas.openxmlformats.org/officeDocument/2006/relationships" xmlns:p="http://schemas.openxmlformats.org/presentationml/2006/main">
   <p:cSld>
     <p:spTree>
@@ -9683,7 +7938,7 @@
             <a:r>
               <a:rPr lang="en-US" sz="4800" dirty="0" smtClean="0">
                 <a:solidFill>
-                  <a:srgbClr val="0000CC"/>
+                  <a:srgbClr val="0000FF"/>
                 </a:solidFill>
               </a:rPr>
               <a:t>n = p</a:t>
@@ -9691,7 +7946,7 @@
             <a:r>
               <a:rPr lang="en-US" sz="4800" baseline="-25000" dirty="0" smtClean="0">
                 <a:solidFill>
-                  <a:srgbClr val="0000CC"/>
+                  <a:srgbClr val="0000FF"/>
                 </a:solidFill>
               </a:rPr>
               <a:t>1</a:t>
@@ -9699,7 +7954,7 @@
             <a:r>
               <a:rPr lang="en-US" sz="4800" dirty="0" smtClean="0">
                 <a:solidFill>
-                  <a:srgbClr val="0000CC"/>
+                  <a:srgbClr val="0000FF"/>
                 </a:solidFill>
               </a:rPr>
               <a:t>·p</a:t>
@@ -9707,7 +7962,7 @@
             <a:r>
               <a:rPr lang="en-US" sz="4800" baseline="-25000" dirty="0" smtClean="0">
                 <a:solidFill>
-                  <a:srgbClr val="0000CC"/>
+                  <a:srgbClr val="0000FF"/>
                 </a:solidFill>
               </a:rPr>
               <a:t>2</a:t>
@@ -9715,7 +7970,7 @@
             <a:r>
               <a:rPr lang="en-US" sz="4800" dirty="0" smtClean="0">
                 <a:solidFill>
-                  <a:srgbClr val="0000CC"/>
+                  <a:srgbClr val="0000FF"/>
                 </a:solidFill>
               </a:rPr>
               <a:t>···</a:t>
@@ -9723,7 +7978,7 @@
             <a:r>
               <a:rPr lang="en-US" sz="4800" dirty="0" err="1" smtClean="0">
                 <a:solidFill>
-                  <a:srgbClr val="0000CC"/>
+                  <a:srgbClr val="0000FF"/>
                 </a:solidFill>
               </a:rPr>
               <a:t>p</a:t>
@@ -9731,7 +7986,7 @@
             <a:r>
               <a:rPr lang="en-US" sz="4800" baseline="-25000" dirty="0" err="1" smtClean="0">
                 <a:solidFill>
-                  <a:srgbClr val="0000CC"/>
+                  <a:srgbClr val="0000FF"/>
                 </a:solidFill>
               </a:rPr>
               <a:t>k</a:t>
@@ -9739,7 +7994,7 @@
             <a:r>
               <a:rPr lang="en-US" sz="4800" baseline="-25000" dirty="0" smtClean="0">
                 <a:solidFill>
-                  <a:srgbClr val="0000CC"/>
+                  <a:srgbClr val="0000FF"/>
                 </a:solidFill>
               </a:rPr>
               <a:t>  </a:t>
@@ -9747,7 +8002,7 @@
             <a:r>
               <a:rPr lang="en-US" sz="4800" dirty="0" smtClean="0">
                 <a:solidFill>
-                  <a:srgbClr val="0000CC"/>
+                  <a:srgbClr val="0000FF"/>
                 </a:solidFill>
               </a:rPr>
               <a:t>= q</a:t>
@@ -9755,7 +8010,7 @@
             <a:r>
               <a:rPr lang="en-US" sz="4800" baseline="-25000" dirty="0" smtClean="0">
                 <a:solidFill>
-                  <a:srgbClr val="0000CC"/>
+                  <a:srgbClr val="0000FF"/>
                 </a:solidFill>
               </a:rPr>
               <a:t>1</a:t>
@@ -9763,7 +8018,7 @@
             <a:r>
               <a:rPr lang="en-US" sz="4800" dirty="0" smtClean="0">
                 <a:solidFill>
-                  <a:srgbClr val="0000CC"/>
+                  <a:srgbClr val="0000FF"/>
                 </a:solidFill>
               </a:rPr>
               <a:t>·q</a:t>
@@ -9771,7 +8026,7 @@
             <a:r>
               <a:rPr lang="en-US" sz="4800" baseline="-25000" dirty="0" smtClean="0">
                 <a:solidFill>
-                  <a:srgbClr val="0000CC"/>
+                  <a:srgbClr val="0000FF"/>
                 </a:solidFill>
               </a:rPr>
               <a:t>2</a:t>
@@ -9779,7 +8034,7 @@
             <a:r>
               <a:rPr lang="en-US" sz="4800" dirty="0" smtClean="0">
                 <a:solidFill>
-                  <a:srgbClr val="0000CC"/>
+                  <a:srgbClr val="0000FF"/>
                 </a:solidFill>
               </a:rPr>
               <a:t>···</a:t>
@@ -9787,7 +8042,7 @@
             <a:r>
               <a:rPr lang="en-US" sz="4800" dirty="0" err="1" smtClean="0">
                 <a:solidFill>
-                  <a:srgbClr val="0000CC"/>
+                  <a:srgbClr val="0000FF"/>
                 </a:solidFill>
               </a:rPr>
               <a:t>q</a:t>
@@ -9795,14 +8050,14 @@
             <a:r>
               <a:rPr lang="en-US" sz="4800" baseline="-25000" dirty="0" err="1" smtClean="0">
                 <a:solidFill>
-                  <a:srgbClr val="0000CC"/>
+                  <a:srgbClr val="0000FF"/>
                 </a:solidFill>
               </a:rPr>
               <a:t>m</a:t>
             </a:r>
             <a:endParaRPr lang="en-US" sz="4800" baseline="-25000" dirty="0" smtClean="0">
               <a:solidFill>
-                <a:srgbClr val="0000CC"/>
+                <a:srgbClr val="0000FF"/>
               </a:solidFill>
             </a:endParaRPr>
           </a:p>
@@ -9811,7 +8066,7 @@
             <a:r>
               <a:rPr lang="en-US" sz="4800" dirty="0" smtClean="0">
                 <a:solidFill>
-                  <a:srgbClr val="0000CC"/>
+                  <a:srgbClr val="0000FF"/>
                 </a:solidFill>
               </a:rPr>
               <a:t>p</a:t>
@@ -9819,7 +8074,7 @@
             <a:r>
               <a:rPr lang="en-US" sz="4800" baseline="-25000" dirty="0" smtClean="0">
                 <a:solidFill>
-                  <a:srgbClr val="0000CC"/>
+                  <a:srgbClr val="0000FF"/>
                 </a:solidFill>
               </a:rPr>
               <a:t>1</a:t>
@@ -9827,7 +8082,7 @@
             <a:r>
               <a:rPr lang="en-US" sz="4800" b="1" dirty="0">
                 <a:solidFill>
-                  <a:srgbClr val="0000CC"/>
+                  <a:srgbClr val="0000FF"/>
                 </a:solidFill>
                 <a:latin typeface="Euclid Symbol" charset="2"/>
                 <a:cs typeface="Euclid Symbol" charset="2"/>
@@ -9838,7 +8093,7 @@
             <a:r>
               <a:rPr lang="en-US" sz="4800" dirty="0" smtClean="0">
                 <a:solidFill>
-                  <a:srgbClr val="0000CC"/>
+                  <a:srgbClr val="0000FF"/>
                 </a:solidFill>
               </a:rPr>
               <a:t>p</a:t>
@@ -9846,7 +8101,7 @@
             <a:r>
               <a:rPr lang="en-US" sz="4800" baseline="-25000" dirty="0" smtClean="0">
                 <a:solidFill>
-                  <a:srgbClr val="0000CC"/>
+                  <a:srgbClr val="0000FF"/>
                 </a:solidFill>
               </a:rPr>
               <a:t>2</a:t>
@@ -9854,7 +8109,7 @@
             <a:r>
               <a:rPr lang="en-US" sz="4800" b="1" dirty="0" smtClean="0">
                 <a:solidFill>
-                  <a:srgbClr val="0000CC"/>
+                  <a:srgbClr val="0000FF"/>
                 </a:solidFill>
                 <a:latin typeface="Euclid Symbol" charset="2"/>
                 <a:cs typeface="Euclid Symbol" charset="2"/>
@@ -9865,7 +8120,7 @@
             <a:r>
               <a:rPr lang="en-US" sz="4800" dirty="0" smtClean="0">
                 <a:solidFill>
-                  <a:srgbClr val="0000CC"/>
+                  <a:srgbClr val="0000FF"/>
                 </a:solidFill>
               </a:rPr>
               <a:t>···</a:t>
@@ -9873,7 +8128,7 @@
             <a:r>
               <a:rPr lang="en-US" sz="4800" b="1" dirty="0" smtClean="0">
                 <a:solidFill>
-                  <a:srgbClr val="0000CC"/>
+                  <a:srgbClr val="0000FF"/>
                 </a:solidFill>
                 <a:latin typeface="Euclid Symbol" charset="2"/>
                 <a:cs typeface="Euclid Symbol" charset="2"/>
@@ -9884,7 +8139,7 @@
             <a:r>
               <a:rPr lang="en-US" sz="4800" dirty="0" err="1" smtClean="0">
                 <a:solidFill>
-                  <a:srgbClr val="0000CC"/>
+                  <a:srgbClr val="0000FF"/>
                 </a:solidFill>
               </a:rPr>
               <a:t>p</a:t>
@@ -9892,14 +8147,14 @@
             <a:r>
               <a:rPr lang="en-US" sz="4800" baseline="-25000" dirty="0" err="1" smtClean="0">
                 <a:solidFill>
-                  <a:srgbClr val="0000CC"/>
+                  <a:srgbClr val="0000FF"/>
                 </a:solidFill>
               </a:rPr>
               <a:t>k</a:t>
             </a:r>
             <a:endParaRPr lang="en-US" sz="4800" baseline="-25000" dirty="0" smtClean="0">
               <a:solidFill>
-                <a:srgbClr val="0000CC"/>
+                <a:srgbClr val="0000FF"/>
               </a:solidFill>
             </a:endParaRPr>
           </a:p>
@@ -9908,7 +8163,7 @@
             <a:r>
               <a:rPr lang="en-US" sz="4800" dirty="0" smtClean="0">
                 <a:solidFill>
-                  <a:srgbClr val="0000CC"/>
+                  <a:srgbClr val="0000FF"/>
                 </a:solidFill>
               </a:rPr>
               <a:t>q</a:t>
@@ -9916,7 +8171,7 @@
             <a:r>
               <a:rPr lang="en-US" sz="4800" baseline="-25000" dirty="0" smtClean="0">
                 <a:solidFill>
-                  <a:srgbClr val="0000CC"/>
+                  <a:srgbClr val="0000FF"/>
                 </a:solidFill>
               </a:rPr>
               <a:t>1</a:t>
@@ -9924,7 +8179,7 @@
             <a:r>
               <a:rPr lang="en-US" sz="4800" b="1" dirty="0" smtClean="0">
                 <a:solidFill>
-                  <a:srgbClr val="0000CC"/>
+                  <a:srgbClr val="0000FF"/>
                 </a:solidFill>
                 <a:latin typeface="Euclid Symbol" charset="2"/>
                 <a:cs typeface="Euclid Symbol" charset="2"/>
@@ -9935,7 +8190,7 @@
             <a:r>
               <a:rPr lang="en-US" sz="4800" dirty="0" smtClean="0">
                 <a:solidFill>
-                  <a:srgbClr val="0000CC"/>
+                  <a:srgbClr val="0000FF"/>
                 </a:solidFill>
               </a:rPr>
               <a:t>q</a:t>
@@ -9943,7 +8198,7 @@
             <a:r>
               <a:rPr lang="en-US" sz="4800" baseline="-25000" dirty="0" smtClean="0">
                 <a:solidFill>
-                  <a:srgbClr val="0000CC"/>
+                  <a:srgbClr val="0000FF"/>
                 </a:solidFill>
               </a:rPr>
               <a:t>2</a:t>
@@ -9951,7 +8206,7 @@
             <a:r>
               <a:rPr lang="en-US" sz="4800" b="1" dirty="0" smtClean="0">
                 <a:solidFill>
-                  <a:srgbClr val="0000CC"/>
+                  <a:srgbClr val="0000FF"/>
                 </a:solidFill>
                 <a:latin typeface="Euclid Symbol" charset="2"/>
                 <a:cs typeface="Euclid Symbol" charset="2"/>
@@ -9962,7 +8217,7 @@
             <a:r>
               <a:rPr lang="en-US" sz="4800" dirty="0" smtClean="0">
                 <a:solidFill>
-                  <a:srgbClr val="0000CC"/>
+                  <a:srgbClr val="0000FF"/>
                 </a:solidFill>
               </a:rPr>
               <a:t>···</a:t>
@@ -9970,7 +8225,7 @@
             <a:r>
               <a:rPr lang="en-US" sz="4800" b="1" dirty="0" smtClean="0">
                 <a:solidFill>
-                  <a:srgbClr val="0000CC"/>
+                  <a:srgbClr val="0000FF"/>
                 </a:solidFill>
                 <a:latin typeface="Euclid Symbol" charset="2"/>
                 <a:cs typeface="Euclid Symbol" charset="2"/>
@@ -9981,7 +8236,7 @@
             <a:r>
               <a:rPr lang="en-US" sz="4800" dirty="0" err="1" smtClean="0">
                 <a:solidFill>
-                  <a:srgbClr val="0000CC"/>
+                  <a:srgbClr val="0000FF"/>
                 </a:solidFill>
               </a:rPr>
               <a:t>q</a:t>
@@ -9989,14 +8244,14 @@
             <a:r>
               <a:rPr lang="en-US" sz="4800" baseline="-25000" dirty="0" err="1" smtClean="0">
                 <a:solidFill>
-                  <a:srgbClr val="0000CC"/>
+                  <a:srgbClr val="0000FF"/>
                 </a:solidFill>
               </a:rPr>
               <a:t>m</a:t>
             </a:r>
             <a:endParaRPr lang="en-US" sz="4800" baseline="-25000" dirty="0" smtClean="0">
               <a:solidFill>
-                <a:srgbClr val="0000CC"/>
+                <a:srgbClr val="0000FF"/>
               </a:solidFill>
             </a:endParaRPr>
           </a:p>
@@ -10133,7 +8388,7 @@
                 <a:latin typeface="Comic Sans MS" pitchFamily="8" charset="0"/>
               </a:rPr>
               <a:pPr/>
-              <a:t>18</a:t>
+              <a:t>16</a:t>
             </a:fld>
             <a:endParaRPr lang="en-US" sz="1200" dirty="0" smtClean="0">
               <a:latin typeface="Comic Sans MS" pitchFamily="8" charset="0"/>
@@ -10164,7 +8419,7 @@
 </p:sld>
 </file>
 
-<file path=ppt/slides/slide19.xml><?xml version="1.0" encoding="utf-8"?>
+<file path=ppt/slides/slide17.xml><?xml version="1.0" encoding="utf-8"?>
 <p:sld xmlns:a="http://schemas.openxmlformats.org/drawingml/2006/main" xmlns:r="http://schemas.openxmlformats.org/officeDocument/2006/relationships" xmlns:p="http://schemas.openxmlformats.org/presentationml/2006/main">
   <p:cSld>
     <p:spTree>
@@ -10256,7 +8511,7 @@
             <a:r>
               <a:rPr lang="en-US" sz="5400" dirty="0" smtClean="0">
                 <a:solidFill>
-                  <a:srgbClr val="0000CC"/>
+                  <a:srgbClr val="0000FF"/>
                 </a:solidFill>
               </a:rPr>
               <a:t>q</a:t>
@@ -10264,7 +8519,7 @@
             <a:r>
               <a:rPr lang="en-US" sz="5400" baseline="-25000" dirty="0" smtClean="0">
                 <a:solidFill>
-                  <a:srgbClr val="0000CC"/>
+                  <a:srgbClr val="0000FF"/>
                 </a:solidFill>
               </a:rPr>
               <a:t>1</a:t>
@@ -10272,10 +8527,18 @@
             <a:r>
               <a:rPr lang="en-US" sz="5400" dirty="0" smtClean="0">
                 <a:solidFill>
-                  <a:srgbClr val="0000CC"/>
-                </a:solidFill>
-              </a:rPr>
-              <a:t>|n </a:t>
+                  <a:srgbClr val="0000FF"/>
+                </a:solidFill>
+              </a:rPr>
+              <a:t>|n</a:t>
+            </a:r>
+            <a:r>
+              <a:rPr lang="en-US" sz="5400" dirty="0" smtClean="0">
+                <a:solidFill>
+                  <a:srgbClr val="0000CC"/>
+                </a:solidFill>
+              </a:rPr>
+              <a:t> </a:t>
             </a:r>
             <a:r>
               <a:rPr lang="en-US" sz="5400" b="1" dirty="0" smtClean="0">
@@ -10287,7 +8550,7 @@
             <a:r>
               <a:rPr lang="en-US" sz="5400" dirty="0" smtClean="0">
                 <a:solidFill>
-                  <a:srgbClr val="0000CC"/>
+                  <a:srgbClr val="0000FF"/>
                 </a:solidFill>
               </a:rPr>
               <a:t>p</a:t>
@@ -10295,7 +8558,7 @@
             <a:r>
               <a:rPr lang="en-US" sz="5400" baseline="-25000" dirty="0" smtClean="0">
                 <a:solidFill>
-                  <a:srgbClr val="0000CC"/>
+                  <a:srgbClr val="0000FF"/>
                 </a:solidFill>
               </a:rPr>
               <a:t>1</a:t>
@@ -10303,7 +8566,7 @@
             <a:r>
               <a:rPr lang="en-US" sz="5400" dirty="0" smtClean="0">
                 <a:solidFill>
-                  <a:srgbClr val="0000CC"/>
+                  <a:srgbClr val="0000FF"/>
                 </a:solidFill>
               </a:rPr>
               <a:t>·p</a:t>
@@ -10311,7 +8574,7 @@
             <a:r>
               <a:rPr lang="en-US" sz="5400" baseline="-25000" dirty="0" smtClean="0">
                 <a:solidFill>
-                  <a:srgbClr val="0000CC"/>
+                  <a:srgbClr val="0000FF"/>
                 </a:solidFill>
               </a:rPr>
               <a:t>2</a:t>
@@ -10319,7 +8582,7 @@
             <a:r>
               <a:rPr lang="en-US" sz="5400" dirty="0" smtClean="0">
                 <a:solidFill>
-                  <a:srgbClr val="0000CC"/>
+                  <a:srgbClr val="0000FF"/>
                 </a:solidFill>
               </a:rPr>
               <a:t>···</a:t>
@@ -10327,7 +8590,7 @@
             <a:r>
               <a:rPr lang="en-US" sz="5400" dirty="0" err="1" smtClean="0">
                 <a:solidFill>
-                  <a:srgbClr val="0000CC"/>
+                  <a:srgbClr val="0000FF"/>
                 </a:solidFill>
               </a:rPr>
               <a:t>p</a:t>
@@ -10335,7 +8598,7 @@
             <a:r>
               <a:rPr lang="en-US" sz="5400" baseline="-25000" dirty="0" err="1" smtClean="0">
                 <a:solidFill>
-                  <a:srgbClr val="0000CC"/>
+                  <a:srgbClr val="0000FF"/>
                 </a:solidFill>
               </a:rPr>
               <a:t>k</a:t>
@@ -10362,7 +8625,7 @@
             <a:r>
               <a:rPr lang="en-US" sz="5400" dirty="0" smtClean="0">
                 <a:solidFill>
-                  <a:srgbClr val="0000CC"/>
+                  <a:srgbClr val="0000FF"/>
                 </a:solidFill>
               </a:rPr>
               <a:t>q</a:t>
@@ -10370,7 +8633,7 @@
             <a:r>
               <a:rPr lang="en-US" sz="5400" baseline="-25000" dirty="0" smtClean="0">
                 <a:solidFill>
-                  <a:srgbClr val="0000CC"/>
+                  <a:srgbClr val="0000FF"/>
                 </a:solidFill>
               </a:rPr>
               <a:t>1</a:t>
@@ -10378,7 +8641,7 @@
             <a:r>
               <a:rPr lang="en-US" sz="5400" dirty="0" smtClean="0">
                 <a:solidFill>
-                  <a:srgbClr val="0000CC"/>
+                  <a:srgbClr val="0000FF"/>
                 </a:solidFill>
               </a:rPr>
               <a:t>|p</a:t>
@@ -10386,7 +8649,7 @@
             <a:r>
               <a:rPr lang="en-US" sz="5400" baseline="-25000" dirty="0" smtClean="0">
                 <a:solidFill>
-                  <a:srgbClr val="0000CC"/>
+                  <a:srgbClr val="0000FF"/>
                 </a:solidFill>
               </a:rPr>
               <a:t>i</a:t>
@@ -10406,7 +8669,7 @@
             <a:r>
               <a:rPr lang="en-US" sz="5400" dirty="0" smtClean="0">
                 <a:solidFill>
-                  <a:srgbClr val="0000CC"/>
+                  <a:srgbClr val="0000FF"/>
                 </a:solidFill>
               </a:rPr>
               <a:t> </a:t>
@@ -10414,7 +8677,7 @@
             <a:r>
               <a:rPr lang="en-US" sz="5400" dirty="0" err="1" smtClean="0">
                 <a:solidFill>
-                  <a:srgbClr val="0000CC"/>
+                  <a:srgbClr val="0000FF"/>
                 </a:solidFill>
               </a:rPr>
               <a:t>i</a:t>
@@ -10449,7 +8712,47 @@
             <a:r>
               <a:rPr lang="en-US" sz="5400" dirty="0" smtClean="0">
                 <a:solidFill>
-                  <a:srgbClr val="0000CC"/>
+                  <a:srgbClr val="0000FF"/>
+                </a:solidFill>
+              </a:rPr>
+              <a:t>q</a:t>
+            </a:r>
+            <a:r>
+              <a:rPr lang="en-US" sz="5400" baseline="-25000" dirty="0" smtClean="0">
+                <a:solidFill>
+                  <a:srgbClr val="0000FF"/>
+                </a:solidFill>
+              </a:rPr>
+              <a:t>1</a:t>
+            </a:r>
+            <a:r>
+              <a:rPr lang="en-US" sz="5400" baseline="-25000" dirty="0" smtClean="0"/>
+              <a:t> </a:t>
+            </a:r>
+            <a:r>
+              <a:rPr lang="en-US" sz="5400" b="1" dirty="0" smtClean="0">
+                <a:solidFill>
+                  <a:srgbClr val="008000"/>
+                </a:solidFill>
+                <a:latin typeface="Times New Roman" pitchFamily="18" charset="0"/>
+                <a:cs typeface="Times New Roman" pitchFamily="18" charset="0"/>
+              </a:rPr>
+              <a:t>&gt;</a:t>
+            </a:r>
+            <a:r>
+              <a:rPr lang="en-US" sz="5400" b="1" dirty="0" smtClean="0">
+                <a:solidFill>
+                  <a:srgbClr val="0000FF"/>
+                </a:solidFill>
+                <a:latin typeface="Times New Roman" pitchFamily="18" charset="0"/>
+                <a:cs typeface="Times New Roman" pitchFamily="18" charset="0"/>
+              </a:rPr>
+              <a:t> </a:t>
+            </a:r>
+            <a:r>
+              <a:rPr lang="en-US" sz="5400" dirty="0" smtClean="0">
+                <a:solidFill>
+                  <a:srgbClr val="0000FF"/>
                 </a:solidFill>
               </a:rPr>
               <a:t>p</a:t>
@@ -10457,15 +8760,16 @@
             <a:r>
               <a:rPr lang="en-US" sz="5400" baseline="-25000" dirty="0" smtClean="0">
                 <a:solidFill>
-                  <a:srgbClr val="0000CC"/>
+                  <a:srgbClr val="0000FF"/>
                 </a:solidFill>
               </a:rPr>
               <a:t>i</a:t>
             </a:r>
-            <a:r>
-              <a:rPr lang="en-US" sz="5400" dirty="0" smtClean="0"/>
-              <a:t> is prime</a:t>
-            </a:r>
+            <a:endParaRPr lang="en-US" sz="5400" dirty="0" smtClean="0">
+              <a:solidFill>
+                <a:srgbClr val="0000FF"/>
+              </a:solidFill>
+            </a:endParaRPr>
           </a:p>
         </p:txBody>
       </p:sp>
@@ -10511,7 +8815,7 @@
             <a:fld id="{1E83CE83-D8E2-4A50-959E-C2B83E2300DA}" type="slidenum">
               <a:rPr lang="en-US" sz="1200" smtClean="0"/>
               <a:pPr algn="r"/>
-              <a:t>19</a:t>
+              <a:t>17</a:t>
             </a:fld>
             <a:endParaRPr lang="en-US" sz="1200" dirty="0"/>
           </a:p>
@@ -10862,6 +9166,324 @@
 </p:sld>
 </file>
 
+<file path=ppt/slides/slide18.xml><?xml version="1.0" encoding="utf-8"?>
+<p:sld xmlns:a="http://schemas.openxmlformats.org/drawingml/2006/main" xmlns:r="http://schemas.openxmlformats.org/officeDocument/2006/relationships" xmlns:p="http://schemas.openxmlformats.org/presentationml/2006/main" show="0">
+  <p:cSld>
+    <p:spTree>
+      <p:nvGrpSpPr>
+        <p:cNvPr id="1" name=""/>
+        <p:cNvGrpSpPr/>
+        <p:nvPr/>
+      </p:nvGrpSpPr>
+      <p:grpSpPr>
+        <a:xfrm>
+          <a:off x="0" y="0"/>
+          <a:ext cx="0" cy="0"/>
+          <a:chOff x="0" y="0"/>
+          <a:chExt cx="0" cy="0"/>
+        </a:xfrm>
+      </p:grpSpPr>
+      <p:sp>
+        <p:nvSpPr>
+          <p:cNvPr id="5123" name="Rectangle 2"/>
+          <p:cNvSpPr>
+            <a:spLocks noGrp="1" noChangeArrowheads="1"/>
+          </p:cNvSpPr>
+          <p:nvPr>
+            <p:ph type="title"/>
+          </p:nvPr>
+        </p:nvSpPr>
+        <p:spPr/>
+        <p:txBody>
+          <a:bodyPr/>
+          <a:lstStyle/>
+          <a:p>
+            <a:pPr eaLnBrk="1" hangingPunct="1"/>
+            <a:r>
+              <a:rPr lang="en-US" smtClean="0"/>
+              <a:t>Unique Prime Factorization</a:t>
+            </a:r>
+          </a:p>
+        </p:txBody>
+      </p:sp>
+      <p:sp>
+        <p:nvSpPr>
+          <p:cNvPr id="5124" name="Rectangle 3"/>
+          <p:cNvSpPr>
+            <a:spLocks noGrp="1" noChangeArrowheads="1"/>
+          </p:cNvSpPr>
+          <p:nvPr>
+            <p:ph type="body" idx="1"/>
+          </p:nvPr>
+        </p:nvSpPr>
+        <p:spPr>
+          <a:xfrm>
+            <a:off x="304800" y="990600"/>
+            <a:ext cx="8610600" cy="5334000"/>
+          </a:xfrm>
+        </p:spPr>
+        <p:txBody>
+          <a:bodyPr/>
+          <a:lstStyle/>
+          <a:p>
+            <a:pPr marL="0" indent="0" eaLnBrk="1" hangingPunct="1">
+              <a:buFontTx/>
+              <a:buNone/>
+            </a:pPr>
+            <a:r>
+              <a:rPr lang="en-US" sz="4800" dirty="0" err="1" smtClean="0">
+                <a:solidFill>
+                  <a:srgbClr val="CB10A8"/>
+                </a:solidFill>
+              </a:rPr>
+              <a:t>Cor</a:t>
+            </a:r>
+            <a:r>
+              <a:rPr lang="en-US" sz="4800" dirty="0" smtClean="0"/>
+              <a:t>:</a:t>
+            </a:r>
+            <a:r>
+              <a:rPr lang="en-US" sz="6000" dirty="0" smtClean="0"/>
+              <a:t> </a:t>
+            </a:r>
+            <a:r>
+              <a:rPr lang="en-US" sz="6000" dirty="0" smtClean="0"/>
+              <a:t>if </a:t>
+            </a:r>
+            <a:r>
+              <a:rPr lang="en-US" sz="6000" dirty="0" smtClean="0">
+                <a:solidFill>
+                  <a:srgbClr val="0000CC"/>
+                </a:solidFill>
+              </a:rPr>
+              <a:t>n = p</a:t>
+            </a:r>
+            <a:r>
+              <a:rPr lang="en-US" sz="6000" baseline="-25000" dirty="0" smtClean="0">
+                <a:solidFill>
+                  <a:srgbClr val="0000CC"/>
+                </a:solidFill>
+              </a:rPr>
+              <a:t>1</a:t>
+            </a:r>
+            <a:r>
+              <a:rPr lang="en-US" sz="6000" dirty="0" smtClean="0">
+                <a:solidFill>
+                  <a:srgbClr val="0000CC"/>
+                </a:solidFill>
+              </a:rPr>
+              <a:t>·p</a:t>
+            </a:r>
+            <a:r>
+              <a:rPr lang="en-US" sz="6000" baseline="-25000" dirty="0" smtClean="0">
+                <a:solidFill>
+                  <a:srgbClr val="0000CC"/>
+                </a:solidFill>
+              </a:rPr>
+              <a:t>2</a:t>
+            </a:r>
+            <a:r>
+              <a:rPr lang="en-US" sz="6000" dirty="0" smtClean="0">
+                <a:solidFill>
+                  <a:srgbClr val="0000CC"/>
+                </a:solidFill>
+              </a:rPr>
+              <a:t>···</a:t>
+            </a:r>
+            <a:r>
+              <a:rPr lang="en-US" sz="6000" dirty="0" err="1" smtClean="0">
+                <a:solidFill>
+                  <a:srgbClr val="0000CC"/>
+                </a:solidFill>
+              </a:rPr>
+              <a:t>p</a:t>
+            </a:r>
+            <a:r>
+              <a:rPr lang="en-US" sz="6000" baseline="-25000" dirty="0" err="1" smtClean="0">
+                <a:solidFill>
+                  <a:srgbClr val="0000CC"/>
+                </a:solidFill>
+              </a:rPr>
+              <a:t>k</a:t>
+            </a:r>
+            <a:endParaRPr lang="en-US" sz="6000" dirty="0" smtClean="0"/>
+          </a:p>
+          <a:p>
+            <a:pPr marL="0" indent="0" eaLnBrk="1" hangingPunct="1">
+              <a:buFontTx/>
+              <a:buNone/>
+            </a:pPr>
+            <a:r>
+              <a:rPr lang="en-US" sz="6000" dirty="0" smtClean="0"/>
+              <a:t>and </a:t>
+            </a:r>
+            <a:r>
+              <a:rPr lang="en-US" sz="6000" dirty="0" err="1" smtClean="0">
+                <a:solidFill>
+                  <a:srgbClr val="0000CC"/>
+                </a:solidFill>
+              </a:rPr>
+              <a:t>m</a:t>
+            </a:r>
+            <a:r>
+              <a:rPr lang="en-US" sz="6000" dirty="0" err="1" smtClean="0"/>
+              <a:t>|</a:t>
+            </a:r>
+            <a:r>
+              <a:rPr lang="en-US" sz="6000" dirty="0" err="1" smtClean="0">
+                <a:solidFill>
+                  <a:srgbClr val="0000CC"/>
+                </a:solidFill>
+              </a:rPr>
+              <a:t>n</a:t>
+            </a:r>
+            <a:r>
+              <a:rPr lang="en-US" sz="6000" dirty="0" smtClean="0"/>
+              <a:t>,</a:t>
+            </a:r>
+            <a:r>
+              <a:rPr lang="en-US" sz="6000" i="1" dirty="0" smtClean="0">
+                <a:solidFill>
+                  <a:srgbClr val="0000CC"/>
+                </a:solidFill>
+              </a:rPr>
+              <a:t> </a:t>
+            </a:r>
+            <a:r>
+              <a:rPr lang="en-US" sz="6000" dirty="0" smtClean="0"/>
+              <a:t>then</a:t>
+            </a:r>
+          </a:p>
+        </p:txBody>
+      </p:sp>
+      <p:graphicFrame>
+        <p:nvGraphicFramePr>
+          <p:cNvPr id="5122" name="Object 4"/>
+          <p:cNvGraphicFramePr>
+            <a:graphicFrameLocks noChangeAspect="1"/>
+          </p:cNvGraphicFramePr>
+          <p:nvPr/>
+        </p:nvGraphicFramePr>
+        <p:xfrm>
+          <a:off x="2154238" y="3101975"/>
+          <a:ext cx="4759325" cy="1501775"/>
+        </p:xfrm>
+        <a:graphic>
+          <a:graphicData uri="http://schemas.openxmlformats.org/presentationml/2006/ole">
+            <mc:AlternateContent xmlns:mc="http://schemas.openxmlformats.org/markup-compatibility/2006">
+              <mc:Choice xmlns:v="urn:schemas-microsoft-com:vml" Requires="v">
+                <p:oleObj spid="_x0000_s105518" name="Equation" r:id="rId4" imgW="927000" imgH="291960" progId="Equation.DSMT4">
+                  <p:embed/>
+                </p:oleObj>
+              </mc:Choice>
+              <mc:Fallback>
+                <p:oleObj name="Equation" r:id="rId4" imgW="927000" imgH="291960" progId="Equation.DSMT4">
+                  <p:embed/>
+                  <p:pic>
+                    <p:nvPicPr>
+                      <p:cNvPr id="0" name="Object 4"/>
+                      <p:cNvPicPr>
+                        <a:picLocks noChangeAspect="1" noChangeArrowheads="1"/>
+                      </p:cNvPicPr>
+                      <p:nvPr/>
+                    </p:nvPicPr>
+                    <p:blipFill>
+                      <a:blip r:embed="rId5">
+                        <a:extLst>
+                          <a:ext uri="{28A0092B-C50C-407E-A947-70E740481C1C}">
+                            <a14:useLocalDpi xmlns:a14="http://schemas.microsoft.com/office/drawing/2010/main" val="0"/>
+                          </a:ext>
+                        </a:extLst>
+                      </a:blip>
+                      <a:srcRect/>
+                      <a:stretch>
+                        <a:fillRect/>
+                      </a:stretch>
+                    </p:blipFill>
+                    <p:spPr bwMode="auto">
+                      <a:xfrm>
+                        <a:off x="2154238" y="3101975"/>
+                        <a:ext cx="4759325" cy="1501775"/>
+                      </a:xfrm>
+                      <a:prstGeom prst="rect">
+                        <a:avLst/>
+                      </a:prstGeom>
+                      <a:noFill/>
+                      <a:extLst>
+                        <a:ext uri="{909E8E84-426E-40dd-AFC4-6F175D3DCCD1}">
+                          <a14:hiddenFill xmlns:a14="http://schemas.microsoft.com/office/drawing/2010/main">
+                            <a:solidFill>
+                              <a:srgbClr val="FFFFFF"/>
+                            </a:solidFill>
+                          </a14:hiddenFill>
+                        </a:ext>
+                      </a:extLst>
+                    </p:spPr>
+                  </p:pic>
+                </p:oleObj>
+              </mc:Fallback>
+            </mc:AlternateContent>
+          </a:graphicData>
+        </a:graphic>
+      </p:graphicFrame>
+      <p:sp>
+        <p:nvSpPr>
+          <p:cNvPr id="5125" name="Slide Number Placeholder 3"/>
+          <p:cNvSpPr>
+            <a:spLocks noGrp="1"/>
+          </p:cNvSpPr>
+          <p:nvPr>
+            <p:ph type="sldNum" sz="quarter" idx="10"/>
+          </p:nvPr>
+        </p:nvSpPr>
+        <p:spPr>
+          <a:noFill/>
+        </p:spPr>
+        <p:txBody>
+          <a:bodyPr/>
+          <a:lstStyle/>
+          <a:p>
+            <a:r>
+              <a:rPr lang="en-US" dirty="0" err="1" smtClean="0">
+                <a:latin typeface="Comic Sans MS" pitchFamily="8" charset="0"/>
+              </a:rPr>
+              <a:t>lec</a:t>
+            </a:r>
+            <a:r>
+              <a:rPr lang="en-US" dirty="0" smtClean="0">
+                <a:latin typeface="Comic Sans MS" pitchFamily="8" charset="0"/>
+              </a:rPr>
+              <a:t> 5M.</a:t>
+            </a:r>
+            <a:fld id="{95057273-9505-4353-AC2A-8AAF7E48A8DB}" type="slidenum">
+              <a:rPr lang="en-US" sz="1200" smtClean="0">
+                <a:latin typeface="Comic Sans MS" pitchFamily="8" charset="0"/>
+              </a:rPr>
+              <a:pPr/>
+              <a:t>18</a:t>
+            </a:fld>
+            <a:endParaRPr lang="en-US" sz="1200" dirty="0" smtClean="0">
+              <a:latin typeface="Comic Sans MS" pitchFamily="8" charset="0"/>
+            </a:endParaRPr>
+          </a:p>
+        </p:txBody>
+      </p:sp>
+    </p:spTree>
+  </p:cSld>
+  <p:clrMapOvr>
+    <a:masterClrMapping/>
+  </p:clrMapOvr>
+  <p:transition xmlns:p14="http://schemas.microsoft.com/office/powerpoint/2010/main"/>
+  <p:timing>
+    <p:tnLst>
+      <p:par>
+        <p:cTn xmlns:p14="http://schemas.microsoft.com/office/powerpoint/2010/main" id="1" dur="indefinite" restart="never" nodeType="tmRoot"/>
+      </p:par>
+    </p:tnLst>
+  </p:timing>
+</p:sld>
+</file>
+
 <file path=ppt/slides/slide2.xml><?xml version="1.0" encoding="utf-8"?>
 <p:sld xmlns:a="http://schemas.openxmlformats.org/drawingml/2006/main" xmlns:r="http://schemas.openxmlformats.org/officeDocument/2006/relationships" xmlns:p="http://schemas.openxmlformats.org/presentationml/2006/main">
   <p:cSld>
@@ -10970,7 +9592,7 @@
             </a:r>
             <a:r>
               <a:rPr lang="en-US" sz="6000" dirty="0" smtClean="0"/>
-              <a:t> gal. and </a:t>
+              <a:t> gal. &amp; </a:t>
             </a:r>
             <a:r>
               <a:rPr lang="en-US" sz="6000" dirty="0" smtClean="0">
@@ -11308,347 +9930,6 @@
 </p:sld>
 </file>
 
-<file path=ppt/slides/slide20.xml><?xml version="1.0" encoding="utf-8"?>
-<p:sld xmlns:a="http://schemas.openxmlformats.org/drawingml/2006/main" xmlns:r="http://schemas.openxmlformats.org/officeDocument/2006/relationships" xmlns:p="http://schemas.openxmlformats.org/presentationml/2006/main" show="0">
-  <p:cSld>
-    <p:spTree>
-      <p:nvGrpSpPr>
-        <p:cNvPr id="1" name=""/>
-        <p:cNvGrpSpPr/>
-        <p:nvPr/>
-      </p:nvGrpSpPr>
-      <p:grpSpPr>
-        <a:xfrm>
-          <a:off x="0" y="0"/>
-          <a:ext cx="0" cy="0"/>
-          <a:chOff x="0" y="0"/>
-          <a:chExt cx="0" cy="0"/>
-        </a:xfrm>
-      </p:grpSpPr>
-      <p:sp>
-        <p:nvSpPr>
-          <p:cNvPr id="5123" name="Rectangle 2"/>
-          <p:cNvSpPr>
-            <a:spLocks noGrp="1" noChangeArrowheads="1"/>
-          </p:cNvSpPr>
-          <p:nvPr>
-            <p:ph type="title"/>
-          </p:nvPr>
-        </p:nvSpPr>
-        <p:spPr/>
-        <p:txBody>
-          <a:bodyPr/>
-          <a:lstStyle/>
-          <a:p>
-            <a:pPr eaLnBrk="1" hangingPunct="1"/>
-            <a:r>
-              <a:rPr lang="en-US" smtClean="0"/>
-              <a:t>Unique Prime Factorization</a:t>
-            </a:r>
-          </a:p>
-        </p:txBody>
-      </p:sp>
-      <p:sp>
-        <p:nvSpPr>
-          <p:cNvPr id="5124" name="Rectangle 3"/>
-          <p:cNvSpPr>
-            <a:spLocks noGrp="1" noChangeArrowheads="1"/>
-          </p:cNvSpPr>
-          <p:nvPr>
-            <p:ph type="body" idx="1"/>
-          </p:nvPr>
-        </p:nvSpPr>
-        <p:spPr>
-          <a:xfrm>
-            <a:off x="304800" y="990600"/>
-            <a:ext cx="8610600" cy="5334000"/>
-          </a:xfrm>
-        </p:spPr>
-        <p:txBody>
-          <a:bodyPr/>
-          <a:lstStyle/>
-          <a:p>
-            <a:pPr marL="0" indent="0" eaLnBrk="1" hangingPunct="1">
-              <a:buFontTx/>
-              <a:buNone/>
-            </a:pPr>
-            <a:r>
-              <a:rPr lang="en-US" sz="6000" i="1" dirty="0" err="1" smtClean="0"/>
-              <a:t>Cor</a:t>
-            </a:r>
-            <a:r>
-              <a:rPr lang="en-US" sz="6000" i="1" dirty="0" smtClean="0"/>
-              <a:t> </a:t>
-            </a:r>
-            <a:r>
-              <a:rPr lang="en-US" sz="6000" dirty="0" smtClean="0"/>
-              <a:t>: if </a:t>
-            </a:r>
-            <a:r>
-              <a:rPr lang="en-US" sz="6000" dirty="0" smtClean="0">
-                <a:solidFill>
-                  <a:srgbClr val="0000CC"/>
-                </a:solidFill>
-              </a:rPr>
-              <a:t>n = p</a:t>
-            </a:r>
-            <a:r>
-              <a:rPr lang="en-US" sz="6000" baseline="-25000" dirty="0" smtClean="0">
-                <a:solidFill>
-                  <a:srgbClr val="0000CC"/>
-                </a:solidFill>
-              </a:rPr>
-              <a:t>1</a:t>
-            </a:r>
-            <a:r>
-              <a:rPr lang="en-US" sz="6000" dirty="0" smtClean="0">
-                <a:solidFill>
-                  <a:srgbClr val="0000CC"/>
-                </a:solidFill>
-              </a:rPr>
-              <a:t>·p</a:t>
-            </a:r>
-            <a:r>
-              <a:rPr lang="en-US" sz="6000" baseline="-25000" dirty="0" smtClean="0">
-                <a:solidFill>
-                  <a:srgbClr val="0000CC"/>
-                </a:solidFill>
-              </a:rPr>
-              <a:t>2</a:t>
-            </a:r>
-            <a:r>
-              <a:rPr lang="en-US" sz="6000" dirty="0" smtClean="0">
-                <a:solidFill>
-                  <a:srgbClr val="0000CC"/>
-                </a:solidFill>
-              </a:rPr>
-              <a:t>···</a:t>
-            </a:r>
-            <a:r>
-              <a:rPr lang="en-US" sz="6000" dirty="0" err="1" smtClean="0">
-                <a:solidFill>
-                  <a:srgbClr val="0000CC"/>
-                </a:solidFill>
-              </a:rPr>
-              <a:t>p</a:t>
-            </a:r>
-            <a:r>
-              <a:rPr lang="en-US" sz="6000" baseline="-25000" dirty="0" err="1" smtClean="0">
-                <a:solidFill>
-                  <a:srgbClr val="0000CC"/>
-                </a:solidFill>
-              </a:rPr>
-              <a:t>k</a:t>
-            </a:r>
-            <a:endParaRPr lang="en-US" sz="6000" dirty="0" smtClean="0"/>
-          </a:p>
-          <a:p>
-            <a:pPr marL="0" indent="0" eaLnBrk="1" hangingPunct="1">
-              <a:buFontTx/>
-              <a:buNone/>
-            </a:pPr>
-            <a:r>
-              <a:rPr lang="en-US" sz="6000" dirty="0" smtClean="0"/>
-              <a:t>and </a:t>
-            </a:r>
-            <a:r>
-              <a:rPr lang="en-US" sz="6000" dirty="0" err="1" smtClean="0">
-                <a:solidFill>
-                  <a:srgbClr val="0000CC"/>
-                </a:solidFill>
-              </a:rPr>
-              <a:t>m</a:t>
-            </a:r>
-            <a:r>
-              <a:rPr lang="en-US" sz="6000" dirty="0" err="1" smtClean="0"/>
-              <a:t>|</a:t>
-            </a:r>
-            <a:r>
-              <a:rPr lang="en-US" sz="6000" dirty="0" err="1" smtClean="0">
-                <a:solidFill>
-                  <a:srgbClr val="0000CC"/>
-                </a:solidFill>
-              </a:rPr>
-              <a:t>n</a:t>
-            </a:r>
-            <a:r>
-              <a:rPr lang="en-US" sz="6000" dirty="0" smtClean="0"/>
-              <a:t>,</a:t>
-            </a:r>
-            <a:r>
-              <a:rPr lang="en-US" sz="6000" i="1" dirty="0" smtClean="0">
-                <a:solidFill>
-                  <a:srgbClr val="0000CC"/>
-                </a:solidFill>
-              </a:rPr>
-              <a:t> </a:t>
-            </a:r>
-            <a:r>
-              <a:rPr lang="en-US" sz="6000" dirty="0" smtClean="0"/>
-              <a:t>then</a:t>
-            </a:r>
-          </a:p>
-        </p:txBody>
-      </p:sp>
-      <p:graphicFrame>
-        <p:nvGraphicFramePr>
-          <p:cNvPr id="5122" name="Object 4"/>
-          <p:cNvGraphicFramePr>
-            <a:graphicFrameLocks noChangeAspect="1"/>
-          </p:cNvGraphicFramePr>
-          <p:nvPr/>
-        </p:nvGraphicFramePr>
-        <p:xfrm>
-          <a:off x="2154238" y="3101975"/>
-          <a:ext cx="4759325" cy="1501775"/>
-        </p:xfrm>
-        <a:graphic>
-          <a:graphicData uri="http://schemas.openxmlformats.org/presentationml/2006/ole">
-            <mc:AlternateContent xmlns:mc="http://schemas.openxmlformats.org/markup-compatibility/2006">
-              <mc:Choice xmlns:v="urn:schemas-microsoft-com:vml" Requires="v">
-                <p:oleObj spid="_x0000_s105509" name="Equation" r:id="rId4" imgW="927000" imgH="291960" progId="Equation.DSMT4">
-                  <p:embed/>
-                </p:oleObj>
-              </mc:Choice>
-              <mc:Fallback>
-                <p:oleObj name="Equation" r:id="rId4" imgW="927000" imgH="291960" progId="Equation.DSMT4">
-                  <p:embed/>
-                  <p:pic>
-                    <p:nvPicPr>
-                      <p:cNvPr id="0" name="Object 4"/>
-                      <p:cNvPicPr>
-                        <a:picLocks noChangeAspect="1" noChangeArrowheads="1"/>
-                      </p:cNvPicPr>
-                      <p:nvPr/>
-                    </p:nvPicPr>
-                    <p:blipFill>
-                      <a:blip r:embed="rId5">
-                        <a:extLst>
-                          <a:ext uri="{28A0092B-C50C-407E-A947-70E740481C1C}">
-                            <a14:useLocalDpi xmlns:a14="http://schemas.microsoft.com/office/drawing/2010/main" val="0"/>
-                          </a:ext>
-                        </a:extLst>
-                      </a:blip>
-                      <a:srcRect/>
-                      <a:stretch>
-                        <a:fillRect/>
-                      </a:stretch>
-                    </p:blipFill>
-                    <p:spPr bwMode="auto">
-                      <a:xfrm>
-                        <a:off x="2154238" y="3101975"/>
-                        <a:ext cx="4759325" cy="1501775"/>
-                      </a:xfrm>
-                      <a:prstGeom prst="rect">
-                        <a:avLst/>
-                      </a:prstGeom>
-                      <a:noFill/>
-                      <a:extLst>
-                        <a:ext uri="{909E8E84-426E-40dd-AFC4-6F175D3DCCD1}">
-                          <a14:hiddenFill xmlns:a14="http://schemas.microsoft.com/office/drawing/2010/main">
-                            <a:solidFill>
-                              <a:srgbClr val="FFFFFF"/>
-                            </a:solidFill>
-                          </a14:hiddenFill>
-                        </a:ext>
-                      </a:extLst>
-                    </p:spPr>
-                  </p:pic>
-                </p:oleObj>
-              </mc:Fallback>
-            </mc:AlternateContent>
-          </a:graphicData>
-        </a:graphic>
-      </p:graphicFrame>
-      <p:sp>
-        <p:nvSpPr>
-          <p:cNvPr id="5125" name="Slide Number Placeholder 3"/>
-          <p:cNvSpPr>
-            <a:spLocks noGrp="1"/>
-          </p:cNvSpPr>
-          <p:nvPr>
-            <p:ph type="sldNum" sz="quarter" idx="10"/>
-          </p:nvPr>
-        </p:nvSpPr>
-        <p:spPr>
-          <a:noFill/>
-        </p:spPr>
-        <p:txBody>
-          <a:bodyPr/>
-          <a:lstStyle/>
-          <a:p>
-            <a:r>
-              <a:rPr lang="en-US" dirty="0" err="1" smtClean="0">
-                <a:latin typeface="Comic Sans MS" pitchFamily="8" charset="0"/>
-              </a:rPr>
-              <a:t>lec</a:t>
-            </a:r>
-            <a:r>
-              <a:rPr lang="en-US" dirty="0" smtClean="0">
-                <a:latin typeface="Comic Sans MS" pitchFamily="8" charset="0"/>
-              </a:rPr>
-              <a:t> 5M.</a:t>
-            </a:r>
-            <a:fld id="{95057273-9505-4353-AC2A-8AAF7E48A8DB}" type="slidenum">
-              <a:rPr lang="en-US" sz="1200" smtClean="0">
-                <a:latin typeface="Comic Sans MS" pitchFamily="8" charset="0"/>
-              </a:rPr>
-              <a:pPr/>
-              <a:t>20</a:t>
-            </a:fld>
-            <a:endParaRPr lang="en-US" sz="1200" dirty="0" smtClean="0">
-              <a:latin typeface="Comic Sans MS" pitchFamily="8" charset="0"/>
-            </a:endParaRPr>
-          </a:p>
-        </p:txBody>
-      </p:sp>
-      <p:sp>
-        <p:nvSpPr>
-          <p:cNvPr id="6" name="Rectangle 5"/>
-          <p:cNvSpPr/>
-          <p:nvPr/>
-        </p:nvSpPr>
-        <p:spPr>
-          <a:xfrm>
-            <a:off x="9267875" y="1598226"/>
-            <a:ext cx="304699" cy="276999"/>
-          </a:xfrm>
-          <a:prstGeom prst="rect">
-            <a:avLst/>
-          </a:prstGeom>
-        </p:spPr>
-        <p:txBody>
-          <a:bodyPr wrap="none">
-            <a:spAutoFit/>
-          </a:bodyPr>
-          <a:lstStyle/>
-          <a:p>
-            <a:r>
-              <a:rPr lang="en-US" sz="1200" dirty="0" smtClean="0">
-                <a:latin typeface="EuclidSymbol"/>
-              </a:rPr>
-              <a:t>≠</a:t>
-            </a:r>
-            <a:endParaRPr lang="en-US" dirty="0"/>
-          </a:p>
-        </p:txBody>
-      </p:sp>
-    </p:spTree>
-  </p:cSld>
-  <p:clrMapOvr>
-    <a:masterClrMapping/>
-  </p:clrMapOvr>
-  <p:transition xmlns:p14="http://schemas.microsoft.com/office/powerpoint/2010/main"/>
-  <p:timing>
-    <p:tnLst>
-      <p:par>
-        <p:cTn xmlns:p14="http://schemas.microsoft.com/office/powerpoint/2010/main" id="1" dur="indefinite" restart="never" nodeType="tmRoot"/>
-      </p:par>
-    </p:tnLst>
-  </p:timing>
-</p:sld>
-</file>
-
 <file path=ppt/slides/slide3.xml><?xml version="1.0" encoding="utf-8"?>
 <p:sld xmlns:a="http://schemas.openxmlformats.org/drawingml/2006/main" xmlns:r="http://schemas.openxmlformats.org/officeDocument/2006/relationships" xmlns:p="http://schemas.openxmlformats.org/presentationml/2006/main">
   <p:cSld>
@@ -11715,9 +9996,8 @@
             </a:pPr>
             <a:r>
               <a:rPr lang="en-US" sz="5400" dirty="0" smtClean="0"/>
-              <a:t>Under Die Hard rules, gal.’s in each bucket is a</a:t>
-            </a:r>
-            <a:endParaRPr lang="en-US" sz="5400" i="1" dirty="0" smtClean="0"/>
+              <a:t>Under Die Hard rules, gal.’s in each bucket are</a:t>
+            </a:r>
           </a:p>
           <a:p>
             <a:pPr marL="0" indent="0" algn="ctr" eaLnBrk="1" hangingPunct="1">
@@ -11730,7 +10010,7 @@
                   <a:srgbClr val="CB10A8"/>
                 </a:solidFill>
               </a:rPr>
-              <a:t>linear combination</a:t>
+              <a:t>linear combinations</a:t>
             </a:r>
             <a:endParaRPr lang="en-US" sz="5400" dirty="0"/>
           </a:p>
@@ -12037,9 +10317,8 @@
             </a:pPr>
             <a:r>
               <a:rPr lang="en-US" sz="5400" dirty="0" smtClean="0"/>
-              <a:t>Under Die Hard rules, gal.’s in each bucket is a</a:t>
-            </a:r>
-            <a:endParaRPr lang="en-US" sz="5400" i="1" dirty="0" smtClean="0"/>
+              <a:t>Under Die Hard rules, gal.’s in each bucket are</a:t>
+            </a:r>
           </a:p>
           <a:p>
             <a:pPr marL="0" indent="0" algn="ctr" eaLnBrk="1" hangingPunct="1">
@@ -12052,7 +10331,7 @@
                   <a:srgbClr val="CB10A8"/>
                 </a:solidFill>
               </a:rPr>
-              <a:t>multiple </a:t>
+              <a:t>multiples </a:t>
             </a:r>
             <a:r>
               <a:rPr lang="en-US" sz="5400" dirty="0" smtClean="0">
